--- a/diagrams/NewFormDesign.pptx
+++ b/diagrams/NewFormDesign.pptx
@@ -4,12 +4,32 @@
   <p:sldMasterIdLst>
     <p:sldMasterId id="2147483648" r:id="rId1"/>
   </p:sldMasterIdLst>
+  <p:notesMasterIdLst>
+    <p:notesMasterId r:id="rId24"/>
+  </p:notesMasterIdLst>
   <p:sldIdLst>
-    <p:sldId id="257" r:id="rId2"/>
-    <p:sldId id="256" r:id="rId3"/>
-    <p:sldId id="258" r:id="rId4"/>
-    <p:sldId id="259" r:id="rId5"/>
-    <p:sldId id="260" r:id="rId6"/>
+    <p:sldId id="263" r:id="rId2"/>
+    <p:sldId id="264" r:id="rId3"/>
+    <p:sldId id="257" r:id="rId4"/>
+    <p:sldId id="265" r:id="rId5"/>
+    <p:sldId id="267" r:id="rId6"/>
+    <p:sldId id="256" r:id="rId7"/>
+    <p:sldId id="258" r:id="rId8"/>
+    <p:sldId id="259" r:id="rId9"/>
+    <p:sldId id="260" r:id="rId10"/>
+    <p:sldId id="261" r:id="rId11"/>
+    <p:sldId id="270" r:id="rId12"/>
+    <p:sldId id="275" r:id="rId13"/>
+    <p:sldId id="266" r:id="rId14"/>
+    <p:sldId id="268" r:id="rId15"/>
+    <p:sldId id="269" r:id="rId16"/>
+    <p:sldId id="262" r:id="rId17"/>
+    <p:sldId id="276" r:id="rId18"/>
+    <p:sldId id="277" r:id="rId19"/>
+    <p:sldId id="272" r:id="rId20"/>
+    <p:sldId id="274" r:id="rId21"/>
+    <p:sldId id="273" r:id="rId22"/>
+    <p:sldId id="278" r:id="rId23"/>
   </p:sldIdLst>
   <p:sldSz cx="12192000" cy="6858000"/>
   <p:notesSz cx="6858000" cy="9144000"/>
@@ -132,6 +152,230 @@
           <inkml:channelProperty channel="F" name="resolution" value="0" units="1/dev"/>
         </inkml:channelProperties>
       </inkml:inkSource>
+      <inkml:timestamp xml:id="ts0" timeString="2022-08-26T03:54:01.722"/>
+    </inkml:context>
+    <inkml:brush xml:id="br0">
+      <inkml:brushProperty name="width" value="0.05" units="cm"/>
+      <inkml:brushProperty name="height" value="0.05" units="cm"/>
+      <inkml:brushProperty name="color" value="#E71224"/>
+    </inkml:brush>
+  </inkml:definitions>
+  <inkml:trace contextRef="#ctx0" brushRef="#br0">0 0 24575,'4'3'0,"-1"-1"0,1 1 0,-1 0 0,1 0 0,-1 0 0,0 0 0,-1 1 0,1-1 0,0 1 0,3 7 0,3 1 0,571 663-1785,35-29-515,-467-493 2484,452 460-184,11 12-1214,-509-522 1033,-18-21 2775,100 129 0,-168-188-3851,-3-2-5569</inkml:trace>
+</inkml:ink>
+</file>
+
+<file path=ppt/ink/ink10.xml><?xml version="1.0" encoding="utf-8"?>
+<inkml:ink xmlns:inkml="http://www.w3.org/2003/InkML">
+  <inkml:definitions>
+    <inkml:context xml:id="ctx0">
+      <inkml:inkSource xml:id="inkSrc0">
+        <inkml:traceFormat>
+          <inkml:channel name="X" type="integer" min="-2.14748E9" max="2.14748E9" units="cm"/>
+          <inkml:channel name="Y" type="integer" min="-2.14748E9" max="2.14748E9" units="cm"/>
+          <inkml:channel name="F" type="integer" max="32767" units="dev"/>
+        </inkml:traceFormat>
+        <inkml:channelProperties>
+          <inkml:channelProperty channel="X" name="resolution" value="1000" units="1/cm"/>
+          <inkml:channelProperty channel="Y" name="resolution" value="1000" units="1/cm"/>
+          <inkml:channelProperty channel="F" name="resolution" value="0" units="1/dev"/>
+        </inkml:channelProperties>
+      </inkml:inkSource>
+      <inkml:timestamp xml:id="ts0" timeString="2022-08-26T03:54:09.466"/>
+    </inkml:context>
+    <inkml:brush xml:id="br0">
+      <inkml:brushProperty name="width" value="0.05" units="cm"/>
+      <inkml:brushProperty name="height" value="0.05" units="cm"/>
+      <inkml:brushProperty name="color" value="#E71224"/>
+    </inkml:brush>
+  </inkml:definitions>
+  <inkml:trace contextRef="#ctx0" brushRef="#br0">0 0 24575,'0'0'-8191</inkml:trace>
+</inkml:ink>
+</file>
+
+<file path=ppt/ink/ink11.xml><?xml version="1.0" encoding="utf-8"?>
+<inkml:ink xmlns:inkml="http://www.w3.org/2003/InkML">
+  <inkml:definitions>
+    <inkml:context xml:id="ctx0">
+      <inkml:inkSource xml:id="inkSrc0">
+        <inkml:traceFormat>
+          <inkml:channel name="X" type="integer" min="-2.14748E9" max="2.14748E9" units="cm"/>
+          <inkml:channel name="Y" type="integer" min="-2.14748E9" max="2.14748E9" units="cm"/>
+          <inkml:channel name="F" type="integer" max="32767" units="dev"/>
+        </inkml:traceFormat>
+        <inkml:channelProperties>
+          <inkml:channelProperty channel="X" name="resolution" value="1000" units="1/cm"/>
+          <inkml:channelProperty channel="Y" name="resolution" value="1000" units="1/cm"/>
+          <inkml:channelProperty channel="F" name="resolution" value="0" units="1/dev"/>
+        </inkml:channelProperties>
+      </inkml:inkSource>
+      <inkml:timestamp xml:id="ts0" timeString="2022-08-26T03:54:09.466"/>
+    </inkml:context>
+    <inkml:brush xml:id="br0">
+      <inkml:brushProperty name="width" value="0.05" units="cm"/>
+      <inkml:brushProperty name="height" value="0.05" units="cm"/>
+      <inkml:brushProperty name="color" value="#E71224"/>
+    </inkml:brush>
+  </inkml:definitions>
+  <inkml:trace contextRef="#ctx0" brushRef="#br0">0 0 24575,'0'0'-8191</inkml:trace>
+</inkml:ink>
+</file>
+
+<file path=ppt/ink/ink12.xml><?xml version="1.0" encoding="utf-8"?>
+<inkml:ink xmlns:inkml="http://www.w3.org/2003/InkML">
+  <inkml:definitions>
+    <inkml:context xml:id="ctx0">
+      <inkml:inkSource xml:id="inkSrc0">
+        <inkml:traceFormat>
+          <inkml:channel name="X" type="integer" min="-2.14748E9" max="2.14748E9" units="cm"/>
+          <inkml:channel name="Y" type="integer" min="-2.14748E9" max="2.14748E9" units="cm"/>
+          <inkml:channel name="F" type="integer" max="32767" units="dev"/>
+        </inkml:traceFormat>
+        <inkml:channelProperties>
+          <inkml:channelProperty channel="X" name="resolution" value="1000" units="1/cm"/>
+          <inkml:channelProperty channel="Y" name="resolution" value="1000" units="1/cm"/>
+          <inkml:channelProperty channel="F" name="resolution" value="0" units="1/dev"/>
+        </inkml:channelProperties>
+      </inkml:inkSource>
+      <inkml:timestamp xml:id="ts0" timeString="2022-08-26T03:54:09.466"/>
+    </inkml:context>
+    <inkml:brush xml:id="br0">
+      <inkml:brushProperty name="width" value="0.05" units="cm"/>
+      <inkml:brushProperty name="height" value="0.05" units="cm"/>
+      <inkml:brushProperty name="color" value="#E71224"/>
+    </inkml:brush>
+  </inkml:definitions>
+  <inkml:trace contextRef="#ctx0" brushRef="#br0">0 0 24575,'0'0'-8191</inkml:trace>
+</inkml:ink>
+</file>
+
+<file path=ppt/ink/ink13.xml><?xml version="1.0" encoding="utf-8"?>
+<inkml:ink xmlns:inkml="http://www.w3.org/2003/InkML">
+  <inkml:definitions>
+    <inkml:context xml:id="ctx0">
+      <inkml:inkSource xml:id="inkSrc0">
+        <inkml:traceFormat>
+          <inkml:channel name="X" type="integer" min="-2.14748E9" max="2.14748E9" units="cm"/>
+          <inkml:channel name="Y" type="integer" min="-2.14748E9" max="2.14748E9" units="cm"/>
+          <inkml:channel name="F" type="integer" max="32767" units="dev"/>
+        </inkml:traceFormat>
+        <inkml:channelProperties>
+          <inkml:channelProperty channel="X" name="resolution" value="1000" units="1/cm"/>
+          <inkml:channelProperty channel="Y" name="resolution" value="1000" units="1/cm"/>
+          <inkml:channelProperty channel="F" name="resolution" value="0" units="1/dev"/>
+        </inkml:channelProperties>
+      </inkml:inkSource>
+      <inkml:timestamp xml:id="ts0" timeString="2022-08-26T03:54:09.466"/>
+    </inkml:context>
+    <inkml:brush xml:id="br0">
+      <inkml:brushProperty name="width" value="0.05" units="cm"/>
+      <inkml:brushProperty name="height" value="0.05" units="cm"/>
+      <inkml:brushProperty name="color" value="#E71224"/>
+    </inkml:brush>
+  </inkml:definitions>
+  <inkml:trace contextRef="#ctx0" brushRef="#br0">0 0 24575,'0'0'-8191</inkml:trace>
+</inkml:ink>
+</file>
+
+<file path=ppt/ink/ink14.xml><?xml version="1.0" encoding="utf-8"?>
+<inkml:ink xmlns:inkml="http://www.w3.org/2003/InkML">
+  <inkml:definitions>
+    <inkml:context xml:id="ctx0">
+      <inkml:inkSource xml:id="inkSrc0">
+        <inkml:traceFormat>
+          <inkml:channel name="X" type="integer" min="-2.14748E9" max="2.14748E9" units="cm"/>
+          <inkml:channel name="Y" type="integer" min="-2.14748E9" max="2.14748E9" units="cm"/>
+          <inkml:channel name="F" type="integer" max="32767" units="dev"/>
+        </inkml:traceFormat>
+        <inkml:channelProperties>
+          <inkml:channelProperty channel="X" name="resolution" value="1000" units="1/cm"/>
+          <inkml:channelProperty channel="Y" name="resolution" value="1000" units="1/cm"/>
+          <inkml:channelProperty channel="F" name="resolution" value="0" units="1/dev"/>
+        </inkml:channelProperties>
+      </inkml:inkSource>
+      <inkml:timestamp xml:id="ts0" timeString="2022-08-26T03:54:09.466"/>
+    </inkml:context>
+    <inkml:brush xml:id="br0">
+      <inkml:brushProperty name="width" value="0.05" units="cm"/>
+      <inkml:brushProperty name="height" value="0.05" units="cm"/>
+      <inkml:brushProperty name="color" value="#E71224"/>
+    </inkml:brush>
+  </inkml:definitions>
+  <inkml:trace contextRef="#ctx0" brushRef="#br0">0 0 24575,'0'0'-8191</inkml:trace>
+</inkml:ink>
+</file>
+
+<file path=ppt/ink/ink15.xml><?xml version="1.0" encoding="utf-8"?>
+<inkml:ink xmlns:inkml="http://www.w3.org/2003/InkML">
+  <inkml:definitions>
+    <inkml:context xml:id="ctx0">
+      <inkml:inkSource xml:id="inkSrc0">
+        <inkml:traceFormat>
+          <inkml:channel name="X" type="integer" min="-2.14748E9" max="2.14748E9" units="cm"/>
+          <inkml:channel name="Y" type="integer" min="-2.14748E9" max="2.14748E9" units="cm"/>
+          <inkml:channel name="F" type="integer" max="32767" units="dev"/>
+        </inkml:traceFormat>
+        <inkml:channelProperties>
+          <inkml:channelProperty channel="X" name="resolution" value="1000" units="1/cm"/>
+          <inkml:channelProperty channel="Y" name="resolution" value="1000" units="1/cm"/>
+          <inkml:channelProperty channel="F" name="resolution" value="0" units="1/dev"/>
+        </inkml:channelProperties>
+      </inkml:inkSource>
+      <inkml:timestamp xml:id="ts0" timeString="2022-08-26T03:54:09.466"/>
+    </inkml:context>
+    <inkml:brush xml:id="br0">
+      <inkml:brushProperty name="width" value="0.05" units="cm"/>
+      <inkml:brushProperty name="height" value="0.05" units="cm"/>
+      <inkml:brushProperty name="color" value="#E71224"/>
+    </inkml:brush>
+  </inkml:definitions>
+  <inkml:trace contextRef="#ctx0" brushRef="#br0">0 0 24575,'0'0'-8191</inkml:trace>
+</inkml:ink>
+</file>
+
+<file path=ppt/ink/ink2.xml><?xml version="1.0" encoding="utf-8"?>
+<inkml:ink xmlns:inkml="http://www.w3.org/2003/InkML">
+  <inkml:definitions>
+    <inkml:context xml:id="ctx0">
+      <inkml:inkSource xml:id="inkSrc0">
+        <inkml:traceFormat>
+          <inkml:channel name="X" type="integer" min="-2.14748E9" max="2.14748E9" units="cm"/>
+          <inkml:channel name="Y" type="integer" min="-2.14748E9" max="2.14748E9" units="cm"/>
+          <inkml:channel name="F" type="integer" max="32767" units="dev"/>
+        </inkml:traceFormat>
+        <inkml:channelProperties>
+          <inkml:channelProperty channel="X" name="resolution" value="1000" units="1/cm"/>
+          <inkml:channelProperty channel="Y" name="resolution" value="1000" units="1/cm"/>
+          <inkml:channelProperty channel="F" name="resolution" value="0" units="1/dev"/>
+        </inkml:channelProperties>
+      </inkml:inkSource>
+      <inkml:timestamp xml:id="ts0" timeString="2022-08-26T03:54:02.069"/>
+    </inkml:context>
+    <inkml:brush xml:id="br0">
+      <inkml:brushProperty name="width" value="0.05" units="cm"/>
+      <inkml:brushProperty name="height" value="0.05" units="cm"/>
+      <inkml:brushProperty name="color" value="#E71224"/>
+    </inkml:brush>
+  </inkml:definitions>
+  <inkml:trace contextRef="#ctx0" brushRef="#br0">1 2828 24575,'8'0'0,"1"-1"0,0-1 0,0 1 0,-1-2 0,1 1 0,-1-1 0,16-7 0,58-37 0,-52 29 0,377-257-2001,-138 87 504,479-341-424,-12-75 1921,-316 183-43,-321 318-148,355-435-132,-415 488 685,-13 18-2939</inkml:trace>
+</inkml:ink>
+</file>
+
+<file path=ppt/ink/ink3.xml><?xml version="1.0" encoding="utf-8"?>
+<inkml:ink xmlns:inkml="http://www.w3.org/2003/InkML">
+  <inkml:definitions>
+    <inkml:context xml:id="ctx0">
+      <inkml:inkSource xml:id="inkSrc0">
+        <inkml:traceFormat>
+          <inkml:channel name="X" type="integer" min="-2.14748E9" max="2.14748E9" units="cm"/>
+          <inkml:channel name="Y" type="integer" min="-2.14748E9" max="2.14748E9" units="cm"/>
+          <inkml:channel name="F" type="integer" max="32767" units="dev"/>
+        </inkml:traceFormat>
+        <inkml:channelProperties>
+          <inkml:channelProperty channel="X" name="resolution" value="1000" units="1/cm"/>
+          <inkml:channelProperty channel="Y" name="resolution" value="1000" units="1/cm"/>
+          <inkml:channelProperty channel="F" name="resolution" value="0" units="1/dev"/>
+        </inkml:channelProperties>
+      </inkml:inkSource>
       <inkml:timestamp xml:id="ts0" timeString="2022-08-19T04:04:44.647"/>
     </inkml:context>
     <inkml:brush xml:id="br0">
@@ -144,7 +388,7 @@
 </inkml:ink>
 </file>
 
-<file path=ppt/ink/ink2.xml><?xml version="1.0" encoding="utf-8"?>
+<file path=ppt/ink/ink4.xml><?xml version="1.0" encoding="utf-8"?>
 <inkml:ink xmlns:inkml="http://www.w3.org/2003/InkML">
   <inkml:definitions>
     <inkml:context xml:id="ctx0">
@@ -170,6 +414,495 @@
   </inkml:definitions>
   <inkml:trace contextRef="#ctx0" brushRef="#br0">7604 1779 24575,'-43'3'0,"1"2"0,-71 18 0,-19 3 0,-54-10 0,-303-11 0,258-8 0,-14 2 0,-1140 16 0,-7-3 0,856-14 0,267 3 0,-304-3 0,-38-62 0,444 40 0,28 6 0,-178-27 0,237 29 0,-147-48 0,199 53 0,0-1 0,1-1 0,0-1 0,2-1 0,-1-2 0,2 0 0,0-2 0,2 0 0,-38-41 0,45 41 0,1 0 0,0 0 0,2-1 0,0-1 0,1 0 0,2-1 0,0 0 0,1 0 0,1-1 0,1 0 0,1 0 0,-3-45 0,4 3 0,3-1 0,3 1 0,14-89 0,-11 133 0,1 1 0,1 0 0,0 1 0,2 0 0,0 0 0,23-34 0,-5 15 0,2 2 0,33-35 0,-45 55 0,1 0 0,0 2 0,1 0 0,0 1 0,1 1 0,0 1 0,24-10 0,159-48 0,-125 45 0,160-43 0,3 10 0,1 11 0,378-23 0,301 57 0,-540 15 0,391 17 0,-259 1 0,321 4 0,-171 32 0,-287-9 0,114 19 0,-284-42 0,-16-3 0,-103-2 0,0 4 0,113 48 0,-45-16 0,-147-53 0,0-1 0,0 1 0,0 1 0,-1-1 0,1 2 0,-1-1 0,0 1 0,0 0 0,0 0 0,-1 0 0,1 1 0,-2 0 0,1 1 0,0-1 0,-1 1 0,-1 0 0,1 0 0,-1 1 0,0-1 0,4 13 0,-3-7 0,28 64 0,41 145 0,-64-159 0,-2 0 0,-4 0 0,-2 1 0,-7 65 0,1 11 0,4-120 0,-1 1 0,-1-1 0,0 0 0,-2 0 0,0 0 0,-1 0 0,-16 36 0,16-44 0,-1-1 0,0-1 0,-1 1 0,-1-1 0,1 0 0,-2-1 0,1 0 0,-1 0 0,0-1 0,-1 0 0,0 0 0,0-1 0,-1-1 0,-13 7 0,-13 5 0,-1-1 0,-1-2 0,-1-2 0,0-1 0,-1-2 0,-41 4 0,-105 9 0,100-12 0,46-5 0,-63 2 0,7-9-1365,76 1-5461</inkml:trace>
 </inkml:ink>
+</file>
+
+<file path=ppt/ink/ink5.xml><?xml version="1.0" encoding="utf-8"?>
+<inkml:ink xmlns:inkml="http://www.w3.org/2003/InkML">
+  <inkml:definitions>
+    <inkml:context xml:id="ctx0">
+      <inkml:inkSource xml:id="inkSrc0">
+        <inkml:traceFormat>
+          <inkml:channel name="X" type="integer" min="-2.14748E9" max="2.14748E9" units="cm"/>
+          <inkml:channel name="Y" type="integer" min="-2.14748E9" max="2.14748E9" units="cm"/>
+          <inkml:channel name="F" type="integer" max="32767" units="dev"/>
+        </inkml:traceFormat>
+        <inkml:channelProperties>
+          <inkml:channelProperty channel="X" name="resolution" value="1000" units="1/cm"/>
+          <inkml:channelProperty channel="Y" name="resolution" value="1000" units="1/cm"/>
+          <inkml:channelProperty channel="F" name="resolution" value="0" units="1/dev"/>
+        </inkml:channelProperties>
+      </inkml:inkSource>
+      <inkml:timestamp xml:id="ts0" timeString="2022-08-26T03:47:00.294"/>
+    </inkml:context>
+    <inkml:brush xml:id="br0">
+      <inkml:brushProperty name="width" value="0.05" units="cm"/>
+      <inkml:brushProperty name="height" value="0.05" units="cm"/>
+      <inkml:brushProperty name="color" value="#E71224"/>
+    </inkml:brush>
+  </inkml:definitions>
+  <inkml:trace contextRef="#ctx0" brushRef="#br0">2440 1075 24575,'-59'24'0,"-17"-14"0,0-3 0,-1-3 0,-88-7 0,29 1 0,-71 4 0,-174-2 0,279-5 0,-171-31 0,192 21 0,1-4 0,0-3 0,-95-42 0,121 40 0,2-2 0,1-3 0,1-2 0,2-2 0,1-2 0,2-2 0,-48-50 0,90 82 0,-1 1 0,1-1 0,0 0 0,0 0 0,0-1 0,1 1 0,0 0 0,0-1 0,0 0 0,1 1 0,0-1 0,0 0 0,0 0 0,0 0 0,1 1 0,0-1 0,1 0 0,-1 0 0,1 0 0,0 0 0,3-6 0,0-3 0,1 0 0,1 1 0,0-1 0,1 2 0,1-1 0,16-22 0,1 4 0,1 1 0,2 2 0,1 0 0,1 2 0,1 1 0,1 2 0,2 1 0,0 1 0,1 2 0,1 2 0,1 1 0,1 2 0,0 1 0,48-9 0,-2 5 0,1 3 0,134-4 0,177 18 0,-187 4 0,-108 0 0,153 24 0,97 40 0,-312-58 0,84 17 0,140 51 0,-214-59 0,-1 1 0,0 3 0,-2 3 0,-1 1 0,68 51 0,-105-72 0,-1 2 0,0-1 0,0 0 0,-1 1 0,0 1 0,0-1 0,0 1 0,-1 0 0,-1 0 0,1 0 0,-1 1 0,0-1 0,-1 1 0,0 0 0,-1 0 0,0 0 0,0 1 0,-1-1 0,0 0 0,0 1 0,-2 14 0,0-13 0,0 0 0,-1 0 0,0 0 0,-1 0 0,0 0 0,0-1 0,-2 1 0,1-1 0,-7 11 0,-11 15 0,-29 36 0,23-33 0,18-23 0,-1 0 0,-1-2 0,0 1 0,-1-2 0,-1 1 0,0-2 0,0 0 0,-1-1 0,-1 0 0,0-1 0,0-1 0,-1 0 0,0-1 0,-1-1 0,-31 8 0,7-5 0,-1-2 0,0-2 0,-1-2 0,1-1 0,0-3 0,-1-1 0,-82-14 0,73 7-455,-1 3 0,-57 2 0</inkml:trace>
+</inkml:ink>
+</file>
+
+<file path=ppt/ink/ink6.xml><?xml version="1.0" encoding="utf-8"?>
+<inkml:ink xmlns:inkml="http://www.w3.org/2003/InkML">
+  <inkml:definitions>
+    <inkml:context xml:id="ctx0">
+      <inkml:inkSource xml:id="inkSrc0">
+        <inkml:traceFormat>
+          <inkml:channel name="X" type="integer" min="-2.14748E9" max="2.14748E9" units="cm"/>
+          <inkml:channel name="Y" type="integer" min="-2.14748E9" max="2.14748E9" units="cm"/>
+          <inkml:channel name="F" type="integer" max="32767" units="dev"/>
+        </inkml:traceFormat>
+        <inkml:channelProperties>
+          <inkml:channelProperty channel="X" name="resolution" value="1000" units="1/cm"/>
+          <inkml:channelProperty channel="Y" name="resolution" value="1000" units="1/cm"/>
+          <inkml:channelProperty channel="F" name="resolution" value="0" units="1/dev"/>
+        </inkml:channelProperties>
+      </inkml:inkSource>
+      <inkml:timestamp xml:id="ts0" timeString="2022-08-26T03:53:56.422"/>
+    </inkml:context>
+    <inkml:brush xml:id="br0">
+      <inkml:brushProperty name="width" value="0.05" units="cm"/>
+      <inkml:brushProperty name="height" value="0.05" units="cm"/>
+      <inkml:brushProperty name="color" value="#E71224"/>
+    </inkml:brush>
+  </inkml:definitions>
+  <inkml:trace contextRef="#ctx0" brushRef="#br0">1 3597 24575,'1'6'0,"1"0"0,0 0 0,1 0 0,-1-1 0,1 1 0,0 0 0,1-1 0,-1 0 0,1 0 0,7 7 0,2 6 0,231 326 0,-189-268 0,166 217 0,-60-101 0,-121-139 0,-31-40 0,0 0 0,0 0 0,2-1 0,-1-1 0,19 16 0,-27-26 0,0 1 0,1-1 0,-1 0 0,0-1 0,0 1 0,1 0 0,-1-1 0,1 1 0,-1-1 0,1 1 0,-1-1 0,1 0 0,-1 0 0,1-1 0,-1 1 0,0 0 0,1-1 0,-1 1 0,1-1 0,-1 0 0,0 0 0,0 0 0,1 0 0,-1 0 0,0-1 0,0 1 0,0 0 0,0-1 0,0 0 0,-1 1 0,1-1 0,0 0 0,2-4 0,8-9 0,0 0 0,-2 0 0,13-25 0,-13 24 0,235-333-68,-168 248-541,880-1055-6048,-133 191 4432,65-73-426,-466 611 2263,-324 340 2056,5 4 0,173-107 0,-164 127-499,19-12 3700,-49 18-4774,-57 38-6825</inkml:trace>
+</inkml:ink>
+</file>
+
+<file path=ppt/ink/ink7.xml><?xml version="1.0" encoding="utf-8"?>
+<inkml:ink xmlns:inkml="http://www.w3.org/2003/InkML">
+  <inkml:definitions>
+    <inkml:context xml:id="ctx0">
+      <inkml:inkSource xml:id="inkSrc0">
+        <inkml:traceFormat>
+          <inkml:channel name="X" type="integer" min="-2.14748E9" max="2.14748E9" units="cm"/>
+          <inkml:channel name="Y" type="integer" min="-2.14748E9" max="2.14748E9" units="cm"/>
+          <inkml:channel name="F" type="integer" max="32767" units="dev"/>
+        </inkml:traceFormat>
+        <inkml:channelProperties>
+          <inkml:channelProperty channel="X" name="resolution" value="1000" units="1/cm"/>
+          <inkml:channelProperty channel="Y" name="resolution" value="1000" units="1/cm"/>
+          <inkml:channelProperty channel="F" name="resolution" value="0" units="1/dev"/>
+        </inkml:channelProperties>
+      </inkml:inkSource>
+      <inkml:timestamp xml:id="ts0" timeString="2022-08-26T03:54:09.466"/>
+    </inkml:context>
+    <inkml:brush xml:id="br0">
+      <inkml:brushProperty name="width" value="0.05" units="cm"/>
+      <inkml:brushProperty name="height" value="0.05" units="cm"/>
+      <inkml:brushProperty name="color" value="#E71224"/>
+    </inkml:brush>
+  </inkml:definitions>
+  <inkml:trace contextRef="#ctx0" brushRef="#br0">0 0 24575,'0'0'-8191</inkml:trace>
+</inkml:ink>
+</file>
+
+<file path=ppt/ink/ink8.xml><?xml version="1.0" encoding="utf-8"?>
+<inkml:ink xmlns:inkml="http://www.w3.org/2003/InkML">
+  <inkml:definitions>
+    <inkml:context xml:id="ctx0">
+      <inkml:inkSource xml:id="inkSrc0">
+        <inkml:traceFormat>
+          <inkml:channel name="X" type="integer" min="-2.14748E9" max="2.14748E9" units="cm"/>
+          <inkml:channel name="Y" type="integer" min="-2.14748E9" max="2.14748E9" units="cm"/>
+          <inkml:channel name="F" type="integer" max="32767" units="dev"/>
+        </inkml:traceFormat>
+        <inkml:channelProperties>
+          <inkml:channelProperty channel="X" name="resolution" value="1000" units="1/cm"/>
+          <inkml:channelProperty channel="Y" name="resolution" value="1000" units="1/cm"/>
+          <inkml:channelProperty channel="F" name="resolution" value="0" units="1/dev"/>
+        </inkml:channelProperties>
+      </inkml:inkSource>
+      <inkml:timestamp xml:id="ts0" timeString="2022-08-26T03:54:09.466"/>
+    </inkml:context>
+    <inkml:brush xml:id="br0">
+      <inkml:brushProperty name="width" value="0.05" units="cm"/>
+      <inkml:brushProperty name="height" value="0.05" units="cm"/>
+      <inkml:brushProperty name="color" value="#E71224"/>
+    </inkml:brush>
+  </inkml:definitions>
+  <inkml:trace contextRef="#ctx0" brushRef="#br0">0 0 24575,'0'0'-8191</inkml:trace>
+</inkml:ink>
+</file>
+
+<file path=ppt/ink/ink9.xml><?xml version="1.0" encoding="utf-8"?>
+<inkml:ink xmlns:inkml="http://www.w3.org/2003/InkML">
+  <inkml:definitions>
+    <inkml:context xml:id="ctx0">
+      <inkml:inkSource xml:id="inkSrc0">
+        <inkml:traceFormat>
+          <inkml:channel name="X" type="integer" min="-2.14748E9" max="2.14748E9" units="cm"/>
+          <inkml:channel name="Y" type="integer" min="-2.14748E9" max="2.14748E9" units="cm"/>
+          <inkml:channel name="F" type="integer" max="32767" units="dev"/>
+        </inkml:traceFormat>
+        <inkml:channelProperties>
+          <inkml:channelProperty channel="X" name="resolution" value="1000" units="1/cm"/>
+          <inkml:channelProperty channel="Y" name="resolution" value="1000" units="1/cm"/>
+          <inkml:channelProperty channel="F" name="resolution" value="0" units="1/dev"/>
+        </inkml:channelProperties>
+      </inkml:inkSource>
+      <inkml:timestamp xml:id="ts0" timeString="2022-08-26T03:54:09.466"/>
+    </inkml:context>
+    <inkml:brush xml:id="br0">
+      <inkml:brushProperty name="width" value="0.05" units="cm"/>
+      <inkml:brushProperty name="height" value="0.05" units="cm"/>
+      <inkml:brushProperty name="color" value="#E71224"/>
+    </inkml:brush>
+  </inkml:definitions>
+  <inkml:trace contextRef="#ctx0" brushRef="#br0">0 0 24575,'0'0'-8191</inkml:trace>
+</inkml:ink>
+</file>
+
+<file path=ppt/notesMasters/notesMaster1.xml><?xml version="1.0" encoding="utf-8"?>
+<p:notesMaster xmlns:a="http://schemas.openxmlformats.org/drawingml/2006/main" xmlns:r="http://schemas.openxmlformats.org/officeDocument/2006/relationships" xmlns:p="http://schemas.openxmlformats.org/presentationml/2006/main">
+  <p:cSld>
+    <p:bg>
+      <p:bgRef idx="1001">
+        <a:schemeClr val="bg1"/>
+      </p:bgRef>
+    </p:bg>
+    <p:spTree>
+      <p:nvGrpSpPr>
+        <p:cNvPr id="1" name=""/>
+        <p:cNvGrpSpPr/>
+        <p:nvPr/>
+      </p:nvGrpSpPr>
+      <p:grpSpPr>
+        <a:xfrm>
+          <a:off x="0" y="0"/>
+          <a:ext cx="0" cy="0"/>
+          <a:chOff x="0" y="0"/>
+          <a:chExt cx="0" cy="0"/>
+        </a:xfrm>
+      </p:grpSpPr>
+      <p:sp>
+        <p:nvSpPr>
+          <p:cNvPr id="2" name="Header Placeholder 1"/>
+          <p:cNvSpPr>
+            <a:spLocks noGrp="1"/>
+          </p:cNvSpPr>
+          <p:nvPr>
+            <p:ph type="hdr" sz="quarter"/>
+          </p:nvPr>
+        </p:nvSpPr>
+        <p:spPr>
+          <a:xfrm>
+            <a:off x="0" y="0"/>
+            <a:ext cx="2971800" cy="458788"/>
+          </a:xfrm>
+          <a:prstGeom prst="rect">
+            <a:avLst/>
+          </a:prstGeom>
+        </p:spPr>
+        <p:txBody>
+          <a:bodyPr vert="horz" lIns="91440" tIns="45720" rIns="91440" bIns="45720" rtlCol="0"/>
+          <a:lstStyle>
+            <a:lvl1pPr algn="l">
+              <a:defRPr sz="1200"/>
+            </a:lvl1pPr>
+          </a:lstStyle>
+          <a:p>
+            <a:endParaRPr lang="en-US"/>
+          </a:p>
+        </p:txBody>
+      </p:sp>
+      <p:sp>
+        <p:nvSpPr>
+          <p:cNvPr id="3" name="Date Placeholder 2"/>
+          <p:cNvSpPr>
+            <a:spLocks noGrp="1"/>
+          </p:cNvSpPr>
+          <p:nvPr>
+            <p:ph type="dt" idx="1"/>
+          </p:nvPr>
+        </p:nvSpPr>
+        <p:spPr>
+          <a:xfrm>
+            <a:off x="3884613" y="0"/>
+            <a:ext cx="2971800" cy="458788"/>
+          </a:xfrm>
+          <a:prstGeom prst="rect">
+            <a:avLst/>
+          </a:prstGeom>
+        </p:spPr>
+        <p:txBody>
+          <a:bodyPr vert="horz" lIns="91440" tIns="45720" rIns="91440" bIns="45720" rtlCol="0"/>
+          <a:lstStyle>
+            <a:lvl1pPr algn="r">
+              <a:defRPr sz="1200"/>
+            </a:lvl1pPr>
+          </a:lstStyle>
+          <a:p>
+            <a:fld id="{70C04893-FAB0-470C-A077-5F80726CF5C7}" type="datetimeFigureOut">
+              <a:rPr lang="en-US" smtClean="0"/>
+              <a:t>8/26/2022</a:t>
+            </a:fld>
+            <a:endParaRPr lang="en-US"/>
+          </a:p>
+        </p:txBody>
+      </p:sp>
+      <p:sp>
+        <p:nvSpPr>
+          <p:cNvPr id="4" name="Slide Image Placeholder 3"/>
+          <p:cNvSpPr>
+            <a:spLocks noGrp="1" noRot="1" noChangeAspect="1"/>
+          </p:cNvSpPr>
+          <p:nvPr>
+            <p:ph type="sldImg" idx="2"/>
+          </p:nvPr>
+        </p:nvSpPr>
+        <p:spPr>
+          <a:xfrm>
+            <a:off x="685800" y="1143000"/>
+            <a:ext cx="5486400" cy="3086100"/>
+          </a:xfrm>
+          <a:prstGeom prst="rect">
+            <a:avLst/>
+          </a:prstGeom>
+          <a:noFill/>
+          <a:ln w="12700">
+            <a:solidFill>
+              <a:prstClr val="black"/>
+            </a:solidFill>
+          </a:ln>
+        </p:spPr>
+        <p:txBody>
+          <a:bodyPr vert="horz" lIns="91440" tIns="45720" rIns="91440" bIns="45720" rtlCol="0" anchor="ctr"/>
+          <a:lstStyle/>
+          <a:p>
+            <a:endParaRPr lang="en-US"/>
+          </a:p>
+        </p:txBody>
+      </p:sp>
+      <p:sp>
+        <p:nvSpPr>
+          <p:cNvPr id="5" name="Notes Placeholder 4"/>
+          <p:cNvSpPr>
+            <a:spLocks noGrp="1"/>
+          </p:cNvSpPr>
+          <p:nvPr>
+            <p:ph type="body" sz="quarter" idx="3"/>
+          </p:nvPr>
+        </p:nvSpPr>
+        <p:spPr>
+          <a:xfrm>
+            <a:off x="685800" y="4400550"/>
+            <a:ext cx="5486400" cy="3600450"/>
+          </a:xfrm>
+          <a:prstGeom prst="rect">
+            <a:avLst/>
+          </a:prstGeom>
+        </p:spPr>
+        <p:txBody>
+          <a:bodyPr vert="horz" lIns="91440" tIns="45720" rIns="91440" bIns="45720" rtlCol="0"/>
+          <a:lstStyle/>
+          <a:p>
+            <a:pPr lvl="0"/>
+            <a:r>
+              <a:rPr lang="en-US"/>
+              <a:t>Click to edit Master text styles</a:t>
+            </a:r>
+          </a:p>
+          <a:p>
+            <a:pPr lvl="1"/>
+            <a:r>
+              <a:rPr lang="en-US"/>
+              <a:t>Second level</a:t>
+            </a:r>
+          </a:p>
+          <a:p>
+            <a:pPr lvl="2"/>
+            <a:r>
+              <a:rPr lang="en-US"/>
+              <a:t>Third level</a:t>
+            </a:r>
+          </a:p>
+          <a:p>
+            <a:pPr lvl="3"/>
+            <a:r>
+              <a:rPr lang="en-US"/>
+              <a:t>Fourth level</a:t>
+            </a:r>
+          </a:p>
+          <a:p>
+            <a:pPr lvl="4"/>
+            <a:r>
+              <a:rPr lang="en-US"/>
+              <a:t>Fifth level</a:t>
+            </a:r>
+          </a:p>
+        </p:txBody>
+      </p:sp>
+      <p:sp>
+        <p:nvSpPr>
+          <p:cNvPr id="6" name="Footer Placeholder 5"/>
+          <p:cNvSpPr>
+            <a:spLocks noGrp="1"/>
+          </p:cNvSpPr>
+          <p:nvPr>
+            <p:ph type="ftr" sz="quarter" idx="4"/>
+          </p:nvPr>
+        </p:nvSpPr>
+        <p:spPr>
+          <a:xfrm>
+            <a:off x="0" y="8685213"/>
+            <a:ext cx="2971800" cy="458787"/>
+          </a:xfrm>
+          <a:prstGeom prst="rect">
+            <a:avLst/>
+          </a:prstGeom>
+        </p:spPr>
+        <p:txBody>
+          <a:bodyPr vert="horz" lIns="91440" tIns="45720" rIns="91440" bIns="45720" rtlCol="0" anchor="b"/>
+          <a:lstStyle>
+            <a:lvl1pPr algn="l">
+              <a:defRPr sz="1200"/>
+            </a:lvl1pPr>
+          </a:lstStyle>
+          <a:p>
+            <a:endParaRPr lang="en-US"/>
+          </a:p>
+        </p:txBody>
+      </p:sp>
+      <p:sp>
+        <p:nvSpPr>
+          <p:cNvPr id="7" name="Slide Number Placeholder 6"/>
+          <p:cNvSpPr>
+            <a:spLocks noGrp="1"/>
+          </p:cNvSpPr>
+          <p:nvPr>
+            <p:ph type="sldNum" sz="quarter" idx="5"/>
+          </p:nvPr>
+        </p:nvSpPr>
+        <p:spPr>
+          <a:xfrm>
+            <a:off x="3884613" y="8685213"/>
+            <a:ext cx="2971800" cy="458787"/>
+          </a:xfrm>
+          <a:prstGeom prst="rect">
+            <a:avLst/>
+          </a:prstGeom>
+        </p:spPr>
+        <p:txBody>
+          <a:bodyPr vert="horz" lIns="91440" tIns="45720" rIns="91440" bIns="45720" rtlCol="0" anchor="b"/>
+          <a:lstStyle>
+            <a:lvl1pPr algn="r">
+              <a:defRPr sz="1200"/>
+            </a:lvl1pPr>
+          </a:lstStyle>
+          <a:p>
+            <a:fld id="{AF70A626-0A73-4DA1-9616-CD7609ACC072}" type="slidenum">
+              <a:rPr lang="en-US" smtClean="0"/>
+              <a:t>‹#›</a:t>
+            </a:fld>
+            <a:endParaRPr lang="en-US"/>
+          </a:p>
+        </p:txBody>
+      </p:sp>
+    </p:spTree>
+    <p:extLst>
+      <p:ext uri="{BB962C8B-B14F-4D97-AF65-F5344CB8AC3E}">
+        <p14:creationId xmlns:p14="http://schemas.microsoft.com/office/powerpoint/2010/main" val="2419074428"/>
+      </p:ext>
+    </p:extLst>
+  </p:cSld>
+  <p:clrMap bg1="lt1" tx1="dk1" bg2="lt2" tx2="dk2" accent1="accent1" accent2="accent2" accent3="accent3" accent4="accent4" accent5="accent5" accent6="accent6" hlink="hlink" folHlink="folHlink"/>
+  <p:notesStyle>
+    <a:lvl1pPr marL="0" algn="l" defTabSz="914400" rtl="0" eaLnBrk="1" latinLnBrk="0" hangingPunct="1">
+      <a:defRPr sz="1200" kern="1200">
+        <a:solidFill>
+          <a:schemeClr val="tx1"/>
+        </a:solidFill>
+        <a:latin typeface="+mn-lt"/>
+        <a:ea typeface="+mn-ea"/>
+        <a:cs typeface="+mn-cs"/>
+      </a:defRPr>
+    </a:lvl1pPr>
+    <a:lvl2pPr marL="457200" algn="l" defTabSz="914400" rtl="0" eaLnBrk="1" latinLnBrk="0" hangingPunct="1">
+      <a:defRPr sz="1200" kern="1200">
+        <a:solidFill>
+          <a:schemeClr val="tx1"/>
+        </a:solidFill>
+        <a:latin typeface="+mn-lt"/>
+        <a:ea typeface="+mn-ea"/>
+        <a:cs typeface="+mn-cs"/>
+      </a:defRPr>
+    </a:lvl2pPr>
+    <a:lvl3pPr marL="914400" algn="l" defTabSz="914400" rtl="0" eaLnBrk="1" latinLnBrk="0" hangingPunct="1">
+      <a:defRPr sz="1200" kern="1200">
+        <a:solidFill>
+          <a:schemeClr val="tx1"/>
+        </a:solidFill>
+        <a:latin typeface="+mn-lt"/>
+        <a:ea typeface="+mn-ea"/>
+        <a:cs typeface="+mn-cs"/>
+      </a:defRPr>
+    </a:lvl3pPr>
+    <a:lvl4pPr marL="1371600" algn="l" defTabSz="914400" rtl="0" eaLnBrk="1" latinLnBrk="0" hangingPunct="1">
+      <a:defRPr sz="1200" kern="1200">
+        <a:solidFill>
+          <a:schemeClr val="tx1"/>
+        </a:solidFill>
+        <a:latin typeface="+mn-lt"/>
+        <a:ea typeface="+mn-ea"/>
+        <a:cs typeface="+mn-cs"/>
+      </a:defRPr>
+    </a:lvl4pPr>
+    <a:lvl5pPr marL="1828800" algn="l" defTabSz="914400" rtl="0" eaLnBrk="1" latinLnBrk="0" hangingPunct="1">
+      <a:defRPr sz="1200" kern="1200">
+        <a:solidFill>
+          <a:schemeClr val="tx1"/>
+        </a:solidFill>
+        <a:latin typeface="+mn-lt"/>
+        <a:ea typeface="+mn-ea"/>
+        <a:cs typeface="+mn-cs"/>
+      </a:defRPr>
+    </a:lvl5pPr>
+    <a:lvl6pPr marL="2286000" algn="l" defTabSz="914400" rtl="0" eaLnBrk="1" latinLnBrk="0" hangingPunct="1">
+      <a:defRPr sz="1200" kern="1200">
+        <a:solidFill>
+          <a:schemeClr val="tx1"/>
+        </a:solidFill>
+        <a:latin typeface="+mn-lt"/>
+        <a:ea typeface="+mn-ea"/>
+        <a:cs typeface="+mn-cs"/>
+      </a:defRPr>
+    </a:lvl6pPr>
+    <a:lvl7pPr marL="2743200" algn="l" defTabSz="914400" rtl="0" eaLnBrk="1" latinLnBrk="0" hangingPunct="1">
+      <a:defRPr sz="1200" kern="1200">
+        <a:solidFill>
+          <a:schemeClr val="tx1"/>
+        </a:solidFill>
+        <a:latin typeface="+mn-lt"/>
+        <a:ea typeface="+mn-ea"/>
+        <a:cs typeface="+mn-cs"/>
+      </a:defRPr>
+    </a:lvl7pPr>
+    <a:lvl8pPr marL="3200400" algn="l" defTabSz="914400" rtl="0" eaLnBrk="1" latinLnBrk="0" hangingPunct="1">
+      <a:defRPr sz="1200" kern="1200">
+        <a:solidFill>
+          <a:schemeClr val="tx1"/>
+        </a:solidFill>
+        <a:latin typeface="+mn-lt"/>
+        <a:ea typeface="+mn-ea"/>
+        <a:cs typeface="+mn-cs"/>
+      </a:defRPr>
+    </a:lvl8pPr>
+    <a:lvl9pPr marL="3657600" algn="l" defTabSz="914400" rtl="0" eaLnBrk="1" latinLnBrk="0" hangingPunct="1">
+      <a:defRPr sz="1200" kern="1200">
+        <a:solidFill>
+          <a:schemeClr val="tx1"/>
+        </a:solidFill>
+        <a:latin typeface="+mn-lt"/>
+        <a:ea typeface="+mn-ea"/>
+        <a:cs typeface="+mn-cs"/>
+      </a:defRPr>
+    </a:lvl9pPr>
+  </p:notesStyle>
+</p:notesMaster>
 </file>
 
 <file path=ppt/slideLayouts/slideLayout1.xml><?xml version="1.0" encoding="utf-8"?>
@@ -317,9 +1050,9 @@
           <a:bodyPr/>
           <a:lstStyle/>
           <a:p>
-            <a:fld id="{8EC2B18C-63DB-48B4-82B1-86AAB72BB48F}" type="datetimeFigureOut">
+            <a:fld id="{E8AFC613-04F1-4B91-B1AC-64DEFBE72C0E}" type="datetime1">
               <a:rPr lang="en-US" smtClean="0"/>
-              <a:t>8/19/2022</a:t>
+              <a:t>8/26/2022</a:t>
             </a:fld>
             <a:endParaRPr lang="en-US"/>
           </a:p>
@@ -346,7 +1079,10 @@
           <a:bodyPr/>
           <a:lstStyle/>
           <a:p>
-            <a:endParaRPr lang="en-US"/>
+            <a:r>
+              <a:rPr lang="en-US"/>
+              <a:t>Proposed by Tanapol Wong-asa (2022)</a:t>
+            </a:r>
           </a:p>
         </p:txBody>
       </p:sp>
@@ -515,9 +1251,9 @@
           <a:bodyPr/>
           <a:lstStyle/>
           <a:p>
-            <a:fld id="{8EC2B18C-63DB-48B4-82B1-86AAB72BB48F}" type="datetimeFigureOut">
+            <a:fld id="{63B848EF-CB15-43FD-AD6A-B6430379D10F}" type="datetime1">
               <a:rPr lang="en-US" smtClean="0"/>
-              <a:t>8/19/2022</a:t>
+              <a:t>8/26/2022</a:t>
             </a:fld>
             <a:endParaRPr lang="en-US"/>
           </a:p>
@@ -544,7 +1280,10 @@
           <a:bodyPr/>
           <a:lstStyle/>
           <a:p>
-            <a:endParaRPr lang="en-US"/>
+            <a:r>
+              <a:rPr lang="en-US"/>
+              <a:t>Proposed by Tanapol Wong-asa (2022)</a:t>
+            </a:r>
           </a:p>
         </p:txBody>
       </p:sp>
@@ -723,9 +1462,9 @@
           <a:bodyPr/>
           <a:lstStyle/>
           <a:p>
-            <a:fld id="{8EC2B18C-63DB-48B4-82B1-86AAB72BB48F}" type="datetimeFigureOut">
+            <a:fld id="{4B314702-E327-43CB-BFA1-6132AF3C0867}" type="datetime1">
               <a:rPr lang="en-US" smtClean="0"/>
-              <a:t>8/19/2022</a:t>
+              <a:t>8/26/2022</a:t>
             </a:fld>
             <a:endParaRPr lang="en-US"/>
           </a:p>
@@ -752,7 +1491,10 @@
           <a:bodyPr/>
           <a:lstStyle/>
           <a:p>
-            <a:endParaRPr lang="en-US"/>
+            <a:r>
+              <a:rPr lang="en-US"/>
+              <a:t>Proposed by Tanapol Wong-asa (2022)</a:t>
+            </a:r>
           </a:p>
         </p:txBody>
       </p:sp>
@@ -921,9 +1663,9 @@
           <a:bodyPr/>
           <a:lstStyle/>
           <a:p>
-            <a:fld id="{8EC2B18C-63DB-48B4-82B1-86AAB72BB48F}" type="datetimeFigureOut">
+            <a:fld id="{666FE44C-21C7-4DE5-A91F-872CFED4E1C4}" type="datetime1">
               <a:rPr lang="en-US" smtClean="0"/>
-              <a:t>8/19/2022</a:t>
+              <a:t>8/26/2022</a:t>
             </a:fld>
             <a:endParaRPr lang="en-US"/>
           </a:p>
@@ -950,7 +1692,10 @@
           <a:bodyPr/>
           <a:lstStyle/>
           <a:p>
-            <a:endParaRPr lang="en-US"/>
+            <a:r>
+              <a:rPr lang="en-US"/>
+              <a:t>Proposed by Tanapol Wong-asa (2022)</a:t>
+            </a:r>
           </a:p>
         </p:txBody>
       </p:sp>
@@ -1196,9 +1941,9 @@
           <a:bodyPr/>
           <a:lstStyle/>
           <a:p>
-            <a:fld id="{8EC2B18C-63DB-48B4-82B1-86AAB72BB48F}" type="datetimeFigureOut">
+            <a:fld id="{250A6E07-A656-4579-82A4-16383748D606}" type="datetime1">
               <a:rPr lang="en-US" smtClean="0"/>
-              <a:t>8/19/2022</a:t>
+              <a:t>8/26/2022</a:t>
             </a:fld>
             <a:endParaRPr lang="en-US"/>
           </a:p>
@@ -1225,7 +1970,10 @@
           <a:bodyPr/>
           <a:lstStyle/>
           <a:p>
-            <a:endParaRPr lang="en-US"/>
+            <a:r>
+              <a:rPr lang="en-US"/>
+              <a:t>Proposed by Tanapol Wong-asa (2022)</a:t>
+            </a:r>
           </a:p>
         </p:txBody>
       </p:sp>
@@ -1461,9 +2209,9 @@
           <a:bodyPr/>
           <a:lstStyle/>
           <a:p>
-            <a:fld id="{8EC2B18C-63DB-48B4-82B1-86AAB72BB48F}" type="datetimeFigureOut">
+            <a:fld id="{AC1AA6A0-D877-47C3-BB94-3E699DF30AFD}" type="datetime1">
               <a:rPr lang="en-US" smtClean="0"/>
-              <a:t>8/19/2022</a:t>
+              <a:t>8/26/2022</a:t>
             </a:fld>
             <a:endParaRPr lang="en-US"/>
           </a:p>
@@ -1490,7 +2238,10 @@
           <a:bodyPr/>
           <a:lstStyle/>
           <a:p>
-            <a:endParaRPr lang="en-US"/>
+            <a:r>
+              <a:rPr lang="en-US"/>
+              <a:t>Proposed by Tanapol Wong-asa (2022)</a:t>
+            </a:r>
           </a:p>
         </p:txBody>
       </p:sp>
@@ -1873,9 +2624,9 @@
           <a:bodyPr/>
           <a:lstStyle/>
           <a:p>
-            <a:fld id="{8EC2B18C-63DB-48B4-82B1-86AAB72BB48F}" type="datetimeFigureOut">
+            <a:fld id="{1C67B1AC-C4C4-4963-B250-3FA9DD158C40}" type="datetime1">
               <a:rPr lang="en-US" smtClean="0"/>
-              <a:t>8/19/2022</a:t>
+              <a:t>8/26/2022</a:t>
             </a:fld>
             <a:endParaRPr lang="en-US"/>
           </a:p>
@@ -1902,7 +2653,10 @@
           <a:bodyPr/>
           <a:lstStyle/>
           <a:p>
-            <a:endParaRPr lang="en-US"/>
+            <a:r>
+              <a:rPr lang="en-US"/>
+              <a:t>Proposed by Tanapol Wong-asa (2022)</a:t>
+            </a:r>
           </a:p>
         </p:txBody>
       </p:sp>
@@ -2014,9 +2768,9 @@
           <a:bodyPr/>
           <a:lstStyle/>
           <a:p>
-            <a:fld id="{8EC2B18C-63DB-48B4-82B1-86AAB72BB48F}" type="datetimeFigureOut">
+            <a:fld id="{C2F0089B-D1E2-4987-906A-C74F9AEF9D1B}" type="datetime1">
               <a:rPr lang="en-US" smtClean="0"/>
-              <a:t>8/19/2022</a:t>
+              <a:t>8/26/2022</a:t>
             </a:fld>
             <a:endParaRPr lang="en-US"/>
           </a:p>
@@ -2043,7 +2797,10 @@
           <a:bodyPr/>
           <a:lstStyle/>
           <a:p>
-            <a:endParaRPr lang="en-US"/>
+            <a:r>
+              <a:rPr lang="en-US"/>
+              <a:t>Proposed by Tanapol Wong-asa (2022)</a:t>
+            </a:r>
           </a:p>
         </p:txBody>
       </p:sp>
@@ -2127,9 +2884,9 @@
           <a:bodyPr/>
           <a:lstStyle/>
           <a:p>
-            <a:fld id="{8EC2B18C-63DB-48B4-82B1-86AAB72BB48F}" type="datetimeFigureOut">
+            <a:fld id="{2C1A0392-8FEA-4156-B25E-E1987A658969}" type="datetime1">
               <a:rPr lang="en-US" smtClean="0"/>
-              <a:t>8/19/2022</a:t>
+              <a:t>8/26/2022</a:t>
             </a:fld>
             <a:endParaRPr lang="en-US"/>
           </a:p>
@@ -2156,7 +2913,10 @@
           <a:bodyPr/>
           <a:lstStyle/>
           <a:p>
-            <a:endParaRPr lang="en-US"/>
+            <a:r>
+              <a:rPr lang="en-US"/>
+              <a:t>Proposed by Tanapol Wong-asa (2022)</a:t>
+            </a:r>
           </a:p>
         </p:txBody>
       </p:sp>
@@ -2438,9 +3198,9 @@
           <a:bodyPr/>
           <a:lstStyle/>
           <a:p>
-            <a:fld id="{8EC2B18C-63DB-48B4-82B1-86AAB72BB48F}" type="datetimeFigureOut">
+            <a:fld id="{3116A467-8578-4E7F-A886-18C681318F51}" type="datetime1">
               <a:rPr lang="en-US" smtClean="0"/>
-              <a:t>8/19/2022</a:t>
+              <a:t>8/26/2022</a:t>
             </a:fld>
             <a:endParaRPr lang="en-US"/>
           </a:p>
@@ -2467,7 +3227,10 @@
           <a:bodyPr/>
           <a:lstStyle/>
           <a:p>
-            <a:endParaRPr lang="en-US"/>
+            <a:r>
+              <a:rPr lang="en-US"/>
+              <a:t>Proposed by Tanapol Wong-asa (2022)</a:t>
+            </a:r>
           </a:p>
         </p:txBody>
       </p:sp>
@@ -2726,9 +3489,9 @@
           <a:bodyPr/>
           <a:lstStyle/>
           <a:p>
-            <a:fld id="{8EC2B18C-63DB-48B4-82B1-86AAB72BB48F}" type="datetimeFigureOut">
+            <a:fld id="{6AFB4992-7BC3-4D17-8C42-9915E757A0E4}" type="datetime1">
               <a:rPr lang="en-US" smtClean="0"/>
-              <a:t>8/19/2022</a:t>
+              <a:t>8/26/2022</a:t>
             </a:fld>
             <a:endParaRPr lang="en-US"/>
           </a:p>
@@ -2755,7 +3518,10 @@
           <a:bodyPr/>
           <a:lstStyle/>
           <a:p>
-            <a:endParaRPr lang="en-US"/>
+            <a:r>
+              <a:rPr lang="en-US"/>
+              <a:t>Proposed by Tanapol Wong-asa (2022)</a:t>
+            </a:r>
           </a:p>
         </p:txBody>
       </p:sp>
@@ -2967,9 +3733,9 @@
             </a:lvl1pPr>
           </a:lstStyle>
           <a:p>
-            <a:fld id="{8EC2B18C-63DB-48B4-82B1-86AAB72BB48F}" type="datetimeFigureOut">
+            <a:fld id="{8356C1E6-5176-4D2F-8F9E-5FF311D2FFFC}" type="datetime1">
               <a:rPr lang="en-US" smtClean="0"/>
-              <a:t>8/19/2022</a:t>
+              <a:t>8/26/2022</a:t>
             </a:fld>
             <a:endParaRPr lang="en-US"/>
           </a:p>
@@ -3014,7 +3780,10 @@
             </a:lvl1pPr>
           </a:lstStyle>
           <a:p>
-            <a:endParaRPr lang="en-US"/>
+            <a:r>
+              <a:rPr lang="en-US"/>
+              <a:t>Proposed by Tanapol Wong-asa (2022)</a:t>
+            </a:r>
           </a:p>
         </p:txBody>
       </p:sp>
@@ -3086,6 +3855,7 @@
     <p:sldLayoutId id="2147483658" r:id="rId10"/>
     <p:sldLayoutId id="2147483659" r:id="rId11"/>
   </p:sldLayoutIdLst>
+  <p:hf hdr="0" dt="0"/>
   <p:txStyles>
     <p:titleStyle>
       <a:lvl1pPr algn="l" defTabSz="914400" rtl="0" eaLnBrk="1" latinLnBrk="0" hangingPunct="1">
@@ -3391,7 +4161,1795 @@
           <p:cNvPr id="2" name="Title 1">
             <a:extLst>
               <a:ext uri="{FF2B5EF4-FFF2-40B4-BE49-F238E27FC236}">
-                <a16:creationId xmlns:a16="http://schemas.microsoft.com/office/drawing/2014/main" id="{F7494CF4-57E4-474A-BD17-E1D0498B91F3}"/>
+                <a16:creationId xmlns:a16="http://schemas.microsoft.com/office/drawing/2014/main" id="{7FC1C8B5-F400-411A-BED3-20BE7462EEB1}"/>
+              </a:ext>
+            </a:extLst>
+          </p:cNvPr>
+          <p:cNvSpPr>
+            <a:spLocks noGrp="1"/>
+          </p:cNvSpPr>
+          <p:nvPr>
+            <p:ph type="ctrTitle"/>
+          </p:nvPr>
+        </p:nvSpPr>
+        <p:spPr>
+          <a:xfrm>
+            <a:off x="994299" y="1743800"/>
+            <a:ext cx="10203402" cy="2387600"/>
+          </a:xfrm>
+        </p:spPr>
+        <p:txBody>
+          <a:bodyPr/>
+          <a:lstStyle/>
+          <a:p>
+            <a:r>
+              <a:rPr lang="en-US" dirty="0" err="1">
+                <a:latin typeface="PT Sans" panose="020B0503020203020204" pitchFamily="34" charset="0"/>
+              </a:rPr>
+              <a:t>EditIntegration</a:t>
+            </a:r>
+            <a:r>
+              <a:rPr lang="en-US" dirty="0">
+                <a:latin typeface="PT Sans" panose="020B0503020203020204" pitchFamily="34" charset="0"/>
+              </a:rPr>
+              <a:t> refactor plan</a:t>
+            </a:r>
+          </a:p>
+        </p:txBody>
+      </p:sp>
+      <p:sp>
+        <p:nvSpPr>
+          <p:cNvPr id="4" name="Footer Placeholder 3">
+            <a:extLst>
+              <a:ext uri="{FF2B5EF4-FFF2-40B4-BE49-F238E27FC236}">
+                <a16:creationId xmlns:a16="http://schemas.microsoft.com/office/drawing/2014/main" id="{91568532-3CA3-49A2-95AF-111CD665E299}"/>
+              </a:ext>
+            </a:extLst>
+          </p:cNvPr>
+          <p:cNvSpPr>
+            <a:spLocks noGrp="1"/>
+          </p:cNvSpPr>
+          <p:nvPr>
+            <p:ph type="ftr" sz="quarter" idx="11"/>
+          </p:nvPr>
+        </p:nvSpPr>
+        <p:spPr/>
+        <p:txBody>
+          <a:bodyPr/>
+          <a:lstStyle/>
+          <a:p>
+            <a:r>
+              <a:rPr lang="en-US" dirty="0"/>
+              <a:t>Proposed by Tanapol Wong-asa (2022)</a:t>
+            </a:r>
+          </a:p>
+        </p:txBody>
+      </p:sp>
+      <p:sp>
+        <p:nvSpPr>
+          <p:cNvPr id="5" name="Slide Number Placeholder 4">
+            <a:extLst>
+              <a:ext uri="{FF2B5EF4-FFF2-40B4-BE49-F238E27FC236}">
+                <a16:creationId xmlns:a16="http://schemas.microsoft.com/office/drawing/2014/main" id="{F7B36C23-59CC-41D8-AA18-01719DA4E40D}"/>
+              </a:ext>
+            </a:extLst>
+          </p:cNvPr>
+          <p:cNvSpPr>
+            <a:spLocks noGrp="1"/>
+          </p:cNvSpPr>
+          <p:nvPr>
+            <p:ph type="sldNum" sz="quarter" idx="12"/>
+          </p:nvPr>
+        </p:nvSpPr>
+        <p:spPr/>
+        <p:txBody>
+          <a:bodyPr/>
+          <a:lstStyle/>
+          <a:p>
+            <a:fld id="{FFF3E01E-F0E0-46B5-B925-62E3304D3077}" type="slidenum">
+              <a:rPr lang="en-US" smtClean="0"/>
+              <a:t>1</a:t>
+            </a:fld>
+            <a:endParaRPr lang="en-US"/>
+          </a:p>
+        </p:txBody>
+      </p:sp>
+    </p:spTree>
+    <p:extLst>
+      <p:ext uri="{BB962C8B-B14F-4D97-AF65-F5344CB8AC3E}">
+        <p14:creationId xmlns:p14="http://schemas.microsoft.com/office/powerpoint/2010/main" val="4292548703"/>
+      </p:ext>
+    </p:extLst>
+  </p:cSld>
+  <p:clrMapOvr>
+    <a:masterClrMapping/>
+  </p:clrMapOvr>
+</p:sld>
+</file>
+
+<file path=ppt/slides/slide10.xml><?xml version="1.0" encoding="utf-8"?>
+<p:sld xmlns:a="http://schemas.openxmlformats.org/drawingml/2006/main" xmlns:r="http://schemas.openxmlformats.org/officeDocument/2006/relationships" xmlns:p="http://schemas.openxmlformats.org/presentationml/2006/main">
+  <p:cSld>
+    <p:spTree>
+      <p:nvGrpSpPr>
+        <p:cNvPr id="1" name=""/>
+        <p:cNvGrpSpPr/>
+        <p:nvPr/>
+      </p:nvGrpSpPr>
+      <p:grpSpPr>
+        <a:xfrm>
+          <a:off x="0" y="0"/>
+          <a:ext cx="0" cy="0"/>
+          <a:chOff x="0" y="0"/>
+          <a:chExt cx="0" cy="0"/>
+        </a:xfrm>
+      </p:grpSpPr>
+      <p:sp>
+        <p:nvSpPr>
+          <p:cNvPr id="47" name="TextBox 46">
+            <a:extLst>
+              <a:ext uri="{FF2B5EF4-FFF2-40B4-BE49-F238E27FC236}">
+                <a16:creationId xmlns:a16="http://schemas.microsoft.com/office/drawing/2014/main" id="{3F2AA7F6-7922-4E2A-93C9-9942BA155AB2}"/>
+              </a:ext>
+            </a:extLst>
+          </p:cNvPr>
+          <p:cNvSpPr txBox="1"/>
+          <p:nvPr/>
+        </p:nvSpPr>
+        <p:spPr>
+          <a:xfrm>
+            <a:off x="0" y="88777"/>
+            <a:ext cx="12197918" cy="7571303"/>
+          </a:xfrm>
+          <a:prstGeom prst="rect">
+            <a:avLst/>
+          </a:prstGeom>
+          <a:noFill/>
+        </p:spPr>
+        <p:txBody>
+          <a:bodyPr wrap="square" rtlCol="0">
+            <a:spAutoFit/>
+          </a:bodyPr>
+          <a:lstStyle/>
+          <a:p>
+            <a:r>
+              <a:rPr lang="en-US" sz="600" dirty="0"/>
+              <a:t>@startuml</a:t>
+            </a:r>
+          </a:p>
+          <a:p>
+            <a:r>
+              <a:rPr lang="en-US" sz="600" dirty="0"/>
+              <a:t>!theme vibrant</a:t>
+            </a:r>
+          </a:p>
+          <a:p>
+            <a:r>
+              <a:rPr lang="en-US" sz="600" dirty="0"/>
+              <a:t>class </a:t>
+            </a:r>
+            <a:r>
+              <a:rPr lang="en-US" sz="600" dirty="0" err="1"/>
+              <a:t>ReactNode</a:t>
+            </a:r>
+            <a:r>
+              <a:rPr lang="en-US" sz="600" dirty="0"/>
+              <a:t>{</a:t>
+            </a:r>
+          </a:p>
+          <a:p>
+            <a:r>
+              <a:rPr lang="en-US" sz="600" dirty="0"/>
+              <a:t>  + render()</a:t>
+            </a:r>
+          </a:p>
+          <a:p>
+            <a:r>
+              <a:rPr lang="en-US" sz="600" dirty="0"/>
+              <a:t>}</a:t>
+            </a:r>
+          </a:p>
+          <a:p>
+            <a:r>
+              <a:rPr lang="en-US" sz="600" dirty="0"/>
+              <a:t>class </a:t>
+            </a:r>
+            <a:r>
+              <a:rPr lang="en-US" sz="600" dirty="0" err="1"/>
+              <a:t>EditIntegration</a:t>
+            </a:r>
+            <a:r>
+              <a:rPr lang="en-US" sz="600" dirty="0"/>
+              <a:t> extends </a:t>
+            </a:r>
+            <a:r>
+              <a:rPr lang="en-US" sz="600" dirty="0" err="1"/>
+              <a:t>ReactNode</a:t>
+            </a:r>
+            <a:r>
+              <a:rPr lang="en-US" sz="600" dirty="0"/>
+              <a:t>{</a:t>
+            </a:r>
+          </a:p>
+          <a:p>
+            <a:r>
+              <a:rPr lang="en-US" sz="600" dirty="0"/>
+              <a:t>  - </a:t>
+            </a:r>
+            <a:r>
+              <a:rPr lang="en-US" sz="600" dirty="0" err="1"/>
+              <a:t>formFactory</a:t>
+            </a:r>
+            <a:r>
+              <a:rPr lang="en-US" sz="600" dirty="0"/>
+              <a:t>: </a:t>
+            </a:r>
+            <a:r>
+              <a:rPr lang="en-US" sz="600" dirty="0" err="1"/>
+              <a:t>FormFactory</a:t>
+            </a:r>
+            <a:endParaRPr lang="en-US" sz="600" dirty="0"/>
+          </a:p>
+          <a:p>
+            <a:endParaRPr lang="en-US" sz="600" dirty="0"/>
+          </a:p>
+          <a:p>
+            <a:r>
+              <a:rPr lang="en-US" sz="600" dirty="0"/>
+              <a:t>  + </a:t>
+            </a:r>
+            <a:r>
+              <a:rPr lang="en-US" sz="600" dirty="0" err="1"/>
+              <a:t>EditIntegration</a:t>
+            </a:r>
+            <a:r>
+              <a:rPr lang="en-US" sz="600" dirty="0"/>
+              <a:t>(factory: </a:t>
+            </a:r>
+            <a:r>
+              <a:rPr lang="en-US" sz="600" dirty="0" err="1"/>
+              <a:t>FormFactory</a:t>
+            </a:r>
+            <a:r>
+              <a:rPr lang="en-US" sz="600" dirty="0"/>
+              <a:t>)</a:t>
+            </a:r>
+          </a:p>
+          <a:p>
+            <a:r>
+              <a:rPr lang="en-US" sz="600" dirty="0"/>
+              <a:t>}</a:t>
+            </a:r>
+          </a:p>
+          <a:p>
+            <a:endParaRPr lang="en-US" sz="600" dirty="0"/>
+          </a:p>
+          <a:p>
+            <a:r>
+              <a:rPr lang="en-US" sz="600" dirty="0"/>
+              <a:t>together {</a:t>
+            </a:r>
+          </a:p>
+          <a:p>
+            <a:r>
+              <a:rPr lang="en-US" sz="600" dirty="0"/>
+              <a:t>  interface </a:t>
+            </a:r>
+            <a:r>
+              <a:rPr lang="en-US" sz="600" dirty="0" err="1"/>
+              <a:t>FormFactory</a:t>
+            </a:r>
+            <a:r>
+              <a:rPr lang="en-US" sz="600" dirty="0"/>
+              <a:t>{</a:t>
+            </a:r>
+          </a:p>
+          <a:p>
+            <a:r>
+              <a:rPr lang="en-US" sz="600" dirty="0"/>
+              <a:t>    + </a:t>
+            </a:r>
+            <a:r>
+              <a:rPr lang="en-US" sz="600" dirty="0" err="1"/>
+              <a:t>createIntegrationForm</a:t>
+            </a:r>
+            <a:r>
+              <a:rPr lang="en-US" sz="600" dirty="0"/>
+              <a:t>(): </a:t>
+            </a:r>
+            <a:r>
+              <a:rPr lang="en-US" sz="600" dirty="0" err="1"/>
+              <a:t>IntegrationForm</a:t>
+            </a:r>
+            <a:endParaRPr lang="en-US" sz="600" dirty="0"/>
+          </a:p>
+          <a:p>
+            <a:r>
+              <a:rPr lang="en-US" sz="600" dirty="0"/>
+              <a:t>    + </a:t>
+            </a:r>
+            <a:r>
+              <a:rPr lang="en-US" sz="600" dirty="0" err="1"/>
+              <a:t>createInterfaceForm</a:t>
+            </a:r>
+            <a:r>
+              <a:rPr lang="en-US" sz="600" dirty="0"/>
+              <a:t>(): </a:t>
+            </a:r>
+            <a:r>
+              <a:rPr lang="en-US" sz="600" dirty="0" err="1"/>
+              <a:t>InterfaceForm</a:t>
+            </a:r>
+            <a:endParaRPr lang="en-US" sz="600" dirty="0"/>
+          </a:p>
+          <a:p>
+            <a:r>
+              <a:rPr lang="en-US" sz="600" dirty="0"/>
+              <a:t>    + </a:t>
+            </a:r>
+            <a:r>
+              <a:rPr lang="en-US" sz="600" dirty="0" err="1"/>
+              <a:t>createConnectionForm</a:t>
+            </a:r>
+            <a:r>
+              <a:rPr lang="en-US" sz="600" dirty="0"/>
+              <a:t>(): </a:t>
+            </a:r>
+            <a:r>
+              <a:rPr lang="en-US" sz="600" dirty="0" err="1"/>
+              <a:t>ConnectionForm</a:t>
+            </a:r>
+            <a:endParaRPr lang="en-US" sz="600" dirty="0"/>
+          </a:p>
+          <a:p>
+            <a:r>
+              <a:rPr lang="en-US" sz="600" dirty="0"/>
+              <a:t>  }</a:t>
+            </a:r>
+          </a:p>
+          <a:p>
+            <a:r>
+              <a:rPr lang="en-US" sz="600" dirty="0"/>
+              <a:t>  class </a:t>
+            </a:r>
+            <a:r>
+              <a:rPr lang="en-US" sz="600" dirty="0" err="1"/>
+              <a:t>WMFormFactory</a:t>
+            </a:r>
+            <a:r>
+              <a:rPr lang="en-US" sz="600" dirty="0"/>
+              <a:t> implements </a:t>
+            </a:r>
+            <a:r>
+              <a:rPr lang="en-US" sz="600" dirty="0" err="1"/>
+              <a:t>FormFactory</a:t>
+            </a:r>
+            <a:r>
+              <a:rPr lang="en-US" sz="600" dirty="0"/>
+              <a:t>{</a:t>
+            </a:r>
+          </a:p>
+          <a:p>
+            <a:r>
+              <a:rPr lang="en-US" sz="600" dirty="0"/>
+              <a:t>    + </a:t>
+            </a:r>
+            <a:r>
+              <a:rPr lang="en-US" sz="600" dirty="0" err="1"/>
+              <a:t>createIntegrationForm</a:t>
+            </a:r>
+            <a:r>
+              <a:rPr lang="en-US" sz="600" dirty="0"/>
+              <a:t>(): </a:t>
+            </a:r>
+            <a:r>
+              <a:rPr lang="en-US" sz="600" dirty="0" err="1"/>
+              <a:t>IntegrationForm</a:t>
+            </a:r>
+            <a:endParaRPr lang="en-US" sz="600" dirty="0"/>
+          </a:p>
+          <a:p>
+            <a:r>
+              <a:rPr lang="en-US" sz="600" dirty="0"/>
+              <a:t>    + </a:t>
+            </a:r>
+            <a:r>
+              <a:rPr lang="en-US" sz="600" dirty="0" err="1"/>
+              <a:t>createInterfaceForm</a:t>
+            </a:r>
+            <a:r>
+              <a:rPr lang="en-US" sz="600" dirty="0"/>
+              <a:t>(): </a:t>
+            </a:r>
+            <a:r>
+              <a:rPr lang="en-US" sz="600" dirty="0" err="1"/>
+              <a:t>InterfaceForm</a:t>
+            </a:r>
+            <a:endParaRPr lang="en-US" sz="600" dirty="0"/>
+          </a:p>
+          <a:p>
+            <a:r>
+              <a:rPr lang="en-US" sz="600" dirty="0"/>
+              <a:t>    + </a:t>
+            </a:r>
+            <a:r>
+              <a:rPr lang="en-US" sz="600" dirty="0" err="1"/>
+              <a:t>createConnectionForm</a:t>
+            </a:r>
+            <a:r>
+              <a:rPr lang="en-US" sz="600" dirty="0"/>
+              <a:t>(): </a:t>
+            </a:r>
+            <a:r>
+              <a:rPr lang="en-US" sz="600" dirty="0" err="1"/>
+              <a:t>ConnectionForm</a:t>
+            </a:r>
+            <a:endParaRPr lang="en-US" sz="600" dirty="0"/>
+          </a:p>
+          <a:p>
+            <a:r>
+              <a:rPr lang="en-US" sz="600" dirty="0"/>
+              <a:t>  }</a:t>
+            </a:r>
+          </a:p>
+          <a:p>
+            <a:r>
+              <a:rPr lang="en-US" sz="600" dirty="0"/>
+              <a:t>  class </a:t>
+            </a:r>
+            <a:r>
+              <a:rPr lang="en-US" sz="600" dirty="0" err="1"/>
+              <a:t>ATFormFactory</a:t>
+            </a:r>
+            <a:r>
+              <a:rPr lang="en-US" sz="600" dirty="0"/>
+              <a:t> implements </a:t>
+            </a:r>
+            <a:r>
+              <a:rPr lang="en-US" sz="600" dirty="0" err="1"/>
+              <a:t>FormFactory</a:t>
+            </a:r>
+            <a:r>
+              <a:rPr lang="en-US" sz="600" dirty="0"/>
+              <a:t>{</a:t>
+            </a:r>
+          </a:p>
+          <a:p>
+            <a:r>
+              <a:rPr lang="en-US" sz="600" dirty="0"/>
+              <a:t>    + </a:t>
+            </a:r>
+            <a:r>
+              <a:rPr lang="en-US" sz="600" dirty="0" err="1"/>
+              <a:t>createIntegrationForm</a:t>
+            </a:r>
+            <a:r>
+              <a:rPr lang="en-US" sz="600" dirty="0"/>
+              <a:t>(): </a:t>
+            </a:r>
+            <a:r>
+              <a:rPr lang="en-US" sz="600" dirty="0" err="1"/>
+              <a:t>IntegrationForm</a:t>
+            </a:r>
+            <a:endParaRPr lang="en-US" sz="600" dirty="0"/>
+          </a:p>
+          <a:p>
+            <a:r>
+              <a:rPr lang="en-US" sz="600" dirty="0"/>
+              <a:t>    + </a:t>
+            </a:r>
+            <a:r>
+              <a:rPr lang="en-US" sz="600" dirty="0" err="1"/>
+              <a:t>createInterfaceForm</a:t>
+            </a:r>
+            <a:r>
+              <a:rPr lang="en-US" sz="600" dirty="0"/>
+              <a:t>(): </a:t>
+            </a:r>
+            <a:r>
+              <a:rPr lang="en-US" sz="600" dirty="0" err="1"/>
+              <a:t>InterfaceForm</a:t>
+            </a:r>
+            <a:endParaRPr lang="en-US" sz="600" dirty="0"/>
+          </a:p>
+          <a:p>
+            <a:r>
+              <a:rPr lang="en-US" sz="600" dirty="0"/>
+              <a:t>    + </a:t>
+            </a:r>
+            <a:r>
+              <a:rPr lang="en-US" sz="600" dirty="0" err="1"/>
+              <a:t>createConnectionForm</a:t>
+            </a:r>
+            <a:r>
+              <a:rPr lang="en-US" sz="600" dirty="0"/>
+              <a:t>(): </a:t>
+            </a:r>
+            <a:r>
+              <a:rPr lang="en-US" sz="600" dirty="0" err="1"/>
+              <a:t>ConnectionForm</a:t>
+            </a:r>
+            <a:endParaRPr lang="en-US" sz="600" dirty="0"/>
+          </a:p>
+          <a:p>
+            <a:r>
+              <a:rPr lang="en-US" sz="600" dirty="0"/>
+              <a:t>  }</a:t>
+            </a:r>
+          </a:p>
+          <a:p>
+            <a:r>
+              <a:rPr lang="en-US" sz="600" dirty="0"/>
+              <a:t>  class </a:t>
+            </a:r>
+            <a:r>
+              <a:rPr lang="en-US" sz="600" dirty="0" err="1"/>
+              <a:t>SAPFormFactory</a:t>
+            </a:r>
+            <a:r>
+              <a:rPr lang="en-US" sz="600" dirty="0"/>
+              <a:t> implements </a:t>
+            </a:r>
+            <a:r>
+              <a:rPr lang="en-US" sz="600" dirty="0" err="1"/>
+              <a:t>FormFactory</a:t>
+            </a:r>
+            <a:r>
+              <a:rPr lang="en-US" sz="600" dirty="0"/>
+              <a:t>{</a:t>
+            </a:r>
+          </a:p>
+          <a:p>
+            <a:r>
+              <a:rPr lang="en-US" sz="600" dirty="0"/>
+              <a:t>    + </a:t>
+            </a:r>
+            <a:r>
+              <a:rPr lang="en-US" sz="600" dirty="0" err="1"/>
+              <a:t>createIntegrationForm</a:t>
+            </a:r>
+            <a:r>
+              <a:rPr lang="en-US" sz="600" dirty="0"/>
+              <a:t>(): </a:t>
+            </a:r>
+            <a:r>
+              <a:rPr lang="en-US" sz="600" dirty="0" err="1"/>
+              <a:t>IntegrationForm</a:t>
+            </a:r>
+            <a:endParaRPr lang="en-US" sz="600" dirty="0"/>
+          </a:p>
+          <a:p>
+            <a:r>
+              <a:rPr lang="en-US" sz="600" dirty="0"/>
+              <a:t>    + </a:t>
+            </a:r>
+            <a:r>
+              <a:rPr lang="en-US" sz="600" dirty="0" err="1"/>
+              <a:t>createInterfaceForm</a:t>
+            </a:r>
+            <a:r>
+              <a:rPr lang="en-US" sz="600" dirty="0"/>
+              <a:t>(): </a:t>
+            </a:r>
+            <a:r>
+              <a:rPr lang="en-US" sz="600" dirty="0" err="1"/>
+              <a:t>InterfaceForm</a:t>
+            </a:r>
+            <a:endParaRPr lang="en-US" sz="600" dirty="0"/>
+          </a:p>
+          <a:p>
+            <a:r>
+              <a:rPr lang="en-US" sz="600" dirty="0"/>
+              <a:t>    + </a:t>
+            </a:r>
+            <a:r>
+              <a:rPr lang="en-US" sz="600" dirty="0" err="1"/>
+              <a:t>createConnectionForm</a:t>
+            </a:r>
+            <a:r>
+              <a:rPr lang="en-US" sz="600" dirty="0"/>
+              <a:t>(): </a:t>
+            </a:r>
+            <a:r>
+              <a:rPr lang="en-US" sz="600" dirty="0" err="1"/>
+              <a:t>ConnectionForm</a:t>
+            </a:r>
+            <a:endParaRPr lang="en-US" sz="600" dirty="0"/>
+          </a:p>
+          <a:p>
+            <a:r>
+              <a:rPr lang="en-US" sz="600" dirty="0"/>
+              <a:t>  }</a:t>
+            </a:r>
+          </a:p>
+          <a:p>
+            <a:r>
+              <a:rPr lang="en-US" sz="600" dirty="0"/>
+              <a:t>}</a:t>
+            </a:r>
+          </a:p>
+          <a:p>
+            <a:r>
+              <a:rPr lang="en-US" sz="600" dirty="0"/>
+              <a:t> </a:t>
+            </a:r>
+          </a:p>
+          <a:p>
+            <a:r>
+              <a:rPr lang="en-US" sz="600" dirty="0"/>
+              <a:t>abstract class </a:t>
+            </a:r>
+            <a:r>
+              <a:rPr lang="en-US" sz="600" dirty="0" err="1"/>
+              <a:t>DraftableForm</a:t>
+            </a:r>
+            <a:r>
+              <a:rPr lang="en-US" sz="600" dirty="0"/>
+              <a:t> extends </a:t>
+            </a:r>
+            <a:r>
+              <a:rPr lang="en-US" sz="600" dirty="0" err="1"/>
+              <a:t>ReactNode</a:t>
+            </a:r>
+            <a:r>
+              <a:rPr lang="en-US" sz="600" dirty="0"/>
+              <a:t> {</a:t>
+            </a:r>
+          </a:p>
+          <a:p>
+            <a:r>
+              <a:rPr lang="en-US" sz="600" dirty="0"/>
+              <a:t>  + </a:t>
+            </a:r>
+            <a:r>
+              <a:rPr lang="en-US" sz="600" dirty="0" err="1"/>
+              <a:t>saveDraft</a:t>
+            </a:r>
+            <a:r>
+              <a:rPr lang="en-US" sz="600" dirty="0"/>
+              <a:t>()</a:t>
+            </a:r>
+          </a:p>
+          <a:p>
+            <a:r>
+              <a:rPr lang="en-US" sz="600" dirty="0"/>
+              <a:t>  + </a:t>
+            </a:r>
+            <a:r>
+              <a:rPr lang="en-US" sz="600" dirty="0" err="1"/>
+              <a:t>readDraft</a:t>
+            </a:r>
+            <a:r>
+              <a:rPr lang="en-US" sz="600" dirty="0"/>
+              <a:t>()</a:t>
+            </a:r>
+          </a:p>
+          <a:p>
+            <a:r>
+              <a:rPr lang="en-US" sz="600" dirty="0"/>
+              <a:t>  + {abstract} </a:t>
+            </a:r>
+            <a:r>
+              <a:rPr lang="en-US" sz="600" dirty="0" err="1"/>
+              <a:t>generateDraftKey</a:t>
+            </a:r>
+            <a:r>
+              <a:rPr lang="en-US" sz="600" dirty="0"/>
+              <a:t>()</a:t>
+            </a:r>
+          </a:p>
+          <a:p>
+            <a:r>
+              <a:rPr lang="en-US" sz="600" dirty="0"/>
+              <a:t>}</a:t>
+            </a:r>
+          </a:p>
+          <a:p>
+            <a:endParaRPr lang="en-US" sz="600" dirty="0"/>
+          </a:p>
+          <a:p>
+            <a:r>
+              <a:rPr lang="en-US" sz="600" dirty="0"/>
+              <a:t>together {</a:t>
+            </a:r>
+          </a:p>
+          <a:p>
+            <a:r>
+              <a:rPr lang="en-US" sz="600" dirty="0"/>
+              <a:t>  abstract class </a:t>
+            </a:r>
+            <a:r>
+              <a:rPr lang="en-US" sz="600" dirty="0" err="1"/>
+              <a:t>IntegrationForm</a:t>
+            </a:r>
+            <a:r>
+              <a:rPr lang="en-US" sz="600" dirty="0"/>
+              <a:t> extends </a:t>
+            </a:r>
+            <a:r>
+              <a:rPr lang="en-US" sz="600" dirty="0" err="1"/>
+              <a:t>DraftableForm</a:t>
+            </a:r>
+            <a:r>
+              <a:rPr lang="en-US" sz="600" dirty="0"/>
+              <a:t> {</a:t>
+            </a:r>
+          </a:p>
+          <a:p>
+            <a:r>
+              <a:rPr lang="en-US" sz="600" dirty="0"/>
+              <a:t>    + {abstract} </a:t>
+            </a:r>
+            <a:r>
+              <a:rPr lang="en-US" sz="600" dirty="0" err="1"/>
+              <a:t>preprocessIntegrationInfoFormData</a:t>
+            </a:r>
+            <a:r>
+              <a:rPr lang="en-US" sz="600" dirty="0"/>
+              <a:t>(</a:t>
+            </a:r>
+            <a:r>
+              <a:rPr lang="en-US" sz="600" dirty="0" err="1"/>
+              <a:t>selectedIntegration</a:t>
+            </a:r>
+            <a:r>
+              <a:rPr lang="en-US" sz="600" dirty="0"/>
+              <a:t>: </a:t>
+            </a:r>
+            <a:r>
+              <a:rPr lang="en-US" sz="600" dirty="0" err="1"/>
+              <a:t>IntegrationDataType</a:t>
+            </a:r>
+            <a:r>
+              <a:rPr lang="en-US" sz="600" dirty="0"/>
+              <a:t> | null,): </a:t>
+            </a:r>
+            <a:r>
+              <a:rPr lang="en-US" sz="600" dirty="0" err="1"/>
+              <a:t>IIntegrationFormData</a:t>
+            </a:r>
+            <a:endParaRPr lang="en-US" sz="600" dirty="0"/>
+          </a:p>
+          <a:p>
+            <a:r>
+              <a:rPr lang="en-US" sz="600" dirty="0"/>
+              <a:t>	+ {abstract} </a:t>
+            </a:r>
+            <a:r>
+              <a:rPr lang="en-US" sz="600" dirty="0" err="1"/>
+              <a:t>generateFormList</a:t>
+            </a:r>
+            <a:r>
+              <a:rPr lang="en-US" sz="600" dirty="0"/>
+              <a:t>(): </a:t>
+            </a:r>
+            <a:r>
+              <a:rPr lang="en-US" sz="600" dirty="0" err="1"/>
+              <a:t>FormItem</a:t>
+            </a:r>
+            <a:r>
+              <a:rPr lang="en-US" sz="600" dirty="0"/>
+              <a:t>[]</a:t>
+            </a:r>
+          </a:p>
+          <a:p>
+            <a:r>
+              <a:rPr lang="en-US" sz="600" dirty="0"/>
+              <a:t>  }</a:t>
+            </a:r>
+          </a:p>
+          <a:p>
+            <a:r>
+              <a:rPr lang="en-US" sz="600" dirty="0"/>
+              <a:t>  class </a:t>
+            </a:r>
+            <a:r>
+              <a:rPr lang="en-US" sz="600" dirty="0" err="1"/>
+              <a:t>WMIntegrationForm</a:t>
+            </a:r>
+            <a:r>
+              <a:rPr lang="en-US" sz="600" dirty="0"/>
+              <a:t> extends </a:t>
+            </a:r>
+            <a:r>
+              <a:rPr lang="en-US" sz="600" dirty="0" err="1"/>
+              <a:t>IntegrationForm</a:t>
+            </a:r>
+            <a:r>
+              <a:rPr lang="en-US" sz="600" dirty="0"/>
+              <a:t>{}</a:t>
+            </a:r>
+          </a:p>
+          <a:p>
+            <a:r>
+              <a:rPr lang="en-US" sz="600" dirty="0"/>
+              <a:t>  class </a:t>
+            </a:r>
+            <a:r>
+              <a:rPr lang="en-US" sz="600" dirty="0" err="1"/>
+              <a:t>ATIntegrationForm</a:t>
+            </a:r>
+            <a:r>
+              <a:rPr lang="en-US" sz="600" dirty="0"/>
+              <a:t> extends </a:t>
+            </a:r>
+            <a:r>
+              <a:rPr lang="en-US" sz="600" dirty="0" err="1"/>
+              <a:t>IntegrationForm</a:t>
+            </a:r>
+            <a:r>
+              <a:rPr lang="en-US" sz="600" dirty="0"/>
+              <a:t>{}</a:t>
+            </a:r>
+          </a:p>
+          <a:p>
+            <a:r>
+              <a:rPr lang="en-US" sz="600" dirty="0"/>
+              <a:t>  class </a:t>
+            </a:r>
+            <a:r>
+              <a:rPr lang="en-US" sz="600" dirty="0" err="1"/>
+              <a:t>SAPIntegrationForm</a:t>
+            </a:r>
+            <a:r>
+              <a:rPr lang="en-US" sz="600" dirty="0"/>
+              <a:t> extends </a:t>
+            </a:r>
+            <a:r>
+              <a:rPr lang="en-US" sz="600" dirty="0" err="1"/>
+              <a:t>IntegrationForm</a:t>
+            </a:r>
+            <a:r>
+              <a:rPr lang="en-US" sz="600" dirty="0"/>
+              <a:t>{}</a:t>
+            </a:r>
+          </a:p>
+          <a:p>
+            <a:r>
+              <a:rPr lang="en-US" sz="600" dirty="0"/>
+              <a:t>}</a:t>
+            </a:r>
+          </a:p>
+          <a:p>
+            <a:r>
+              <a:rPr lang="en-US" sz="600" dirty="0"/>
+              <a:t>together {</a:t>
+            </a:r>
+          </a:p>
+          <a:p>
+            <a:r>
+              <a:rPr lang="en-US" sz="600" dirty="0"/>
+              <a:t>  abstract class </a:t>
+            </a:r>
+            <a:r>
+              <a:rPr lang="en-US" sz="600" dirty="0" err="1"/>
+              <a:t>InterfaceForm</a:t>
+            </a:r>
+            <a:r>
+              <a:rPr lang="en-US" sz="600" dirty="0"/>
+              <a:t> extends </a:t>
+            </a:r>
+            <a:r>
+              <a:rPr lang="en-US" sz="600" dirty="0" err="1"/>
+              <a:t>DraftableForm</a:t>
+            </a:r>
+            <a:r>
+              <a:rPr lang="en-US" sz="600" dirty="0"/>
+              <a:t> {</a:t>
+            </a:r>
+          </a:p>
+          <a:p>
+            <a:r>
+              <a:rPr lang="en-US" sz="600" dirty="0"/>
+              <a:t>	+ {abstract} </a:t>
+            </a:r>
+            <a:r>
+              <a:rPr lang="en-US" sz="600" dirty="0" err="1"/>
+              <a:t>preprocessInterfaceInfoFormData</a:t>
+            </a:r>
+            <a:r>
+              <a:rPr lang="en-US" sz="600" dirty="0"/>
+              <a:t>(</a:t>
+            </a:r>
+            <a:r>
+              <a:rPr lang="en-US" sz="600" dirty="0" err="1"/>
+              <a:t>selectedInterface</a:t>
+            </a:r>
+            <a:r>
+              <a:rPr lang="en-US" sz="600" dirty="0"/>
+              <a:t>: </a:t>
+            </a:r>
+            <a:r>
+              <a:rPr lang="en-US" sz="600" dirty="0" err="1"/>
+              <a:t>InterfaceDataType</a:t>
+            </a:r>
+            <a:r>
+              <a:rPr lang="en-US" sz="600" dirty="0"/>
+              <a:t> | null): </a:t>
+            </a:r>
+            <a:r>
+              <a:rPr lang="en-US" sz="600" dirty="0" err="1"/>
+              <a:t>InterfaceFormType</a:t>
+            </a:r>
+            <a:endParaRPr lang="en-US" sz="600" dirty="0"/>
+          </a:p>
+          <a:p>
+            <a:r>
+              <a:rPr lang="en-US" sz="600" dirty="0"/>
+              <a:t>	+ {abstract} </a:t>
+            </a:r>
+            <a:r>
+              <a:rPr lang="en-US" sz="600" dirty="0" err="1"/>
+              <a:t>generateFormList</a:t>
+            </a:r>
+            <a:r>
+              <a:rPr lang="en-US" sz="600" dirty="0"/>
+              <a:t>(): </a:t>
+            </a:r>
+            <a:r>
+              <a:rPr lang="en-US" sz="600" dirty="0" err="1"/>
+              <a:t>FormItem</a:t>
+            </a:r>
+            <a:r>
+              <a:rPr lang="en-US" sz="600" dirty="0"/>
+              <a:t>[]</a:t>
+            </a:r>
+          </a:p>
+          <a:p>
+            <a:r>
+              <a:rPr lang="en-US" sz="600" dirty="0"/>
+              <a:t>  }</a:t>
+            </a:r>
+          </a:p>
+          <a:p>
+            <a:r>
+              <a:rPr lang="en-US" sz="600" dirty="0"/>
+              <a:t>  class </a:t>
+            </a:r>
+            <a:r>
+              <a:rPr lang="en-US" sz="600" dirty="0" err="1"/>
+              <a:t>WMInterfaceForm</a:t>
+            </a:r>
+            <a:r>
+              <a:rPr lang="en-US" sz="600" dirty="0"/>
+              <a:t> extends </a:t>
+            </a:r>
+            <a:r>
+              <a:rPr lang="en-US" sz="600" dirty="0" err="1"/>
+              <a:t>InterfaceForm</a:t>
+            </a:r>
+            <a:r>
+              <a:rPr lang="en-US" sz="600" dirty="0"/>
+              <a:t>{}</a:t>
+            </a:r>
+          </a:p>
+          <a:p>
+            <a:r>
+              <a:rPr lang="en-US" sz="600" dirty="0"/>
+              <a:t>  class </a:t>
+            </a:r>
+            <a:r>
+              <a:rPr lang="en-US" sz="600" dirty="0" err="1"/>
+              <a:t>ATInterfaceForm</a:t>
+            </a:r>
+            <a:r>
+              <a:rPr lang="en-US" sz="600" dirty="0"/>
+              <a:t> extends </a:t>
+            </a:r>
+            <a:r>
+              <a:rPr lang="en-US" sz="600" dirty="0" err="1"/>
+              <a:t>InterfaceForm</a:t>
+            </a:r>
+            <a:r>
+              <a:rPr lang="en-US" sz="600" dirty="0"/>
+              <a:t>{}</a:t>
+            </a:r>
+          </a:p>
+          <a:p>
+            <a:r>
+              <a:rPr lang="en-US" sz="600" dirty="0"/>
+              <a:t>  class </a:t>
+            </a:r>
+            <a:r>
+              <a:rPr lang="en-US" sz="600" dirty="0" err="1"/>
+              <a:t>SAPInterfaceForm</a:t>
+            </a:r>
+            <a:r>
+              <a:rPr lang="en-US" sz="600" dirty="0"/>
+              <a:t> extends </a:t>
+            </a:r>
+            <a:r>
+              <a:rPr lang="en-US" sz="600" dirty="0" err="1"/>
+              <a:t>InterfaceForm</a:t>
+            </a:r>
+            <a:r>
+              <a:rPr lang="en-US" sz="600" dirty="0"/>
+              <a:t>{}</a:t>
+            </a:r>
+          </a:p>
+          <a:p>
+            <a:r>
+              <a:rPr lang="en-US" sz="600" dirty="0"/>
+              <a:t>}</a:t>
+            </a:r>
+          </a:p>
+          <a:p>
+            <a:r>
+              <a:rPr lang="en-US" sz="600" dirty="0"/>
+              <a:t>together {</a:t>
+            </a:r>
+          </a:p>
+          <a:p>
+            <a:r>
+              <a:rPr lang="en-US" sz="600" dirty="0"/>
+              <a:t>  abstract class </a:t>
+            </a:r>
+            <a:r>
+              <a:rPr lang="en-US" sz="600" dirty="0" err="1"/>
+              <a:t>ConnectionForm</a:t>
+            </a:r>
+            <a:r>
+              <a:rPr lang="en-US" sz="600" dirty="0"/>
+              <a:t> extends </a:t>
+            </a:r>
+            <a:r>
+              <a:rPr lang="en-US" sz="600" dirty="0" err="1"/>
+              <a:t>DraftableForm</a:t>
+            </a:r>
+            <a:r>
+              <a:rPr lang="en-US" sz="600" dirty="0"/>
+              <a:t> {</a:t>
+            </a:r>
+          </a:p>
+          <a:p>
+            <a:r>
+              <a:rPr lang="en-US" sz="600" dirty="0"/>
+              <a:t>	+ {abstract} </a:t>
+            </a:r>
+            <a:r>
+              <a:rPr lang="en-US" sz="600" dirty="0" err="1"/>
+              <a:t>generateFormList</a:t>
+            </a:r>
+            <a:r>
+              <a:rPr lang="en-US" sz="600" dirty="0"/>
+              <a:t>(): </a:t>
+            </a:r>
+            <a:r>
+              <a:rPr lang="en-US" sz="600" dirty="0" err="1"/>
+              <a:t>FormItem</a:t>
+            </a:r>
+            <a:r>
+              <a:rPr lang="en-US" sz="600" dirty="0"/>
+              <a:t>[]</a:t>
+            </a:r>
+          </a:p>
+          <a:p>
+            <a:r>
+              <a:rPr lang="en-US" sz="600" dirty="0"/>
+              <a:t>  }</a:t>
+            </a:r>
+          </a:p>
+          <a:p>
+            <a:r>
+              <a:rPr lang="en-US" sz="600" dirty="0"/>
+              <a:t>  class </a:t>
+            </a:r>
+            <a:r>
+              <a:rPr lang="en-US" sz="600" dirty="0" err="1"/>
+              <a:t>WMConnectionForm</a:t>
+            </a:r>
+            <a:r>
+              <a:rPr lang="en-US" sz="600" dirty="0"/>
+              <a:t> extends </a:t>
+            </a:r>
+            <a:r>
+              <a:rPr lang="en-US" sz="600" dirty="0" err="1"/>
+              <a:t>ConnectionForm</a:t>
+            </a:r>
+            <a:r>
+              <a:rPr lang="en-US" sz="600" dirty="0"/>
+              <a:t>{}</a:t>
+            </a:r>
+          </a:p>
+          <a:p>
+            <a:r>
+              <a:rPr lang="en-US" sz="600" dirty="0"/>
+              <a:t>  class </a:t>
+            </a:r>
+            <a:r>
+              <a:rPr lang="en-US" sz="600" dirty="0" err="1"/>
+              <a:t>ATConnectionForm</a:t>
+            </a:r>
+            <a:r>
+              <a:rPr lang="en-US" sz="600" dirty="0"/>
+              <a:t> extends </a:t>
+            </a:r>
+            <a:r>
+              <a:rPr lang="en-US" sz="600" dirty="0" err="1"/>
+              <a:t>ConnectionForm</a:t>
+            </a:r>
+            <a:r>
+              <a:rPr lang="en-US" sz="600" dirty="0"/>
+              <a:t>{}</a:t>
+            </a:r>
+          </a:p>
+          <a:p>
+            <a:r>
+              <a:rPr lang="en-US" sz="600" dirty="0"/>
+              <a:t>  class </a:t>
+            </a:r>
+            <a:r>
+              <a:rPr lang="en-US" sz="600" dirty="0" err="1"/>
+              <a:t>SAPConnectionForm</a:t>
+            </a:r>
+            <a:r>
+              <a:rPr lang="en-US" sz="600" dirty="0"/>
+              <a:t> extends </a:t>
+            </a:r>
+            <a:r>
+              <a:rPr lang="en-US" sz="600" dirty="0" err="1"/>
+              <a:t>ConnectionForm</a:t>
+            </a:r>
+            <a:r>
+              <a:rPr lang="en-US" sz="600" dirty="0"/>
+              <a:t>{}</a:t>
+            </a:r>
+          </a:p>
+          <a:p>
+            <a:r>
+              <a:rPr lang="en-US" sz="600" dirty="0"/>
+              <a:t>}</a:t>
+            </a:r>
+          </a:p>
+          <a:p>
+            <a:endParaRPr lang="en-US" sz="600" dirty="0"/>
+          </a:p>
+          <a:p>
+            <a:r>
+              <a:rPr lang="en-US" sz="600" dirty="0" err="1"/>
+              <a:t>EditIntegration</a:t>
+            </a:r>
+            <a:r>
+              <a:rPr lang="en-US" sz="600" dirty="0"/>
+              <a:t> .Right.&gt; </a:t>
+            </a:r>
+            <a:r>
+              <a:rPr lang="en-US" sz="600" dirty="0" err="1"/>
+              <a:t>FormFactory</a:t>
+            </a:r>
+            <a:r>
+              <a:rPr lang="en-US" sz="600" dirty="0"/>
+              <a:t>: &lt;&lt;use&gt;&gt;</a:t>
+            </a:r>
+          </a:p>
+          <a:p>
+            <a:endParaRPr lang="en-US" sz="600" dirty="0"/>
+          </a:p>
+          <a:p>
+            <a:r>
+              <a:rPr lang="en-US" sz="600" dirty="0" err="1"/>
+              <a:t>WMFormFactory</a:t>
+            </a:r>
+            <a:r>
+              <a:rPr lang="en-US" sz="600" dirty="0"/>
+              <a:t> .down.&gt; </a:t>
+            </a:r>
+            <a:r>
+              <a:rPr lang="en-US" sz="600" dirty="0" err="1"/>
+              <a:t>WMIntegrationForm</a:t>
+            </a:r>
+            <a:r>
+              <a:rPr lang="en-US" sz="600" dirty="0"/>
+              <a:t>: &lt;&lt;use&gt;&gt;</a:t>
+            </a:r>
+          </a:p>
+          <a:p>
+            <a:r>
+              <a:rPr lang="en-US" sz="600" dirty="0" err="1"/>
+              <a:t>WMFormFactory</a:t>
+            </a:r>
+            <a:r>
+              <a:rPr lang="en-US" sz="600" dirty="0"/>
+              <a:t> .down.&gt; </a:t>
+            </a:r>
+            <a:r>
+              <a:rPr lang="en-US" sz="600" dirty="0" err="1"/>
+              <a:t>WMInterfaceForm</a:t>
+            </a:r>
+            <a:r>
+              <a:rPr lang="en-US" sz="600" dirty="0"/>
+              <a:t>: &lt;&lt;use&gt;&gt;</a:t>
+            </a:r>
+          </a:p>
+          <a:p>
+            <a:r>
+              <a:rPr lang="en-US" sz="600" dirty="0" err="1"/>
+              <a:t>WMFormFactory</a:t>
+            </a:r>
+            <a:r>
+              <a:rPr lang="en-US" sz="600" dirty="0"/>
+              <a:t> .down.&gt; </a:t>
+            </a:r>
+            <a:r>
+              <a:rPr lang="en-US" sz="600" dirty="0" err="1"/>
+              <a:t>WMConnectionForm</a:t>
+            </a:r>
+            <a:r>
+              <a:rPr lang="en-US" sz="600" dirty="0"/>
+              <a:t>: &lt;&lt;use&gt;&gt;</a:t>
+            </a:r>
+          </a:p>
+          <a:p>
+            <a:endParaRPr lang="en-US" sz="600" dirty="0"/>
+          </a:p>
+          <a:p>
+            <a:r>
+              <a:rPr lang="en-US" sz="600" dirty="0" err="1"/>
+              <a:t>ATFormFactory</a:t>
+            </a:r>
+            <a:r>
+              <a:rPr lang="en-US" sz="600" dirty="0"/>
+              <a:t> .down.&gt; </a:t>
+            </a:r>
+            <a:r>
+              <a:rPr lang="en-US" sz="600" dirty="0" err="1"/>
+              <a:t>ATIntegrationForm</a:t>
+            </a:r>
+            <a:r>
+              <a:rPr lang="en-US" sz="600" dirty="0"/>
+              <a:t>: &lt;&lt;use&gt;&gt;</a:t>
+            </a:r>
+          </a:p>
+          <a:p>
+            <a:r>
+              <a:rPr lang="en-US" sz="600" dirty="0" err="1"/>
+              <a:t>ATFormFactory</a:t>
+            </a:r>
+            <a:r>
+              <a:rPr lang="en-US" sz="600" dirty="0"/>
+              <a:t> .down.&gt; </a:t>
+            </a:r>
+            <a:r>
+              <a:rPr lang="en-US" sz="600" dirty="0" err="1"/>
+              <a:t>ATInterfaceForm</a:t>
+            </a:r>
+            <a:r>
+              <a:rPr lang="en-US" sz="600" dirty="0"/>
+              <a:t>: &lt;&lt;use&gt;&gt;</a:t>
+            </a:r>
+          </a:p>
+          <a:p>
+            <a:r>
+              <a:rPr lang="en-US" sz="600" dirty="0" err="1"/>
+              <a:t>ATFormFactory</a:t>
+            </a:r>
+            <a:r>
+              <a:rPr lang="en-US" sz="600" dirty="0"/>
+              <a:t> .down.&gt; </a:t>
+            </a:r>
+            <a:r>
+              <a:rPr lang="en-US" sz="600" dirty="0" err="1"/>
+              <a:t>ATConnectionForm</a:t>
+            </a:r>
+            <a:r>
+              <a:rPr lang="en-US" sz="600" dirty="0"/>
+              <a:t>: &lt;&lt;use&gt;&gt;</a:t>
+            </a:r>
+          </a:p>
+          <a:p>
+            <a:endParaRPr lang="en-US" sz="600" dirty="0"/>
+          </a:p>
+          <a:p>
+            <a:r>
+              <a:rPr lang="en-US" sz="600" dirty="0" err="1"/>
+              <a:t>SAPFormFactory</a:t>
+            </a:r>
+            <a:r>
+              <a:rPr lang="en-US" sz="600" dirty="0"/>
+              <a:t> .down.&gt; </a:t>
+            </a:r>
+            <a:r>
+              <a:rPr lang="en-US" sz="600" dirty="0" err="1"/>
+              <a:t>SAPIntegrationForm</a:t>
+            </a:r>
+            <a:r>
+              <a:rPr lang="en-US" sz="600" dirty="0"/>
+              <a:t>: &lt;&lt;use&gt;&gt;</a:t>
+            </a:r>
+          </a:p>
+          <a:p>
+            <a:r>
+              <a:rPr lang="en-US" sz="600" dirty="0" err="1"/>
+              <a:t>SAPFormFactory</a:t>
+            </a:r>
+            <a:r>
+              <a:rPr lang="en-US" sz="600" dirty="0"/>
+              <a:t> .down.&gt; </a:t>
+            </a:r>
+            <a:r>
+              <a:rPr lang="en-US" sz="600" dirty="0" err="1"/>
+              <a:t>SAPInterfaceForm</a:t>
+            </a:r>
+            <a:r>
+              <a:rPr lang="en-US" sz="600" dirty="0"/>
+              <a:t>: &lt;&lt;use&gt;&gt;</a:t>
+            </a:r>
+          </a:p>
+          <a:p>
+            <a:r>
+              <a:rPr lang="en-US" sz="600" dirty="0" err="1"/>
+              <a:t>SAPFormFactory</a:t>
+            </a:r>
+            <a:r>
+              <a:rPr lang="en-US" sz="600" dirty="0"/>
+              <a:t> .down.&gt; </a:t>
+            </a:r>
+            <a:r>
+              <a:rPr lang="en-US" sz="600" dirty="0" err="1"/>
+              <a:t>SAPConnectionForm</a:t>
+            </a:r>
+            <a:r>
+              <a:rPr lang="en-US" sz="600" dirty="0"/>
+              <a:t>: &lt;&lt;use&gt;&gt;</a:t>
+            </a:r>
+          </a:p>
+          <a:p>
+            <a:r>
+              <a:rPr lang="en-US" sz="600" dirty="0"/>
+              <a:t>@enduml</a:t>
+            </a:r>
+          </a:p>
+        </p:txBody>
+      </p:sp>
+      <p:sp>
+        <p:nvSpPr>
+          <p:cNvPr id="2" name="TextBox 1">
+            <a:extLst>
+              <a:ext uri="{FF2B5EF4-FFF2-40B4-BE49-F238E27FC236}">
+                <a16:creationId xmlns:a16="http://schemas.microsoft.com/office/drawing/2014/main" id="{36F3AF32-2A8C-4D6E-B45A-ED13EAF6630C}"/>
+              </a:ext>
+            </a:extLst>
+          </p:cNvPr>
+          <p:cNvSpPr txBox="1"/>
+          <p:nvPr/>
+        </p:nvSpPr>
+        <p:spPr>
+          <a:xfrm>
+            <a:off x="7139078" y="630315"/>
+            <a:ext cx="4873385" cy="646331"/>
+          </a:xfrm>
+          <a:prstGeom prst="rect">
+            <a:avLst/>
+          </a:prstGeom>
+          <a:noFill/>
+        </p:spPr>
+        <p:txBody>
+          <a:bodyPr wrap="none" rtlCol="0">
+            <a:spAutoFit/>
+          </a:bodyPr>
+          <a:lstStyle/>
+          <a:p>
+            <a:r>
+              <a:rPr lang="en-US" dirty="0"/>
+              <a:t>Final Diagram</a:t>
+            </a:r>
+          </a:p>
+          <a:p>
+            <a:r>
+              <a:rPr lang="en-US" dirty="0"/>
+              <a:t>- </a:t>
+            </a:r>
+            <a:r>
+              <a:rPr lang="en-US" dirty="0" err="1"/>
+              <a:t>ConnectionForm</a:t>
+            </a:r>
+            <a:r>
+              <a:rPr lang="en-US" dirty="0"/>
+              <a:t> will be implemented differently</a:t>
+            </a:r>
+          </a:p>
+        </p:txBody>
+      </p:sp>
+      <p:pic>
+        <p:nvPicPr>
+          <p:cNvPr id="6" name="Graphic 5">
+            <a:extLst>
+              <a:ext uri="{FF2B5EF4-FFF2-40B4-BE49-F238E27FC236}">
+                <a16:creationId xmlns:a16="http://schemas.microsoft.com/office/drawing/2014/main" id="{4E7B758D-1DBE-4B3A-BACD-A6C5440F6CFE}"/>
+              </a:ext>
+            </a:extLst>
+          </p:cNvPr>
+          <p:cNvPicPr>
+            <a:picLocks noChangeAspect="1"/>
+          </p:cNvPicPr>
+          <p:nvPr/>
+        </p:nvPicPr>
+        <p:blipFill>
+          <a:blip r:embed="rId2">
+            <a:extLst>
+              <a:ext uri="{28A0092B-C50C-407E-A947-70E740481C1C}">
+                <a14:useLocalDpi xmlns:a14="http://schemas.microsoft.com/office/drawing/2010/main" val="0"/>
+              </a:ext>
+              <a:ext uri="{96DAC541-7B7A-43D3-8B79-37D633B846F1}">
+                <asvg:svgBlip xmlns:asvg="http://schemas.microsoft.com/office/drawing/2016/SVG/main" r:embed="rId3"/>
+              </a:ext>
+            </a:extLst>
+          </a:blip>
+          <a:stretch>
+            <a:fillRect/>
+          </a:stretch>
+        </p:blipFill>
+        <p:spPr>
+          <a:xfrm>
+            <a:off x="1797306" y="2057400"/>
+            <a:ext cx="10394693" cy="1615579"/>
+          </a:xfrm>
+          <a:prstGeom prst="rect">
+            <a:avLst/>
+          </a:prstGeom>
+        </p:spPr>
+      </p:pic>
+      <mc:AlternateContent xmlns:mc="http://schemas.openxmlformats.org/markup-compatibility/2006">
+        <mc:Choice xmlns:p14="http://schemas.microsoft.com/office/powerpoint/2010/main" Requires="p14">
+          <p:contentPart p14:bwMode="auto" r:id="rId4">
+            <p14:nvContentPartPr>
+              <p14:cNvPr id="5" name="Ink 4">
+                <a:extLst>
+                  <a:ext uri="{FF2B5EF4-FFF2-40B4-BE49-F238E27FC236}">
+                    <a16:creationId xmlns:a16="http://schemas.microsoft.com/office/drawing/2014/main" id="{71053FB9-6F89-4063-90C0-9B705099213B}"/>
+                  </a:ext>
+                </a:extLst>
+              </p14:cNvPr>
+              <p14:cNvContentPartPr/>
+              <p14:nvPr/>
+            </p14:nvContentPartPr>
+            <p14:xfrm>
+              <a:off x="3243353" y="2382341"/>
+              <a:ext cx="1140840" cy="403200"/>
+            </p14:xfrm>
+          </p:contentPart>
+        </mc:Choice>
+        <mc:Fallback>
+          <p:pic>
+            <p:nvPicPr>
+              <p:cNvPr id="5" name="Ink 4">
+                <a:extLst>
+                  <a:ext uri="{FF2B5EF4-FFF2-40B4-BE49-F238E27FC236}">
+                    <a16:creationId xmlns:a16="http://schemas.microsoft.com/office/drawing/2014/main" id="{71053FB9-6F89-4063-90C0-9B705099213B}"/>
+                  </a:ext>
+                </a:extLst>
+              </p:cNvPr>
+              <p:cNvPicPr/>
+              <p:nvPr/>
+            </p:nvPicPr>
+            <p:blipFill>
+              <a:blip r:embed="rId5"/>
+              <a:stretch>
+                <a:fillRect/>
+              </a:stretch>
+            </p:blipFill>
+            <p:spPr>
+              <a:xfrm>
+                <a:off x="3234353" y="2373701"/>
+                <a:ext cx="1158480" cy="420840"/>
+              </a:xfrm>
+              <a:prstGeom prst="rect">
+                <a:avLst/>
+              </a:prstGeom>
+            </p:spPr>
+          </p:pic>
+        </mc:Fallback>
+      </mc:AlternateContent>
+      <p:sp>
+        <p:nvSpPr>
+          <p:cNvPr id="8" name="TextBox 7">
+            <a:extLst>
+              <a:ext uri="{FF2B5EF4-FFF2-40B4-BE49-F238E27FC236}">
+                <a16:creationId xmlns:a16="http://schemas.microsoft.com/office/drawing/2014/main" id="{6253C3A2-8B60-4AFB-811D-BEDB65AEE8AA}"/>
+              </a:ext>
+            </a:extLst>
+          </p:cNvPr>
+          <p:cNvSpPr txBox="1"/>
+          <p:nvPr/>
+        </p:nvSpPr>
+        <p:spPr>
+          <a:xfrm>
+            <a:off x="2747963" y="1804372"/>
+            <a:ext cx="1636230" cy="584775"/>
+          </a:xfrm>
+          <a:prstGeom prst="rect">
+            <a:avLst/>
+          </a:prstGeom>
+          <a:noFill/>
+        </p:spPr>
+        <p:txBody>
+          <a:bodyPr wrap="square" rtlCol="0">
+            <a:spAutoFit/>
+          </a:bodyPr>
+          <a:lstStyle/>
+          <a:p>
+            <a:r>
+              <a:rPr lang="en-US" sz="1600" dirty="0"/>
+              <a:t>Renamed to </a:t>
+            </a:r>
+            <a:r>
+              <a:rPr lang="en-US" sz="1600" dirty="0" err="1"/>
+              <a:t>EditIntegration</a:t>
+            </a:r>
+            <a:endParaRPr lang="en-US" sz="1600" dirty="0"/>
+          </a:p>
+        </p:txBody>
+      </p:sp>
+      <p:sp>
+        <p:nvSpPr>
+          <p:cNvPr id="9" name="Footer Placeholder 8">
+            <a:extLst>
+              <a:ext uri="{FF2B5EF4-FFF2-40B4-BE49-F238E27FC236}">
+                <a16:creationId xmlns:a16="http://schemas.microsoft.com/office/drawing/2014/main" id="{0359EC04-5306-4E2C-A279-B09A7FAD4741}"/>
+              </a:ext>
+            </a:extLst>
+          </p:cNvPr>
+          <p:cNvSpPr>
+            <a:spLocks noGrp="1"/>
+          </p:cNvSpPr>
+          <p:nvPr>
+            <p:ph type="ftr" sz="quarter" idx="11"/>
+          </p:nvPr>
+        </p:nvSpPr>
+        <p:spPr/>
+        <p:txBody>
+          <a:bodyPr/>
+          <a:lstStyle/>
+          <a:p>
+            <a:r>
+              <a:rPr lang="en-US"/>
+              <a:t>Proposed by Tanapol Wong-asa (2022)</a:t>
+            </a:r>
+          </a:p>
+        </p:txBody>
+      </p:sp>
+      <p:sp>
+        <p:nvSpPr>
+          <p:cNvPr id="10" name="Slide Number Placeholder 9">
+            <a:extLst>
+              <a:ext uri="{FF2B5EF4-FFF2-40B4-BE49-F238E27FC236}">
+                <a16:creationId xmlns:a16="http://schemas.microsoft.com/office/drawing/2014/main" id="{032EAB03-2D97-4213-A171-B2DC805FEF09}"/>
+              </a:ext>
+            </a:extLst>
+          </p:cNvPr>
+          <p:cNvSpPr>
+            <a:spLocks noGrp="1"/>
+          </p:cNvSpPr>
+          <p:nvPr>
+            <p:ph type="sldNum" sz="quarter" idx="12"/>
+          </p:nvPr>
+        </p:nvSpPr>
+        <p:spPr/>
+        <p:txBody>
+          <a:bodyPr/>
+          <a:lstStyle/>
+          <a:p>
+            <a:fld id="{FFF3E01E-F0E0-46B5-B925-62E3304D3077}" type="slidenum">
+              <a:rPr lang="en-US" smtClean="0"/>
+              <a:t>10</a:t>
+            </a:fld>
+            <a:endParaRPr lang="en-US"/>
+          </a:p>
+        </p:txBody>
+      </p:sp>
+      <mc:AlternateContent xmlns:mc="http://schemas.openxmlformats.org/markup-compatibility/2006">
+        <mc:Choice xmlns:p14="http://schemas.microsoft.com/office/powerpoint/2010/main" Requires="p14">
+          <p:contentPart p14:bwMode="auto" r:id="rId6">
+            <p14:nvContentPartPr>
+              <p14:cNvPr id="11" name="Ink 10">
+                <a:extLst>
+                  <a:ext uri="{FF2B5EF4-FFF2-40B4-BE49-F238E27FC236}">
+                    <a16:creationId xmlns:a16="http://schemas.microsoft.com/office/drawing/2014/main" id="{3E4EA0A2-BA94-44C1-91A9-685712ACBD7C}"/>
+                  </a:ext>
+                </a:extLst>
+              </p14:cNvPr>
+              <p14:cNvContentPartPr/>
+              <p14:nvPr/>
+            </p14:nvContentPartPr>
+            <p14:xfrm>
+              <a:off x="9969263" y="4422030"/>
+              <a:ext cx="1887840" cy="1706040"/>
+            </p14:xfrm>
+          </p:contentPart>
+        </mc:Choice>
+        <mc:Fallback>
+          <p:pic>
+            <p:nvPicPr>
+              <p:cNvPr id="11" name="Ink 10">
+                <a:extLst>
+                  <a:ext uri="{FF2B5EF4-FFF2-40B4-BE49-F238E27FC236}">
+                    <a16:creationId xmlns:a16="http://schemas.microsoft.com/office/drawing/2014/main" id="{3E4EA0A2-BA94-44C1-91A9-685712ACBD7C}"/>
+                  </a:ext>
+                </a:extLst>
+              </p:cNvPr>
+              <p:cNvPicPr/>
+              <p:nvPr/>
+            </p:nvPicPr>
+            <p:blipFill>
+              <a:blip r:embed="rId7"/>
+              <a:stretch>
+                <a:fillRect/>
+              </a:stretch>
+            </p:blipFill>
+            <p:spPr>
+              <a:xfrm>
+                <a:off x="9960623" y="4413390"/>
+                <a:ext cx="1905480" cy="1723680"/>
+              </a:xfrm>
+              <a:prstGeom prst="rect">
+                <a:avLst/>
+              </a:prstGeom>
+            </p:spPr>
+          </p:pic>
+        </mc:Fallback>
+      </mc:AlternateContent>
+    </p:spTree>
+    <p:extLst>
+      <p:ext uri="{BB962C8B-B14F-4D97-AF65-F5344CB8AC3E}">
+        <p14:creationId xmlns:p14="http://schemas.microsoft.com/office/powerpoint/2010/main" val="3482739337"/>
+      </p:ext>
+    </p:extLst>
+  </p:cSld>
+  <p:clrMapOvr>
+    <a:masterClrMapping/>
+  </p:clrMapOvr>
+</p:sld>
+</file>
+
+<file path=ppt/slides/slide11.xml><?xml version="1.0" encoding="utf-8"?>
+<p:sld xmlns:a="http://schemas.openxmlformats.org/drawingml/2006/main" xmlns:r="http://schemas.openxmlformats.org/officeDocument/2006/relationships" xmlns:p="http://schemas.openxmlformats.org/presentationml/2006/main">
+  <p:cSld>
+    <p:spTree>
+      <p:nvGrpSpPr>
+        <p:cNvPr id="1" name=""/>
+        <p:cNvGrpSpPr/>
+        <p:nvPr/>
+      </p:nvGrpSpPr>
+      <p:grpSpPr>
+        <a:xfrm>
+          <a:off x="0" y="0"/>
+          <a:ext cx="0" cy="0"/>
+          <a:chOff x="0" y="0"/>
+          <a:chExt cx="0" cy="0"/>
+        </a:xfrm>
+      </p:grpSpPr>
+      <p:sp>
+        <p:nvSpPr>
+          <p:cNvPr id="4" name="Footer Placeholder 3">
+            <a:extLst>
+              <a:ext uri="{FF2B5EF4-FFF2-40B4-BE49-F238E27FC236}">
+                <a16:creationId xmlns:a16="http://schemas.microsoft.com/office/drawing/2014/main" id="{437C2E27-A9DE-4D12-B752-534CBEBCB6BB}"/>
+              </a:ext>
+            </a:extLst>
+          </p:cNvPr>
+          <p:cNvSpPr>
+            <a:spLocks noGrp="1"/>
+          </p:cNvSpPr>
+          <p:nvPr>
+            <p:ph type="ftr" sz="quarter" idx="11"/>
+          </p:nvPr>
+        </p:nvSpPr>
+        <p:spPr/>
+        <p:txBody>
+          <a:bodyPr/>
+          <a:lstStyle/>
+          <a:p>
+            <a:r>
+              <a:rPr lang="en-US"/>
+              <a:t>Proposed by Tanapol Wong-asa (2022)</a:t>
+            </a:r>
+          </a:p>
+        </p:txBody>
+      </p:sp>
+      <p:sp>
+        <p:nvSpPr>
+          <p:cNvPr id="5" name="Slide Number Placeholder 4">
+            <a:extLst>
+              <a:ext uri="{FF2B5EF4-FFF2-40B4-BE49-F238E27FC236}">
+                <a16:creationId xmlns:a16="http://schemas.microsoft.com/office/drawing/2014/main" id="{0906CA85-80E7-42B7-AA07-8DB3364EDE7C}"/>
+              </a:ext>
+            </a:extLst>
+          </p:cNvPr>
+          <p:cNvSpPr>
+            <a:spLocks noGrp="1"/>
+          </p:cNvSpPr>
+          <p:nvPr>
+            <p:ph type="sldNum" sz="quarter" idx="12"/>
+          </p:nvPr>
+        </p:nvSpPr>
+        <p:spPr/>
+        <p:txBody>
+          <a:bodyPr/>
+          <a:lstStyle/>
+          <a:p>
+            <a:fld id="{FFF3E01E-F0E0-46B5-B925-62E3304D3077}" type="slidenum">
+              <a:rPr lang="en-US" smtClean="0"/>
+              <a:t>11</a:t>
+            </a:fld>
+            <a:endParaRPr lang="en-US"/>
+          </a:p>
+        </p:txBody>
+      </p:sp>
+      <p:pic>
+        <p:nvPicPr>
+          <p:cNvPr id="6" name="Graphic 5">
+            <a:extLst>
+              <a:ext uri="{FF2B5EF4-FFF2-40B4-BE49-F238E27FC236}">
+                <a16:creationId xmlns:a16="http://schemas.microsoft.com/office/drawing/2014/main" id="{480A4115-1643-4CB1-AAF3-C22E15C0E872}"/>
+              </a:ext>
+            </a:extLst>
+          </p:cNvPr>
+          <p:cNvPicPr>
+            <a:picLocks noChangeAspect="1"/>
+          </p:cNvPicPr>
+          <p:nvPr/>
+        </p:nvPicPr>
+        <p:blipFill>
+          <a:blip r:embed="rId2">
+            <a:extLst>
+              <a:ext uri="{28A0092B-C50C-407E-A947-70E740481C1C}">
+                <a14:useLocalDpi xmlns:a14="http://schemas.microsoft.com/office/drawing/2010/main" val="0"/>
+              </a:ext>
+              <a:ext uri="{96DAC541-7B7A-43D3-8B79-37D633B846F1}">
+                <asvg:svgBlip xmlns:asvg="http://schemas.microsoft.com/office/drawing/2016/SVG/main" r:embed="rId3"/>
+              </a:ext>
+            </a:extLst>
+          </a:blip>
+          <a:stretch>
+            <a:fillRect/>
+          </a:stretch>
+        </p:blipFill>
+        <p:spPr>
+          <a:xfrm>
+            <a:off x="0" y="1951055"/>
+            <a:ext cx="12192000" cy="1894922"/>
+          </a:xfrm>
+          <a:prstGeom prst="rect">
+            <a:avLst/>
+          </a:prstGeom>
+        </p:spPr>
+      </p:pic>
+    </p:spTree>
+    <p:extLst>
+      <p:ext uri="{BB962C8B-B14F-4D97-AF65-F5344CB8AC3E}">
+        <p14:creationId xmlns:p14="http://schemas.microsoft.com/office/powerpoint/2010/main" val="1567430836"/>
+      </p:ext>
+    </p:extLst>
+  </p:cSld>
+  <p:clrMapOvr>
+    <a:masterClrMapping/>
+  </p:clrMapOvr>
+</p:sld>
+</file>
+
+<file path=ppt/slides/slide12.xml><?xml version="1.0" encoding="utf-8"?>
+<p:sld xmlns:a="http://schemas.openxmlformats.org/drawingml/2006/main" xmlns:r="http://schemas.openxmlformats.org/officeDocument/2006/relationships" xmlns:p="http://schemas.openxmlformats.org/presentationml/2006/main">
+  <p:cSld>
+    <p:spTree>
+      <p:nvGrpSpPr>
+        <p:cNvPr id="1" name=""/>
+        <p:cNvGrpSpPr/>
+        <p:nvPr/>
+      </p:nvGrpSpPr>
+      <p:grpSpPr>
+        <a:xfrm>
+          <a:off x="0" y="0"/>
+          <a:ext cx="0" cy="0"/>
+          <a:chOff x="0" y="0"/>
+          <a:chExt cx="0" cy="0"/>
+        </a:xfrm>
+      </p:grpSpPr>
+      <p:sp>
+        <p:nvSpPr>
+          <p:cNvPr id="2" name="Title 1">
+            <a:extLst>
+              <a:ext uri="{FF2B5EF4-FFF2-40B4-BE49-F238E27FC236}">
+                <a16:creationId xmlns:a16="http://schemas.microsoft.com/office/drawing/2014/main" id="{EAC21DF4-B5D8-42BF-B0B7-9D5EB98FC8C4}"/>
               </a:ext>
             </a:extLst>
           </p:cNvPr>
@@ -3408,8 +5966,10 @@
           <a:lstStyle/>
           <a:p>
             <a:r>
-              <a:rPr lang="en-US" dirty="0"/>
-              <a:t>Utilizing “Abstract Factory”</a:t>
+              <a:rPr lang="en-US" dirty="0">
+                <a:latin typeface="PT Sans" panose="020B0503020203020204" pitchFamily="34" charset="0"/>
+              </a:rPr>
+              <a:t>Summary</a:t>
             </a:r>
           </a:p>
         </p:txBody>
@@ -3419,7 +5979,7 @@
           <p:cNvPr id="3" name="Content Placeholder 2">
             <a:extLst>
               <a:ext uri="{FF2B5EF4-FFF2-40B4-BE49-F238E27FC236}">
-                <a16:creationId xmlns:a16="http://schemas.microsoft.com/office/drawing/2014/main" id="{7E39772B-9BFF-44E3-9546-345A4E03CC0A}"/>
+                <a16:creationId xmlns:a16="http://schemas.microsoft.com/office/drawing/2014/main" id="{D733F109-51BC-44E4-868F-D83E7E6D759F}"/>
               </a:ext>
             </a:extLst>
           </p:cNvPr>
@@ -3436,89 +5996,2476 @@
           <a:lstStyle/>
           <a:p>
             <a:r>
-              <a:rPr lang="en-US" dirty="0" err="1"/>
-              <a:t>EditPartner</a:t>
-            </a:r>
-            <a:r>
-              <a:rPr lang="en-US" dirty="0"/>
-              <a:t> form has multiple variants</a:t>
+              <a:rPr lang="en-US" dirty="0" err="1">
+                <a:latin typeface="PT Sans" panose="020B0503020203020204" pitchFamily="34" charset="0"/>
+              </a:rPr>
+              <a:t>XXFormFactory</a:t>
+            </a:r>
+            <a:r>
+              <a:rPr lang="en-US" dirty="0">
+                <a:latin typeface="PT Sans" panose="020B0503020203020204" pitchFamily="34" charset="0"/>
+              </a:rPr>
+              <a:t> abstract class implemented </a:t>
+            </a:r>
+            <a:r>
+              <a:rPr lang="en-US" dirty="0" err="1">
+                <a:latin typeface="PT Sans" panose="020B0503020203020204" pitchFamily="34" charset="0"/>
+              </a:rPr>
+              <a:t>FormFactory</a:t>
+            </a:r>
+            <a:r>
+              <a:rPr lang="en-US" dirty="0">
+                <a:latin typeface="PT Sans" panose="020B0503020203020204" pitchFamily="34" charset="0"/>
+              </a:rPr>
+              <a:t> interface</a:t>
+            </a:r>
+          </a:p>
+          <a:p>
+            <a:r>
+              <a:rPr lang="en-US" dirty="0" err="1">
+                <a:latin typeface="PT Sans" panose="020B0503020203020204" pitchFamily="34" charset="0"/>
+              </a:rPr>
+              <a:t>XXForm</a:t>
+            </a:r>
+            <a:r>
+              <a:rPr lang="en-US" dirty="0">
+                <a:latin typeface="PT Sans" panose="020B0503020203020204" pitchFamily="34" charset="0"/>
+              </a:rPr>
+              <a:t> class extends </a:t>
+            </a:r>
+            <a:r>
+              <a:rPr lang="en-US" dirty="0" err="1">
+                <a:latin typeface="PT Sans" panose="020B0503020203020204" pitchFamily="34" charset="0"/>
+              </a:rPr>
+              <a:t>DraftableForm</a:t>
+            </a:r>
+            <a:r>
+              <a:rPr lang="en-US" dirty="0">
+                <a:latin typeface="PT Sans" panose="020B0503020203020204" pitchFamily="34" charset="0"/>
+              </a:rPr>
+              <a:t> abstract class</a:t>
+            </a:r>
+          </a:p>
+          <a:p>
+            <a:r>
+              <a:rPr lang="en-US" dirty="0" err="1">
+                <a:latin typeface="PT Sans" panose="020B0503020203020204" pitchFamily="34" charset="0"/>
+              </a:rPr>
+              <a:t>DraftableForm</a:t>
+            </a:r>
+            <a:r>
+              <a:rPr lang="en-US" dirty="0">
+                <a:latin typeface="PT Sans" panose="020B0503020203020204" pitchFamily="34" charset="0"/>
+              </a:rPr>
+              <a:t> is generic class with 2 params &lt;P extends </a:t>
+            </a:r>
+            <a:r>
+              <a:rPr lang="en-US" dirty="0" err="1">
+                <a:latin typeface="PT Sans" panose="020B0503020203020204" pitchFamily="34" charset="0"/>
+              </a:rPr>
+              <a:t>DraftableFormProps</a:t>
+            </a:r>
+            <a:r>
+              <a:rPr lang="en-US" dirty="0">
+                <a:latin typeface="PT Sans" panose="020B0503020203020204" pitchFamily="34" charset="0"/>
+              </a:rPr>
+              <a:t>, S extends </a:t>
+            </a:r>
+            <a:r>
+              <a:rPr lang="en-US" dirty="0" err="1">
+                <a:latin typeface="PT Sans" panose="020B0503020203020204" pitchFamily="34" charset="0"/>
+              </a:rPr>
+              <a:t>DraftableFormState</a:t>
+            </a:r>
+            <a:r>
+              <a:rPr lang="en-US" dirty="0">
+                <a:latin typeface="PT Sans" panose="020B0503020203020204" pitchFamily="34" charset="0"/>
+              </a:rPr>
+              <a:t>&gt;</a:t>
             </a:r>
           </a:p>
           <a:p>
             <a:pPr lvl="1"/>
             <a:r>
-              <a:rPr lang="en-US" dirty="0"/>
-              <a:t>Integration</a:t>
-            </a:r>
-          </a:p>
-          <a:p>
-            <a:pPr lvl="1"/>
-            <a:r>
-              <a:rPr lang="en-US" dirty="0"/>
-              <a:t>Interface</a:t>
-            </a:r>
-          </a:p>
-          <a:p>
-            <a:pPr lvl="1"/>
-            <a:r>
-              <a:rPr lang="en-US" dirty="0"/>
-              <a:t>Connection</a:t>
-            </a:r>
-          </a:p>
-          <a:p>
-            <a:r>
-              <a:rPr lang="en-US" dirty="0"/>
-              <a:t>Each variant has multiple sub-variants for each service type</a:t>
-            </a:r>
-          </a:p>
-          <a:p>
-            <a:pPr lvl="1"/>
-            <a:r>
-              <a:rPr lang="en-US" dirty="0" err="1"/>
-              <a:t>webMethods</a:t>
-            </a:r>
-            <a:endParaRPr lang="en-US" dirty="0"/>
-          </a:p>
-          <a:p>
-            <a:pPr lvl="1"/>
-            <a:r>
-              <a:rPr lang="en-US" dirty="0" err="1"/>
-              <a:t>ActiveTransfer</a:t>
-            </a:r>
-            <a:endParaRPr lang="en-US" dirty="0"/>
-          </a:p>
-          <a:p>
-            <a:pPr lvl="1"/>
-            <a:r>
-              <a:rPr lang="en-US" dirty="0"/>
-              <a:t>SAP PO</a:t>
-            </a:r>
-          </a:p>
-          <a:p>
-            <a:pPr lvl="1"/>
-            <a:r>
-              <a:rPr lang="en-US" dirty="0" err="1"/>
-              <a:t>webMethods</a:t>
-            </a:r>
-            <a:r>
-              <a:rPr lang="en-US" dirty="0"/>
-              <a:t> IO</a:t>
-            </a:r>
-          </a:p>
-          <a:p>
-            <a:pPr lvl="1"/>
+              <a:rPr lang="en-US" dirty="0">
+                <a:latin typeface="PT Sans" panose="020B0503020203020204" pitchFamily="34" charset="0"/>
+              </a:rPr>
+              <a:t>Implemented this way to enable ability to add more prop/state to sub-class</a:t>
+            </a:r>
+          </a:p>
+          <a:p>
+            <a:r>
+              <a:rPr lang="en-US" dirty="0">
+                <a:latin typeface="PT Sans" panose="020B0503020203020204" pitchFamily="34" charset="0"/>
+              </a:rPr>
+              <a:t>Usually, </a:t>
+            </a:r>
+            <a:r>
+              <a:rPr lang="en-US" dirty="0" err="1">
+                <a:latin typeface="PT Sans" panose="020B0503020203020204" pitchFamily="34" charset="0"/>
+              </a:rPr>
+              <a:t>XXForm</a:t>
+            </a:r>
+            <a:r>
+              <a:rPr lang="en-US" dirty="0">
+                <a:latin typeface="PT Sans" panose="020B0503020203020204" pitchFamily="34" charset="0"/>
+              </a:rPr>
+              <a:t> will render </a:t>
+            </a:r>
+            <a:r>
+              <a:rPr lang="en-US" dirty="0" err="1">
+                <a:latin typeface="PT Sans" panose="020B0503020203020204" pitchFamily="34" charset="0"/>
+              </a:rPr>
+              <a:t>ReusableForm</a:t>
+            </a:r>
+            <a:r>
+              <a:rPr lang="en-US" dirty="0">
+                <a:latin typeface="PT Sans" panose="020B0503020203020204" pitchFamily="34" charset="0"/>
+              </a:rPr>
+              <a:t> (more about this in the next section)</a:t>
+            </a:r>
+          </a:p>
+          <a:p>
+            <a:r>
+              <a:rPr lang="en-US" dirty="0" err="1">
+                <a:latin typeface="PT Sans" panose="020B0503020203020204" pitchFamily="34" charset="0"/>
+              </a:rPr>
+              <a:t>XXForm</a:t>
+            </a:r>
+            <a:r>
+              <a:rPr lang="en-US" dirty="0">
+                <a:latin typeface="PT Sans" panose="020B0503020203020204" pitchFamily="34" charset="0"/>
+              </a:rPr>
+              <a:t> will </a:t>
+            </a:r>
+            <a:r>
+              <a:rPr lang="en-US" dirty="0">
+                <a:solidFill>
+                  <a:srgbClr val="FF0000"/>
+                </a:solidFill>
+                <a:latin typeface="PT Sans" panose="020B0503020203020204" pitchFamily="34" charset="0"/>
+              </a:rPr>
+              <a:t>implemented all abstract method</a:t>
+            </a:r>
+          </a:p>
+        </p:txBody>
+      </p:sp>
+      <p:sp>
+        <p:nvSpPr>
+          <p:cNvPr id="4" name="Footer Placeholder 3">
+            <a:extLst>
+              <a:ext uri="{FF2B5EF4-FFF2-40B4-BE49-F238E27FC236}">
+                <a16:creationId xmlns:a16="http://schemas.microsoft.com/office/drawing/2014/main" id="{45719C4E-EF50-4DC1-A4D3-467AAE697EE6}"/>
+              </a:ext>
+            </a:extLst>
+          </p:cNvPr>
+          <p:cNvSpPr>
+            <a:spLocks noGrp="1"/>
+          </p:cNvSpPr>
+          <p:nvPr>
+            <p:ph type="ftr" sz="quarter" idx="11"/>
+          </p:nvPr>
+        </p:nvSpPr>
+        <p:spPr/>
+        <p:txBody>
+          <a:bodyPr/>
+          <a:lstStyle/>
+          <a:p>
             <a:r>
               <a:rPr lang="en-US"/>
-              <a:t>Etc.</a:t>
-            </a:r>
-            <a:endParaRPr lang="en-US" dirty="0"/>
+              <a:t>Proposed by Tanapol Wong-asa (2022)</a:t>
+            </a:r>
+          </a:p>
+        </p:txBody>
+      </p:sp>
+      <p:sp>
+        <p:nvSpPr>
+          <p:cNvPr id="5" name="Slide Number Placeholder 4">
+            <a:extLst>
+              <a:ext uri="{FF2B5EF4-FFF2-40B4-BE49-F238E27FC236}">
+                <a16:creationId xmlns:a16="http://schemas.microsoft.com/office/drawing/2014/main" id="{FA3A26A8-ADEA-4143-AA80-F4FDA60FEFC6}"/>
+              </a:ext>
+            </a:extLst>
+          </p:cNvPr>
+          <p:cNvSpPr>
+            <a:spLocks noGrp="1"/>
+          </p:cNvSpPr>
+          <p:nvPr>
+            <p:ph type="sldNum" sz="quarter" idx="12"/>
+          </p:nvPr>
+        </p:nvSpPr>
+        <p:spPr/>
+        <p:txBody>
+          <a:bodyPr/>
+          <a:lstStyle/>
+          <a:p>
+            <a:fld id="{FFF3E01E-F0E0-46B5-B925-62E3304D3077}" type="slidenum">
+              <a:rPr lang="en-US" smtClean="0"/>
+              <a:t>12</a:t>
+            </a:fld>
+            <a:endParaRPr lang="en-US"/>
+          </a:p>
+        </p:txBody>
+      </p:sp>
+      <mc:AlternateContent xmlns:mc="http://schemas.openxmlformats.org/markup-compatibility/2006">
+        <mc:Choice xmlns:p14="http://schemas.microsoft.com/office/powerpoint/2010/main" Requires="p14">
+          <p:contentPart p14:bwMode="auto" r:id="rId2">
+            <p14:nvContentPartPr>
+              <p14:cNvPr id="6" name="Ink 5">
+                <a:extLst>
+                  <a:ext uri="{FF2B5EF4-FFF2-40B4-BE49-F238E27FC236}">
+                    <a16:creationId xmlns:a16="http://schemas.microsoft.com/office/drawing/2014/main" id="{7E7DF0CD-4CB4-4352-B891-2F2359A70F49}"/>
+                  </a:ext>
+                </a:extLst>
+              </p14:cNvPr>
+              <p14:cNvContentPartPr/>
+              <p14:nvPr/>
+            </p14:nvContentPartPr>
+            <p14:xfrm>
+              <a:off x="967463" y="958600"/>
+              <a:ext cx="360" cy="360"/>
+            </p14:xfrm>
+          </p:contentPart>
+        </mc:Choice>
+        <mc:Fallback>
+          <p:pic>
+            <p:nvPicPr>
+              <p:cNvPr id="6" name="Ink 5">
+                <a:extLst>
+                  <a:ext uri="{FF2B5EF4-FFF2-40B4-BE49-F238E27FC236}">
+                    <a16:creationId xmlns:a16="http://schemas.microsoft.com/office/drawing/2014/main" id="{7E7DF0CD-4CB4-4352-B891-2F2359A70F49}"/>
+                  </a:ext>
+                </a:extLst>
+              </p:cNvPr>
+              <p:cNvPicPr/>
+              <p:nvPr/>
+            </p:nvPicPr>
+            <p:blipFill>
+              <a:blip r:embed="rId3"/>
+              <a:stretch>
+                <a:fillRect/>
+              </a:stretch>
+            </p:blipFill>
+            <p:spPr>
+              <a:xfrm>
+                <a:off x="958463" y="949600"/>
+                <a:ext cx="18000" cy="18000"/>
+              </a:xfrm>
+              <a:prstGeom prst="rect">
+                <a:avLst/>
+              </a:prstGeom>
+            </p:spPr>
+          </p:pic>
+        </mc:Fallback>
+      </mc:AlternateContent>
+    </p:spTree>
+    <p:extLst>
+      <p:ext uri="{BB962C8B-B14F-4D97-AF65-F5344CB8AC3E}">
+        <p14:creationId xmlns:p14="http://schemas.microsoft.com/office/powerpoint/2010/main" val="2579305764"/>
+      </p:ext>
+    </p:extLst>
+  </p:cSld>
+  <p:clrMapOvr>
+    <a:masterClrMapping/>
+  </p:clrMapOvr>
+</p:sld>
+</file>
+
+<file path=ppt/slides/slide13.xml><?xml version="1.0" encoding="utf-8"?>
+<p:sld xmlns:a="http://schemas.openxmlformats.org/drawingml/2006/main" xmlns:r="http://schemas.openxmlformats.org/officeDocument/2006/relationships" xmlns:p="http://schemas.openxmlformats.org/presentationml/2006/main">
+  <p:cSld>
+    <p:spTree>
+      <p:nvGrpSpPr>
+        <p:cNvPr id="1" name=""/>
+        <p:cNvGrpSpPr/>
+        <p:nvPr/>
+      </p:nvGrpSpPr>
+      <p:grpSpPr>
+        <a:xfrm>
+          <a:off x="0" y="0"/>
+          <a:ext cx="0" cy="0"/>
+          <a:chOff x="0" y="0"/>
+          <a:chExt cx="0" cy="0"/>
+        </a:xfrm>
+      </p:grpSpPr>
+      <p:sp>
+        <p:nvSpPr>
+          <p:cNvPr id="6" name="Title 5">
+            <a:extLst>
+              <a:ext uri="{FF2B5EF4-FFF2-40B4-BE49-F238E27FC236}">
+                <a16:creationId xmlns:a16="http://schemas.microsoft.com/office/drawing/2014/main" id="{89B387E3-56FD-4887-8080-77D5644ADEAE}"/>
+              </a:ext>
+            </a:extLst>
+          </p:cNvPr>
+          <p:cNvSpPr>
+            <a:spLocks noGrp="1"/>
+          </p:cNvSpPr>
+          <p:nvPr>
+            <p:ph type="title"/>
+          </p:nvPr>
+        </p:nvSpPr>
+        <p:spPr/>
+        <p:txBody>
+          <a:bodyPr/>
+          <a:lstStyle/>
+          <a:p>
+            <a:r>
+              <a:rPr lang="en-US" dirty="0">
+                <a:latin typeface="PT Sans" panose="020B0503020203020204" pitchFamily="34" charset="0"/>
+              </a:rPr>
+              <a:t>Notes</a:t>
+            </a:r>
+          </a:p>
+        </p:txBody>
+      </p:sp>
+      <p:sp>
+        <p:nvSpPr>
+          <p:cNvPr id="4" name="Footer Placeholder 3">
+            <a:extLst>
+              <a:ext uri="{FF2B5EF4-FFF2-40B4-BE49-F238E27FC236}">
+                <a16:creationId xmlns:a16="http://schemas.microsoft.com/office/drawing/2014/main" id="{3489F382-35B5-43DC-A5D6-F68435202812}"/>
+              </a:ext>
+            </a:extLst>
+          </p:cNvPr>
+          <p:cNvSpPr>
+            <a:spLocks noGrp="1"/>
+          </p:cNvSpPr>
+          <p:nvPr>
+            <p:ph type="ftr" sz="quarter" idx="11"/>
+          </p:nvPr>
+        </p:nvSpPr>
+        <p:spPr/>
+        <p:txBody>
+          <a:bodyPr/>
+          <a:lstStyle/>
+          <a:p>
+            <a:r>
+              <a:rPr lang="en-US"/>
+              <a:t>Proposed by Tanapol Wong-asa (2022)</a:t>
+            </a:r>
+          </a:p>
+        </p:txBody>
+      </p:sp>
+      <p:sp>
+        <p:nvSpPr>
+          <p:cNvPr id="5" name="Slide Number Placeholder 4">
+            <a:extLst>
+              <a:ext uri="{FF2B5EF4-FFF2-40B4-BE49-F238E27FC236}">
+                <a16:creationId xmlns:a16="http://schemas.microsoft.com/office/drawing/2014/main" id="{03DFAF59-8F96-4C7B-8B33-D0195A3F80CF}"/>
+              </a:ext>
+            </a:extLst>
+          </p:cNvPr>
+          <p:cNvSpPr>
+            <a:spLocks noGrp="1"/>
+          </p:cNvSpPr>
+          <p:nvPr>
+            <p:ph type="sldNum" sz="quarter" idx="12"/>
+          </p:nvPr>
+        </p:nvSpPr>
+        <p:spPr/>
+        <p:txBody>
+          <a:bodyPr/>
+          <a:lstStyle/>
+          <a:p>
+            <a:fld id="{FFF3E01E-F0E0-46B5-B925-62E3304D3077}" type="slidenum">
+              <a:rPr lang="en-US" smtClean="0"/>
+              <a:t>13</a:t>
+            </a:fld>
+            <a:endParaRPr lang="en-US"/>
           </a:p>
         </p:txBody>
       </p:sp>
     </p:spTree>
     <p:extLst>
       <p:ext uri="{BB962C8B-B14F-4D97-AF65-F5344CB8AC3E}">
-        <p14:creationId xmlns:p14="http://schemas.microsoft.com/office/powerpoint/2010/main" val="486784147"/>
+        <p14:creationId xmlns:p14="http://schemas.microsoft.com/office/powerpoint/2010/main" val="687257581"/>
+      </p:ext>
+    </p:extLst>
+  </p:cSld>
+  <p:clrMapOvr>
+    <a:masterClrMapping/>
+  </p:clrMapOvr>
+</p:sld>
+</file>
+
+<file path=ppt/slides/slide14.xml><?xml version="1.0" encoding="utf-8"?>
+<p:sld xmlns:a="http://schemas.openxmlformats.org/drawingml/2006/main" xmlns:r="http://schemas.openxmlformats.org/officeDocument/2006/relationships" xmlns:p="http://schemas.openxmlformats.org/presentationml/2006/main">
+  <p:cSld>
+    <p:spTree>
+      <p:nvGrpSpPr>
+        <p:cNvPr id="1" name=""/>
+        <p:cNvGrpSpPr/>
+        <p:nvPr/>
+      </p:nvGrpSpPr>
+      <p:grpSpPr>
+        <a:xfrm>
+          <a:off x="0" y="0"/>
+          <a:ext cx="0" cy="0"/>
+          <a:chOff x="0" y="0"/>
+          <a:chExt cx="0" cy="0"/>
+        </a:xfrm>
+      </p:grpSpPr>
+      <p:sp>
+        <p:nvSpPr>
+          <p:cNvPr id="2" name="Title 1">
+            <a:extLst>
+              <a:ext uri="{FF2B5EF4-FFF2-40B4-BE49-F238E27FC236}">
+                <a16:creationId xmlns:a16="http://schemas.microsoft.com/office/drawing/2014/main" id="{EAC21DF4-B5D8-42BF-B0B7-9D5EB98FC8C4}"/>
+              </a:ext>
+            </a:extLst>
+          </p:cNvPr>
+          <p:cNvSpPr>
+            <a:spLocks noGrp="1"/>
+          </p:cNvSpPr>
+          <p:nvPr>
+            <p:ph type="title"/>
+          </p:nvPr>
+        </p:nvSpPr>
+        <p:spPr/>
+        <p:txBody>
+          <a:bodyPr/>
+          <a:lstStyle/>
+          <a:p>
+            <a:r>
+              <a:rPr lang="en-US" dirty="0">
+                <a:latin typeface="PT Sans" panose="020B0503020203020204" pitchFamily="34" charset="0"/>
+              </a:rPr>
+              <a:t>Regarding </a:t>
+            </a:r>
+            <a:r>
+              <a:rPr lang="en-US" dirty="0" err="1">
+                <a:latin typeface="PT Sans" panose="020B0503020203020204" pitchFamily="34" charset="0"/>
+              </a:rPr>
+              <a:t>useEffect</a:t>
+            </a:r>
+            <a:r>
+              <a:rPr lang="en-US" dirty="0">
+                <a:latin typeface="PT Sans" panose="020B0503020203020204" pitchFamily="34" charset="0"/>
+              </a:rPr>
+              <a:t>, </a:t>
+            </a:r>
+            <a:r>
+              <a:rPr lang="en-US" dirty="0" err="1">
+                <a:latin typeface="PT Sans" panose="020B0503020203020204" pitchFamily="34" charset="0"/>
+              </a:rPr>
+              <a:t>useState</a:t>
+            </a:r>
+            <a:r>
+              <a:rPr lang="en-US" dirty="0">
+                <a:latin typeface="PT Sans" panose="020B0503020203020204" pitchFamily="34" charset="0"/>
+              </a:rPr>
+              <a:t>, </a:t>
+            </a:r>
+            <a:r>
+              <a:rPr lang="en-US" dirty="0" err="1">
+                <a:latin typeface="PT Sans" panose="020B0503020203020204" pitchFamily="34" charset="0"/>
+              </a:rPr>
+              <a:t>useContext</a:t>
+            </a:r>
+            <a:endParaRPr lang="en-US" dirty="0">
+              <a:latin typeface="PT Sans" panose="020B0503020203020204" pitchFamily="34" charset="0"/>
+            </a:endParaRPr>
+          </a:p>
+        </p:txBody>
+      </p:sp>
+      <p:sp>
+        <p:nvSpPr>
+          <p:cNvPr id="3" name="Content Placeholder 2">
+            <a:extLst>
+              <a:ext uri="{FF2B5EF4-FFF2-40B4-BE49-F238E27FC236}">
+                <a16:creationId xmlns:a16="http://schemas.microsoft.com/office/drawing/2014/main" id="{D733F109-51BC-44E4-868F-D83E7E6D759F}"/>
+              </a:ext>
+            </a:extLst>
+          </p:cNvPr>
+          <p:cNvSpPr>
+            <a:spLocks noGrp="1"/>
+          </p:cNvSpPr>
+          <p:nvPr>
+            <p:ph idx="1"/>
+          </p:nvPr>
+        </p:nvSpPr>
+        <p:spPr/>
+        <p:txBody>
+          <a:bodyPr/>
+          <a:lstStyle/>
+          <a:p>
+            <a:r>
+              <a:rPr lang="en-US" dirty="0">
+                <a:latin typeface="PT Sans" panose="020B0503020203020204" pitchFamily="34" charset="0"/>
+              </a:rPr>
+              <a:t>Class component can’t use React Hook</a:t>
+            </a:r>
+          </a:p>
+          <a:p>
+            <a:r>
+              <a:rPr lang="en-US" dirty="0">
+                <a:latin typeface="PT Sans" panose="020B0503020203020204" pitchFamily="34" charset="0"/>
+              </a:rPr>
+              <a:t>For </a:t>
+            </a:r>
+            <a:r>
+              <a:rPr lang="en-US" dirty="0" err="1">
+                <a:solidFill>
+                  <a:srgbClr val="FF0000"/>
+                </a:solidFill>
+                <a:latin typeface="PT Sans" panose="020B0503020203020204" pitchFamily="34" charset="0"/>
+              </a:rPr>
+              <a:t>useEffect</a:t>
+            </a:r>
+            <a:r>
+              <a:rPr lang="en-US" dirty="0">
+                <a:latin typeface="PT Sans" panose="020B0503020203020204" pitchFamily="34" charset="0"/>
+              </a:rPr>
+              <a:t> hook, use </a:t>
+            </a:r>
+            <a:r>
+              <a:rPr lang="en-US" dirty="0">
+                <a:solidFill>
+                  <a:srgbClr val="FF0000"/>
+                </a:solidFill>
+                <a:latin typeface="PT Sans" panose="020B0503020203020204" pitchFamily="34" charset="0"/>
+              </a:rPr>
+              <a:t>component lifecycle method</a:t>
+            </a:r>
+            <a:r>
+              <a:rPr lang="en-US" dirty="0">
+                <a:latin typeface="PT Sans" panose="020B0503020203020204" pitchFamily="34" charset="0"/>
+              </a:rPr>
+              <a:t> to update the data</a:t>
+            </a:r>
+          </a:p>
+          <a:p>
+            <a:r>
+              <a:rPr lang="en-US" dirty="0">
+                <a:latin typeface="PT Sans" panose="020B0503020203020204" pitchFamily="34" charset="0"/>
+              </a:rPr>
+              <a:t>For </a:t>
+            </a:r>
+            <a:r>
+              <a:rPr lang="en-US" dirty="0" err="1">
+                <a:solidFill>
+                  <a:srgbClr val="FF0000"/>
+                </a:solidFill>
+                <a:latin typeface="PT Sans" panose="020B0503020203020204" pitchFamily="34" charset="0"/>
+              </a:rPr>
+              <a:t>useState</a:t>
+            </a:r>
+            <a:r>
+              <a:rPr lang="en-US" dirty="0">
+                <a:latin typeface="PT Sans" panose="020B0503020203020204" pitchFamily="34" charset="0"/>
+              </a:rPr>
+              <a:t> hook, use </a:t>
+            </a:r>
+            <a:r>
+              <a:rPr lang="en-US" dirty="0" err="1">
+                <a:solidFill>
+                  <a:srgbClr val="FF0000"/>
+                </a:solidFill>
+                <a:latin typeface="PT Sans" panose="020B0503020203020204" pitchFamily="34" charset="0"/>
+              </a:rPr>
+              <a:t>this.state</a:t>
+            </a:r>
+            <a:r>
+              <a:rPr lang="en-US" dirty="0">
+                <a:latin typeface="PT Sans" panose="020B0503020203020204" pitchFamily="34" charset="0"/>
+              </a:rPr>
+              <a:t> and </a:t>
+            </a:r>
+            <a:r>
+              <a:rPr lang="en-US" dirty="0" err="1">
+                <a:solidFill>
+                  <a:srgbClr val="FF0000"/>
+                </a:solidFill>
+                <a:latin typeface="PT Sans" panose="020B0503020203020204" pitchFamily="34" charset="0"/>
+              </a:rPr>
+              <a:t>setState</a:t>
+            </a:r>
+            <a:r>
+              <a:rPr lang="en-US" dirty="0">
+                <a:solidFill>
+                  <a:srgbClr val="FF0000"/>
+                </a:solidFill>
+                <a:latin typeface="PT Sans" panose="020B0503020203020204" pitchFamily="34" charset="0"/>
+              </a:rPr>
+              <a:t>()</a:t>
+            </a:r>
+            <a:r>
+              <a:rPr lang="en-US" dirty="0">
+                <a:latin typeface="PT Sans" panose="020B0503020203020204" pitchFamily="34" charset="0"/>
+              </a:rPr>
+              <a:t> to update state value</a:t>
+            </a:r>
+          </a:p>
+          <a:p>
+            <a:r>
+              <a:rPr lang="en-US" dirty="0">
+                <a:latin typeface="PT Sans" panose="020B0503020203020204" pitchFamily="34" charset="0"/>
+              </a:rPr>
+              <a:t>For </a:t>
+            </a:r>
+            <a:r>
+              <a:rPr lang="en-US" dirty="0" err="1">
+                <a:solidFill>
+                  <a:srgbClr val="FF0000"/>
+                </a:solidFill>
+                <a:latin typeface="PT Sans" panose="020B0503020203020204" pitchFamily="34" charset="0"/>
+              </a:rPr>
+              <a:t>useContext</a:t>
+            </a:r>
+            <a:r>
+              <a:rPr lang="en-US" dirty="0">
+                <a:latin typeface="PT Sans" panose="020B0503020203020204" pitchFamily="34" charset="0"/>
+              </a:rPr>
+              <a:t> hook, </a:t>
+            </a:r>
+            <a:r>
+              <a:rPr lang="en-US" dirty="0">
+                <a:solidFill>
+                  <a:srgbClr val="FF0000"/>
+                </a:solidFill>
+                <a:latin typeface="PT Sans" panose="020B0503020203020204" pitchFamily="34" charset="0"/>
+              </a:rPr>
+              <a:t>specified </a:t>
+            </a:r>
+            <a:r>
+              <a:rPr lang="en-US" dirty="0" err="1">
+                <a:solidFill>
+                  <a:srgbClr val="FF0000"/>
+                </a:solidFill>
+                <a:latin typeface="PT Sans" panose="020B0503020203020204" pitchFamily="34" charset="0"/>
+              </a:rPr>
+              <a:t>contextType</a:t>
+            </a:r>
+            <a:r>
+              <a:rPr lang="en-US" dirty="0">
+                <a:solidFill>
+                  <a:srgbClr val="FF0000"/>
+                </a:solidFill>
+                <a:latin typeface="PT Sans" panose="020B0503020203020204" pitchFamily="34" charset="0"/>
+              </a:rPr>
+              <a:t> </a:t>
+            </a:r>
+            <a:r>
+              <a:rPr lang="en-US" dirty="0">
+                <a:latin typeface="PT Sans" panose="020B0503020203020204" pitchFamily="34" charset="0"/>
+              </a:rPr>
+              <a:t>and use with </a:t>
+            </a:r>
+            <a:r>
+              <a:rPr lang="en-US" dirty="0" err="1">
+                <a:solidFill>
+                  <a:srgbClr val="FF0000"/>
+                </a:solidFill>
+                <a:latin typeface="PT Sans" panose="020B0503020203020204" pitchFamily="34" charset="0"/>
+              </a:rPr>
+              <a:t>this.context</a:t>
+            </a:r>
+            <a:endParaRPr lang="en-US" dirty="0">
+              <a:solidFill>
+                <a:srgbClr val="FF0000"/>
+              </a:solidFill>
+              <a:latin typeface="PT Sans" panose="020B0503020203020204" pitchFamily="34" charset="0"/>
+            </a:endParaRPr>
+          </a:p>
+        </p:txBody>
+      </p:sp>
+      <p:sp>
+        <p:nvSpPr>
+          <p:cNvPr id="4" name="Footer Placeholder 3">
+            <a:extLst>
+              <a:ext uri="{FF2B5EF4-FFF2-40B4-BE49-F238E27FC236}">
+                <a16:creationId xmlns:a16="http://schemas.microsoft.com/office/drawing/2014/main" id="{45719C4E-EF50-4DC1-A4D3-467AAE697EE6}"/>
+              </a:ext>
+            </a:extLst>
+          </p:cNvPr>
+          <p:cNvSpPr>
+            <a:spLocks noGrp="1"/>
+          </p:cNvSpPr>
+          <p:nvPr>
+            <p:ph type="ftr" sz="quarter" idx="11"/>
+          </p:nvPr>
+        </p:nvSpPr>
+        <p:spPr/>
+        <p:txBody>
+          <a:bodyPr/>
+          <a:lstStyle/>
+          <a:p>
+            <a:r>
+              <a:rPr lang="en-US"/>
+              <a:t>Proposed by Tanapol Wong-asa (2022)</a:t>
+            </a:r>
+          </a:p>
+        </p:txBody>
+      </p:sp>
+      <p:sp>
+        <p:nvSpPr>
+          <p:cNvPr id="5" name="Slide Number Placeholder 4">
+            <a:extLst>
+              <a:ext uri="{FF2B5EF4-FFF2-40B4-BE49-F238E27FC236}">
+                <a16:creationId xmlns:a16="http://schemas.microsoft.com/office/drawing/2014/main" id="{FA3A26A8-ADEA-4143-AA80-F4FDA60FEFC6}"/>
+              </a:ext>
+            </a:extLst>
+          </p:cNvPr>
+          <p:cNvSpPr>
+            <a:spLocks noGrp="1"/>
+          </p:cNvSpPr>
+          <p:nvPr>
+            <p:ph type="sldNum" sz="quarter" idx="12"/>
+          </p:nvPr>
+        </p:nvSpPr>
+        <p:spPr/>
+        <p:txBody>
+          <a:bodyPr/>
+          <a:lstStyle/>
+          <a:p>
+            <a:fld id="{FFF3E01E-F0E0-46B5-B925-62E3304D3077}" type="slidenum">
+              <a:rPr lang="en-US" smtClean="0"/>
+              <a:t>14</a:t>
+            </a:fld>
+            <a:endParaRPr lang="en-US"/>
+          </a:p>
+        </p:txBody>
+      </p:sp>
+      <mc:AlternateContent xmlns:mc="http://schemas.openxmlformats.org/markup-compatibility/2006">
+        <mc:Choice xmlns:p14="http://schemas.microsoft.com/office/powerpoint/2010/main" Requires="p14">
+          <p:contentPart p14:bwMode="auto" r:id="rId2">
+            <p14:nvContentPartPr>
+              <p14:cNvPr id="6" name="Ink 5">
+                <a:extLst>
+                  <a:ext uri="{FF2B5EF4-FFF2-40B4-BE49-F238E27FC236}">
+                    <a16:creationId xmlns:a16="http://schemas.microsoft.com/office/drawing/2014/main" id="{7E7DF0CD-4CB4-4352-B891-2F2359A70F49}"/>
+                  </a:ext>
+                </a:extLst>
+              </p14:cNvPr>
+              <p14:cNvContentPartPr/>
+              <p14:nvPr/>
+            </p14:nvContentPartPr>
+            <p14:xfrm>
+              <a:off x="967463" y="958600"/>
+              <a:ext cx="360" cy="360"/>
+            </p14:xfrm>
+          </p:contentPart>
+        </mc:Choice>
+        <mc:Fallback>
+          <p:pic>
+            <p:nvPicPr>
+              <p:cNvPr id="6" name="Ink 5">
+                <a:extLst>
+                  <a:ext uri="{FF2B5EF4-FFF2-40B4-BE49-F238E27FC236}">
+                    <a16:creationId xmlns:a16="http://schemas.microsoft.com/office/drawing/2014/main" id="{7E7DF0CD-4CB4-4352-B891-2F2359A70F49}"/>
+                  </a:ext>
+                </a:extLst>
+              </p:cNvPr>
+              <p:cNvPicPr/>
+              <p:nvPr/>
+            </p:nvPicPr>
+            <p:blipFill>
+              <a:blip r:embed="rId3"/>
+              <a:stretch>
+                <a:fillRect/>
+              </a:stretch>
+            </p:blipFill>
+            <p:spPr>
+              <a:xfrm>
+                <a:off x="958463" y="949600"/>
+                <a:ext cx="18000" cy="18000"/>
+              </a:xfrm>
+              <a:prstGeom prst="rect">
+                <a:avLst/>
+              </a:prstGeom>
+            </p:spPr>
+          </p:pic>
+        </mc:Fallback>
+      </mc:AlternateContent>
+    </p:spTree>
+    <p:extLst>
+      <p:ext uri="{BB962C8B-B14F-4D97-AF65-F5344CB8AC3E}">
+        <p14:creationId xmlns:p14="http://schemas.microsoft.com/office/powerpoint/2010/main" val="4222177427"/>
+      </p:ext>
+    </p:extLst>
+  </p:cSld>
+  <p:clrMapOvr>
+    <a:masterClrMapping/>
+  </p:clrMapOvr>
+</p:sld>
+</file>
+
+<file path=ppt/slides/slide15.xml><?xml version="1.0" encoding="utf-8"?>
+<p:sld xmlns:a="http://schemas.openxmlformats.org/drawingml/2006/main" xmlns:r="http://schemas.openxmlformats.org/officeDocument/2006/relationships" xmlns:p="http://schemas.openxmlformats.org/presentationml/2006/main">
+  <p:cSld>
+    <p:spTree>
+      <p:nvGrpSpPr>
+        <p:cNvPr id="1" name=""/>
+        <p:cNvGrpSpPr/>
+        <p:nvPr/>
+      </p:nvGrpSpPr>
+      <p:grpSpPr>
+        <a:xfrm>
+          <a:off x="0" y="0"/>
+          <a:ext cx="0" cy="0"/>
+          <a:chOff x="0" y="0"/>
+          <a:chExt cx="0" cy="0"/>
+        </a:xfrm>
+      </p:grpSpPr>
+      <p:sp>
+        <p:nvSpPr>
+          <p:cNvPr id="2" name="Title 1">
+            <a:extLst>
+              <a:ext uri="{FF2B5EF4-FFF2-40B4-BE49-F238E27FC236}">
+                <a16:creationId xmlns:a16="http://schemas.microsoft.com/office/drawing/2014/main" id="{EAC21DF4-B5D8-42BF-B0B7-9D5EB98FC8C4}"/>
+              </a:ext>
+            </a:extLst>
+          </p:cNvPr>
+          <p:cNvSpPr>
+            <a:spLocks noGrp="1"/>
+          </p:cNvSpPr>
+          <p:nvPr>
+            <p:ph type="title"/>
+          </p:nvPr>
+        </p:nvSpPr>
+        <p:spPr/>
+        <p:txBody>
+          <a:bodyPr/>
+          <a:lstStyle/>
+          <a:p>
+            <a:r>
+              <a:rPr lang="en-US" dirty="0">
+                <a:latin typeface="PT Sans" panose="020B0503020203020204" pitchFamily="34" charset="0"/>
+              </a:rPr>
+              <a:t>Regarding context</a:t>
+            </a:r>
+          </a:p>
+        </p:txBody>
+      </p:sp>
+      <p:sp>
+        <p:nvSpPr>
+          <p:cNvPr id="3" name="Content Placeholder 2">
+            <a:extLst>
+              <a:ext uri="{FF2B5EF4-FFF2-40B4-BE49-F238E27FC236}">
+                <a16:creationId xmlns:a16="http://schemas.microsoft.com/office/drawing/2014/main" id="{D733F109-51BC-44E4-868F-D83E7E6D759F}"/>
+              </a:ext>
+            </a:extLst>
+          </p:cNvPr>
+          <p:cNvSpPr>
+            <a:spLocks noGrp="1"/>
+          </p:cNvSpPr>
+          <p:nvPr>
+            <p:ph idx="1"/>
+          </p:nvPr>
+        </p:nvSpPr>
+        <p:spPr/>
+        <p:txBody>
+          <a:bodyPr/>
+          <a:lstStyle/>
+          <a:p>
+            <a:r>
+              <a:rPr lang="en-US" dirty="0">
+                <a:latin typeface="PT Sans" panose="020B0503020203020204" pitchFamily="34" charset="0"/>
+              </a:rPr>
+              <a:t>Class component can only use </a:t>
+            </a:r>
+            <a:r>
+              <a:rPr lang="en-US" dirty="0">
+                <a:solidFill>
+                  <a:srgbClr val="FF0000"/>
+                </a:solidFill>
+                <a:latin typeface="PT Sans" panose="020B0503020203020204" pitchFamily="34" charset="0"/>
+              </a:rPr>
+              <a:t>one context</a:t>
+            </a:r>
+          </a:p>
+          <a:p>
+            <a:r>
+              <a:rPr lang="en-US" dirty="0">
+                <a:latin typeface="PT Sans" panose="020B0503020203020204" pitchFamily="34" charset="0"/>
+              </a:rPr>
+              <a:t>To use multiple context in class component, </a:t>
+            </a:r>
+          </a:p>
+          <a:p>
+            <a:pPr lvl="1"/>
+            <a:r>
+              <a:rPr lang="en-US" dirty="0">
+                <a:latin typeface="PT Sans" panose="020B0503020203020204" pitchFamily="34" charset="0"/>
+              </a:rPr>
+              <a:t>create a provider that combined multiple contexts together.</a:t>
+            </a:r>
+          </a:p>
+          <a:p>
+            <a:pPr lvl="1"/>
+            <a:r>
+              <a:rPr lang="en-US" dirty="0">
+                <a:latin typeface="PT Sans" panose="020B0503020203020204" pitchFamily="34" charset="0"/>
+              </a:rPr>
+              <a:t>Wrapped the component that will make use of combined context with the provider</a:t>
+            </a:r>
+          </a:p>
+          <a:p>
+            <a:pPr lvl="1"/>
+            <a:r>
+              <a:rPr lang="en-US" dirty="0">
+                <a:latin typeface="PT Sans" panose="020B0503020203020204" pitchFamily="34" charset="0"/>
+              </a:rPr>
+              <a:t>Set </a:t>
+            </a:r>
+            <a:r>
+              <a:rPr lang="en-US" dirty="0" err="1">
+                <a:latin typeface="PT Sans" panose="020B0503020203020204" pitchFamily="34" charset="0"/>
+              </a:rPr>
+              <a:t>contextType</a:t>
+            </a:r>
+            <a:r>
+              <a:rPr lang="en-US" dirty="0">
+                <a:latin typeface="PT Sans" panose="020B0503020203020204" pitchFamily="34" charset="0"/>
+              </a:rPr>
+              <a:t> to be the created provider</a:t>
+            </a:r>
+          </a:p>
+          <a:p>
+            <a:pPr lvl="1"/>
+            <a:endParaRPr lang="en-US" dirty="0">
+              <a:latin typeface="PT Sans" panose="020B0503020203020204" pitchFamily="34" charset="0"/>
+            </a:endParaRPr>
+          </a:p>
+        </p:txBody>
+      </p:sp>
+      <p:sp>
+        <p:nvSpPr>
+          <p:cNvPr id="4" name="Footer Placeholder 3">
+            <a:extLst>
+              <a:ext uri="{FF2B5EF4-FFF2-40B4-BE49-F238E27FC236}">
+                <a16:creationId xmlns:a16="http://schemas.microsoft.com/office/drawing/2014/main" id="{45719C4E-EF50-4DC1-A4D3-467AAE697EE6}"/>
+              </a:ext>
+            </a:extLst>
+          </p:cNvPr>
+          <p:cNvSpPr>
+            <a:spLocks noGrp="1"/>
+          </p:cNvSpPr>
+          <p:nvPr>
+            <p:ph type="ftr" sz="quarter" idx="11"/>
+          </p:nvPr>
+        </p:nvSpPr>
+        <p:spPr/>
+        <p:txBody>
+          <a:bodyPr/>
+          <a:lstStyle/>
+          <a:p>
+            <a:r>
+              <a:rPr lang="en-US"/>
+              <a:t>Proposed by Tanapol Wong-asa (2022)</a:t>
+            </a:r>
+          </a:p>
+        </p:txBody>
+      </p:sp>
+      <p:sp>
+        <p:nvSpPr>
+          <p:cNvPr id="5" name="Slide Number Placeholder 4">
+            <a:extLst>
+              <a:ext uri="{FF2B5EF4-FFF2-40B4-BE49-F238E27FC236}">
+                <a16:creationId xmlns:a16="http://schemas.microsoft.com/office/drawing/2014/main" id="{FA3A26A8-ADEA-4143-AA80-F4FDA60FEFC6}"/>
+              </a:ext>
+            </a:extLst>
+          </p:cNvPr>
+          <p:cNvSpPr>
+            <a:spLocks noGrp="1"/>
+          </p:cNvSpPr>
+          <p:nvPr>
+            <p:ph type="sldNum" sz="quarter" idx="12"/>
+          </p:nvPr>
+        </p:nvSpPr>
+        <p:spPr/>
+        <p:txBody>
+          <a:bodyPr/>
+          <a:lstStyle/>
+          <a:p>
+            <a:fld id="{FFF3E01E-F0E0-46B5-B925-62E3304D3077}" type="slidenum">
+              <a:rPr lang="en-US" smtClean="0"/>
+              <a:t>15</a:t>
+            </a:fld>
+            <a:endParaRPr lang="en-US"/>
+          </a:p>
+        </p:txBody>
+      </p:sp>
+      <mc:AlternateContent xmlns:mc="http://schemas.openxmlformats.org/markup-compatibility/2006">
+        <mc:Choice xmlns:p14="http://schemas.microsoft.com/office/powerpoint/2010/main" Requires="p14">
+          <p:contentPart p14:bwMode="auto" r:id="rId2">
+            <p14:nvContentPartPr>
+              <p14:cNvPr id="6" name="Ink 5">
+                <a:extLst>
+                  <a:ext uri="{FF2B5EF4-FFF2-40B4-BE49-F238E27FC236}">
+                    <a16:creationId xmlns:a16="http://schemas.microsoft.com/office/drawing/2014/main" id="{7E7DF0CD-4CB4-4352-B891-2F2359A70F49}"/>
+                  </a:ext>
+                </a:extLst>
+              </p14:cNvPr>
+              <p14:cNvContentPartPr/>
+              <p14:nvPr/>
+            </p14:nvContentPartPr>
+            <p14:xfrm>
+              <a:off x="967463" y="958600"/>
+              <a:ext cx="360" cy="360"/>
+            </p14:xfrm>
+          </p:contentPart>
+        </mc:Choice>
+        <mc:Fallback>
+          <p:pic>
+            <p:nvPicPr>
+              <p:cNvPr id="6" name="Ink 5">
+                <a:extLst>
+                  <a:ext uri="{FF2B5EF4-FFF2-40B4-BE49-F238E27FC236}">
+                    <a16:creationId xmlns:a16="http://schemas.microsoft.com/office/drawing/2014/main" id="{7E7DF0CD-4CB4-4352-B891-2F2359A70F49}"/>
+                  </a:ext>
+                </a:extLst>
+              </p:cNvPr>
+              <p:cNvPicPr/>
+              <p:nvPr/>
+            </p:nvPicPr>
+            <p:blipFill>
+              <a:blip r:embed="rId3"/>
+              <a:stretch>
+                <a:fillRect/>
+              </a:stretch>
+            </p:blipFill>
+            <p:spPr>
+              <a:xfrm>
+                <a:off x="958463" y="949600"/>
+                <a:ext cx="18000" cy="18000"/>
+              </a:xfrm>
+              <a:prstGeom prst="rect">
+                <a:avLst/>
+              </a:prstGeom>
+            </p:spPr>
+          </p:pic>
+        </mc:Fallback>
+      </mc:AlternateContent>
+      <p:pic>
+        <p:nvPicPr>
+          <p:cNvPr id="8" name="Picture 7">
+            <a:extLst>
+              <a:ext uri="{FF2B5EF4-FFF2-40B4-BE49-F238E27FC236}">
+                <a16:creationId xmlns:a16="http://schemas.microsoft.com/office/drawing/2014/main" id="{AB3851CA-3F81-46F5-B9D5-F2FB74C67786}"/>
+              </a:ext>
+            </a:extLst>
+          </p:cNvPr>
+          <p:cNvPicPr>
+            <a:picLocks noChangeAspect="1"/>
+          </p:cNvPicPr>
+          <p:nvPr/>
+        </p:nvPicPr>
+        <p:blipFill>
+          <a:blip r:embed="rId4"/>
+          <a:stretch>
+            <a:fillRect/>
+          </a:stretch>
+        </p:blipFill>
+        <p:spPr>
+          <a:xfrm>
+            <a:off x="2326149" y="4406634"/>
+            <a:ext cx="7078063" cy="1905266"/>
+          </a:xfrm>
+          <a:prstGeom prst="rect">
+            <a:avLst/>
+          </a:prstGeom>
+        </p:spPr>
+      </p:pic>
+    </p:spTree>
+    <p:extLst>
+      <p:ext uri="{BB962C8B-B14F-4D97-AF65-F5344CB8AC3E}">
+        <p14:creationId xmlns:p14="http://schemas.microsoft.com/office/powerpoint/2010/main" val="1349794755"/>
+      </p:ext>
+    </p:extLst>
+  </p:cSld>
+  <p:clrMapOvr>
+    <a:masterClrMapping/>
+  </p:clrMapOvr>
+</p:sld>
+</file>
+
+<file path=ppt/slides/slide16.xml><?xml version="1.0" encoding="utf-8"?>
+<p:sld xmlns:a="http://schemas.openxmlformats.org/drawingml/2006/main" xmlns:r="http://schemas.openxmlformats.org/officeDocument/2006/relationships" xmlns:p="http://schemas.openxmlformats.org/presentationml/2006/main">
+  <p:cSld>
+    <p:spTree>
+      <p:nvGrpSpPr>
+        <p:cNvPr id="1" name=""/>
+        <p:cNvGrpSpPr/>
+        <p:nvPr/>
+      </p:nvGrpSpPr>
+      <p:grpSpPr>
+        <a:xfrm>
+          <a:off x="0" y="0"/>
+          <a:ext cx="0" cy="0"/>
+          <a:chOff x="0" y="0"/>
+          <a:chExt cx="0" cy="0"/>
+        </a:xfrm>
+      </p:grpSpPr>
+      <p:sp>
+        <p:nvSpPr>
+          <p:cNvPr id="2" name="Title 1">
+            <a:extLst>
+              <a:ext uri="{FF2B5EF4-FFF2-40B4-BE49-F238E27FC236}">
+                <a16:creationId xmlns:a16="http://schemas.microsoft.com/office/drawing/2014/main" id="{EAC21DF4-B5D8-42BF-B0B7-9D5EB98FC8C4}"/>
+              </a:ext>
+            </a:extLst>
+          </p:cNvPr>
+          <p:cNvSpPr>
+            <a:spLocks noGrp="1"/>
+          </p:cNvSpPr>
+          <p:nvPr>
+            <p:ph type="title"/>
+          </p:nvPr>
+        </p:nvSpPr>
+        <p:spPr/>
+        <p:txBody>
+          <a:bodyPr/>
+          <a:lstStyle/>
+          <a:p>
+            <a:r>
+              <a:rPr lang="en-US" dirty="0">
+                <a:latin typeface="PT Sans" panose="020B0503020203020204" pitchFamily="34" charset="0"/>
+              </a:rPr>
+              <a:t>Other hooks in class component</a:t>
+            </a:r>
+          </a:p>
+        </p:txBody>
+      </p:sp>
+      <p:sp>
+        <p:nvSpPr>
+          <p:cNvPr id="3" name="Content Placeholder 2">
+            <a:extLst>
+              <a:ext uri="{FF2B5EF4-FFF2-40B4-BE49-F238E27FC236}">
+                <a16:creationId xmlns:a16="http://schemas.microsoft.com/office/drawing/2014/main" id="{D733F109-51BC-44E4-868F-D83E7E6D759F}"/>
+              </a:ext>
+            </a:extLst>
+          </p:cNvPr>
+          <p:cNvSpPr>
+            <a:spLocks noGrp="1"/>
+          </p:cNvSpPr>
+          <p:nvPr>
+            <p:ph idx="1"/>
+          </p:nvPr>
+        </p:nvSpPr>
+        <p:spPr/>
+        <p:txBody>
+          <a:bodyPr>
+            <a:normAutofit/>
+          </a:bodyPr>
+          <a:lstStyle/>
+          <a:p>
+            <a:pPr marL="0" marR="0" rtl="0">
+              <a:spcBef>
+                <a:spcPts val="0"/>
+              </a:spcBef>
+              <a:spcAft>
+                <a:spcPts val="0"/>
+              </a:spcAft>
+            </a:pPr>
+            <a:r>
+              <a:rPr lang="en-US" dirty="0">
+                <a:effectLst/>
+                <a:latin typeface="PT Sans" panose="020B0503020203020204" pitchFamily="34" charset="0"/>
+              </a:rPr>
+              <a:t>Design pattern is based on Object-Oriented concept</a:t>
+            </a:r>
+          </a:p>
+          <a:p>
+            <a:pPr marL="457200" lvl="1">
+              <a:spcBef>
+                <a:spcPts val="0"/>
+              </a:spcBef>
+            </a:pPr>
+            <a:r>
+              <a:rPr lang="en-US" dirty="0">
+                <a:latin typeface="PT Sans" panose="020B0503020203020204" pitchFamily="34" charset="0"/>
+              </a:rPr>
+              <a:t>Must use class component to achieved</a:t>
+            </a:r>
+            <a:endParaRPr lang="en-US" dirty="0">
+              <a:effectLst/>
+              <a:latin typeface="PT Sans" panose="020B0503020203020204" pitchFamily="34" charset="0"/>
+            </a:endParaRPr>
+          </a:p>
+          <a:p>
+            <a:pPr marL="0" marR="0" rtl="0">
+              <a:spcBef>
+                <a:spcPts val="0"/>
+              </a:spcBef>
+              <a:spcAft>
+                <a:spcPts val="0"/>
+              </a:spcAft>
+            </a:pPr>
+            <a:r>
+              <a:rPr lang="en-US" dirty="0">
+                <a:effectLst/>
+                <a:latin typeface="PT Sans" panose="020B0503020203020204" pitchFamily="34" charset="0"/>
+              </a:rPr>
+              <a:t>Old components are functional component which utilized heavy usage of React Hook</a:t>
+            </a:r>
+          </a:p>
+          <a:p>
+            <a:pPr marL="457200" lvl="1">
+              <a:spcBef>
+                <a:spcPts val="0"/>
+              </a:spcBef>
+            </a:pPr>
+            <a:r>
+              <a:rPr lang="en-US" dirty="0">
+                <a:latin typeface="PT Sans" panose="020B0503020203020204" pitchFamily="34" charset="0"/>
+              </a:rPr>
+              <a:t>Class component can’t use hook</a:t>
+            </a:r>
+            <a:endParaRPr lang="en-US" dirty="0">
+              <a:effectLst/>
+              <a:latin typeface="PT Sans" panose="020B0503020203020204" pitchFamily="34" charset="0"/>
+            </a:endParaRPr>
+          </a:p>
+          <a:p>
+            <a:pPr marL="0" marR="0" rtl="0">
+              <a:spcBef>
+                <a:spcPts val="0"/>
+              </a:spcBef>
+              <a:spcAft>
+                <a:spcPts val="0"/>
+              </a:spcAft>
+            </a:pPr>
+            <a:r>
+              <a:rPr lang="en-US" dirty="0">
+                <a:effectLst/>
+                <a:latin typeface="PT Sans" panose="020B0503020203020204" pitchFamily="34" charset="0"/>
+              </a:rPr>
+              <a:t>This link could be useful to make use of the hook in class component.</a:t>
+            </a:r>
+          </a:p>
+          <a:p>
+            <a:pPr marL="0" marR="0" rtl="0">
+              <a:spcBef>
+                <a:spcPts val="0"/>
+              </a:spcBef>
+              <a:spcAft>
+                <a:spcPts val="0"/>
+              </a:spcAft>
+            </a:pPr>
+            <a:r>
+              <a:rPr lang="en-US" dirty="0">
+                <a:effectLst/>
+                <a:latin typeface="PT Sans" panose="020B0503020203020204" pitchFamily="34" charset="0"/>
+                <a:hlinkClick r:id="rId2"/>
+              </a:rPr>
+              <a:t>https://www.glennstovall.com/how-to-use-useeffect-and-other-hooks-in-class-components/</a:t>
+            </a:r>
+            <a:endParaRPr lang="en-US" dirty="0">
+              <a:effectLst/>
+              <a:latin typeface="PT Sans" panose="020B0503020203020204" pitchFamily="34" charset="0"/>
+            </a:endParaRPr>
+          </a:p>
+          <a:p>
+            <a:endParaRPr lang="en-US" dirty="0">
+              <a:latin typeface="PT Sans" panose="020B0503020203020204" pitchFamily="34" charset="0"/>
+            </a:endParaRPr>
+          </a:p>
+        </p:txBody>
+      </p:sp>
+      <p:sp>
+        <p:nvSpPr>
+          <p:cNvPr id="4" name="Footer Placeholder 3">
+            <a:extLst>
+              <a:ext uri="{FF2B5EF4-FFF2-40B4-BE49-F238E27FC236}">
+                <a16:creationId xmlns:a16="http://schemas.microsoft.com/office/drawing/2014/main" id="{45719C4E-EF50-4DC1-A4D3-467AAE697EE6}"/>
+              </a:ext>
+            </a:extLst>
+          </p:cNvPr>
+          <p:cNvSpPr>
+            <a:spLocks noGrp="1"/>
+          </p:cNvSpPr>
+          <p:nvPr>
+            <p:ph type="ftr" sz="quarter" idx="11"/>
+          </p:nvPr>
+        </p:nvSpPr>
+        <p:spPr/>
+        <p:txBody>
+          <a:bodyPr/>
+          <a:lstStyle/>
+          <a:p>
+            <a:r>
+              <a:rPr lang="en-US"/>
+              <a:t>Proposed by Tanapol Wong-asa (2022)</a:t>
+            </a:r>
+          </a:p>
+        </p:txBody>
+      </p:sp>
+      <p:sp>
+        <p:nvSpPr>
+          <p:cNvPr id="5" name="Slide Number Placeholder 4">
+            <a:extLst>
+              <a:ext uri="{FF2B5EF4-FFF2-40B4-BE49-F238E27FC236}">
+                <a16:creationId xmlns:a16="http://schemas.microsoft.com/office/drawing/2014/main" id="{FA3A26A8-ADEA-4143-AA80-F4FDA60FEFC6}"/>
+              </a:ext>
+            </a:extLst>
+          </p:cNvPr>
+          <p:cNvSpPr>
+            <a:spLocks noGrp="1"/>
+          </p:cNvSpPr>
+          <p:nvPr>
+            <p:ph type="sldNum" sz="quarter" idx="12"/>
+          </p:nvPr>
+        </p:nvSpPr>
+        <p:spPr/>
+        <p:txBody>
+          <a:bodyPr/>
+          <a:lstStyle/>
+          <a:p>
+            <a:fld id="{FFF3E01E-F0E0-46B5-B925-62E3304D3077}" type="slidenum">
+              <a:rPr lang="en-US" smtClean="0"/>
+              <a:t>16</a:t>
+            </a:fld>
+            <a:endParaRPr lang="en-US"/>
+          </a:p>
+        </p:txBody>
+      </p:sp>
+      <mc:AlternateContent xmlns:mc="http://schemas.openxmlformats.org/markup-compatibility/2006">
+        <mc:Choice xmlns:p14="http://schemas.microsoft.com/office/powerpoint/2010/main" Requires="p14">
+          <p:contentPart p14:bwMode="auto" r:id="rId3">
+            <p14:nvContentPartPr>
+              <p14:cNvPr id="6" name="Ink 5">
+                <a:extLst>
+                  <a:ext uri="{FF2B5EF4-FFF2-40B4-BE49-F238E27FC236}">
+                    <a16:creationId xmlns:a16="http://schemas.microsoft.com/office/drawing/2014/main" id="{7E7DF0CD-4CB4-4352-B891-2F2359A70F49}"/>
+                  </a:ext>
+                </a:extLst>
+              </p14:cNvPr>
+              <p14:cNvContentPartPr/>
+              <p14:nvPr/>
+            </p14:nvContentPartPr>
+            <p14:xfrm>
+              <a:off x="967463" y="958600"/>
+              <a:ext cx="360" cy="360"/>
+            </p14:xfrm>
+          </p:contentPart>
+        </mc:Choice>
+        <mc:Fallback>
+          <p:pic>
+            <p:nvPicPr>
+              <p:cNvPr id="6" name="Ink 5">
+                <a:extLst>
+                  <a:ext uri="{FF2B5EF4-FFF2-40B4-BE49-F238E27FC236}">
+                    <a16:creationId xmlns:a16="http://schemas.microsoft.com/office/drawing/2014/main" id="{7E7DF0CD-4CB4-4352-B891-2F2359A70F49}"/>
+                  </a:ext>
+                </a:extLst>
+              </p:cNvPr>
+              <p:cNvPicPr/>
+              <p:nvPr/>
+            </p:nvPicPr>
+            <p:blipFill>
+              <a:blip r:embed="rId4"/>
+              <a:stretch>
+                <a:fillRect/>
+              </a:stretch>
+            </p:blipFill>
+            <p:spPr>
+              <a:xfrm>
+                <a:off x="958463" y="949600"/>
+                <a:ext cx="18000" cy="18000"/>
+              </a:xfrm>
+              <a:prstGeom prst="rect">
+                <a:avLst/>
+              </a:prstGeom>
+            </p:spPr>
+          </p:pic>
+        </mc:Fallback>
+      </mc:AlternateContent>
+    </p:spTree>
+    <p:extLst>
+      <p:ext uri="{BB962C8B-B14F-4D97-AF65-F5344CB8AC3E}">
+        <p14:creationId xmlns:p14="http://schemas.microsoft.com/office/powerpoint/2010/main" val="4092803387"/>
+      </p:ext>
+    </p:extLst>
+  </p:cSld>
+  <p:clrMapOvr>
+    <a:masterClrMapping/>
+  </p:clrMapOvr>
+</p:sld>
+</file>
+
+<file path=ppt/slides/slide17.xml><?xml version="1.0" encoding="utf-8"?>
+<p:sld xmlns:a="http://schemas.openxmlformats.org/drawingml/2006/main" xmlns:r="http://schemas.openxmlformats.org/officeDocument/2006/relationships" xmlns:p="http://schemas.openxmlformats.org/presentationml/2006/main">
+  <p:cSld>
+    <p:spTree>
+      <p:nvGrpSpPr>
+        <p:cNvPr id="1" name=""/>
+        <p:cNvGrpSpPr/>
+        <p:nvPr/>
+      </p:nvGrpSpPr>
+      <p:grpSpPr>
+        <a:xfrm>
+          <a:off x="0" y="0"/>
+          <a:ext cx="0" cy="0"/>
+          <a:chOff x="0" y="0"/>
+          <a:chExt cx="0" cy="0"/>
+        </a:xfrm>
+      </p:grpSpPr>
+      <p:sp>
+        <p:nvSpPr>
+          <p:cNvPr id="2" name="Title 1">
+            <a:extLst>
+              <a:ext uri="{FF2B5EF4-FFF2-40B4-BE49-F238E27FC236}">
+                <a16:creationId xmlns:a16="http://schemas.microsoft.com/office/drawing/2014/main" id="{EAC21DF4-B5D8-42BF-B0B7-9D5EB98FC8C4}"/>
+              </a:ext>
+            </a:extLst>
+          </p:cNvPr>
+          <p:cNvSpPr>
+            <a:spLocks noGrp="1"/>
+          </p:cNvSpPr>
+          <p:nvPr>
+            <p:ph type="title"/>
+          </p:nvPr>
+        </p:nvSpPr>
+        <p:spPr/>
+        <p:txBody>
+          <a:bodyPr/>
+          <a:lstStyle/>
+          <a:p>
+            <a:r>
+              <a:rPr lang="en-US" dirty="0">
+                <a:latin typeface="PT Sans" panose="020B0503020203020204" pitchFamily="34" charset="0"/>
+              </a:rPr>
+              <a:t>Draft key generation</a:t>
+            </a:r>
+          </a:p>
+        </p:txBody>
+      </p:sp>
+      <p:sp>
+        <p:nvSpPr>
+          <p:cNvPr id="7" name="Content Placeholder 6">
+            <a:extLst>
+              <a:ext uri="{FF2B5EF4-FFF2-40B4-BE49-F238E27FC236}">
+                <a16:creationId xmlns:a16="http://schemas.microsoft.com/office/drawing/2014/main" id="{ABC25039-0050-474A-A394-210315A21680}"/>
+              </a:ext>
+            </a:extLst>
+          </p:cNvPr>
+          <p:cNvSpPr>
+            <a:spLocks noGrp="1"/>
+          </p:cNvSpPr>
+          <p:nvPr>
+            <p:ph idx="1"/>
+          </p:nvPr>
+        </p:nvSpPr>
+        <p:spPr/>
+        <p:txBody>
+          <a:bodyPr>
+            <a:normAutofit fontScale="70000" lnSpcReduction="20000"/>
+          </a:bodyPr>
+          <a:lstStyle/>
+          <a:p>
+            <a:r>
+              <a:rPr lang="en-US" dirty="0"/>
+              <a:t>Draft key generated from </a:t>
+            </a:r>
+            <a:r>
+              <a:rPr lang="en-US" dirty="0" err="1"/>
+              <a:t>generateDraftKey</a:t>
+            </a:r>
+            <a:r>
+              <a:rPr lang="en-US" dirty="0"/>
+              <a:t>() will be consumed by </a:t>
+            </a:r>
+            <a:r>
+              <a:rPr lang="en-US" dirty="0" err="1"/>
+              <a:t>saveDraft</a:t>
+            </a:r>
+            <a:r>
+              <a:rPr lang="en-US" dirty="0"/>
+              <a:t>() and </a:t>
+            </a:r>
+            <a:r>
+              <a:rPr lang="en-US" dirty="0" err="1"/>
+              <a:t>readDraft</a:t>
+            </a:r>
+            <a:r>
+              <a:rPr lang="en-US" dirty="0"/>
+              <a:t>()</a:t>
+            </a:r>
+          </a:p>
+          <a:p>
+            <a:r>
+              <a:rPr lang="en-US" dirty="0"/>
+              <a:t>Suggested key pattern is the following</a:t>
+            </a:r>
+          </a:p>
+          <a:p>
+            <a:pPr lvl="1"/>
+            <a:r>
+              <a:rPr lang="en-US" dirty="0"/>
+              <a:t>Prefix with </a:t>
+            </a:r>
+            <a:r>
+              <a:rPr lang="en-US" dirty="0" err="1"/>
+              <a:t>partnerId</a:t>
+            </a:r>
+            <a:endParaRPr lang="en-US" dirty="0"/>
+          </a:p>
+          <a:p>
+            <a:pPr lvl="1"/>
+            <a:r>
+              <a:rPr lang="en-US" dirty="0"/>
+              <a:t>Each stage have more ID according to how it’s nested</a:t>
+            </a:r>
+          </a:p>
+          <a:p>
+            <a:pPr lvl="2"/>
+            <a:r>
+              <a:rPr lang="en-US" dirty="0"/>
+              <a:t>Integration stage -&gt; </a:t>
+            </a:r>
+            <a:r>
+              <a:rPr lang="en-US" dirty="0" err="1"/>
+              <a:t>integrationId</a:t>
+            </a:r>
+            <a:endParaRPr lang="en-US" dirty="0"/>
+          </a:p>
+          <a:p>
+            <a:pPr lvl="2"/>
+            <a:r>
+              <a:rPr lang="en-US" dirty="0"/>
+              <a:t>Interface stage -&gt; </a:t>
+            </a:r>
+            <a:r>
+              <a:rPr lang="en-US" dirty="0" err="1"/>
+              <a:t>integrationId</a:t>
+            </a:r>
+            <a:r>
+              <a:rPr lang="en-US" dirty="0"/>
+              <a:t>, </a:t>
+            </a:r>
+            <a:r>
+              <a:rPr lang="en-US" dirty="0" err="1"/>
+              <a:t>interfaceId</a:t>
+            </a:r>
+            <a:endParaRPr lang="en-US" dirty="0"/>
+          </a:p>
+          <a:p>
+            <a:pPr lvl="2"/>
+            <a:r>
+              <a:rPr lang="en-US" dirty="0"/>
+              <a:t>Start with the </a:t>
+            </a:r>
+            <a:r>
+              <a:rPr lang="en-US" dirty="0" err="1"/>
+              <a:t>the</a:t>
+            </a:r>
+            <a:r>
+              <a:rPr lang="en-US" dirty="0"/>
+              <a:t> most general item’s ID and follow with more specific item’s ID</a:t>
+            </a:r>
+          </a:p>
+          <a:p>
+            <a:pPr lvl="3"/>
+            <a:r>
+              <a:rPr lang="en-US" dirty="0"/>
+              <a:t>GOOD: </a:t>
+            </a:r>
+            <a:r>
+              <a:rPr lang="en-US" dirty="0" err="1"/>
+              <a:t>integrationId</a:t>
+            </a:r>
+            <a:r>
+              <a:rPr lang="en-US" dirty="0"/>
+              <a:t> -&gt; </a:t>
+            </a:r>
+            <a:r>
+              <a:rPr lang="en-US" dirty="0" err="1"/>
+              <a:t>interfaceId</a:t>
+            </a:r>
+            <a:endParaRPr lang="en-US" dirty="0"/>
+          </a:p>
+          <a:p>
+            <a:pPr lvl="3"/>
+            <a:r>
+              <a:rPr lang="en-US" dirty="0"/>
+              <a:t>BAD: </a:t>
+            </a:r>
+            <a:r>
+              <a:rPr lang="en-US" dirty="0" err="1"/>
+              <a:t>interfaceId</a:t>
+            </a:r>
+            <a:r>
+              <a:rPr lang="en-US" dirty="0"/>
+              <a:t> -&gt; </a:t>
+            </a:r>
+            <a:r>
+              <a:rPr lang="en-US" dirty="0" err="1"/>
+              <a:t>integrationId</a:t>
+            </a:r>
+            <a:endParaRPr lang="en-US" dirty="0"/>
+          </a:p>
+          <a:p>
+            <a:pPr lvl="1"/>
+            <a:r>
+              <a:rPr lang="en-US" dirty="0"/>
+              <a:t>Suffix with &lt;Technology&gt;&lt;Stage&gt;Draft</a:t>
+            </a:r>
+          </a:p>
+          <a:p>
+            <a:pPr lvl="2"/>
+            <a:r>
+              <a:rPr lang="en-US" dirty="0" err="1"/>
+              <a:t>WMInterfaceDraft</a:t>
+            </a:r>
+            <a:endParaRPr lang="en-US" dirty="0"/>
+          </a:p>
+          <a:p>
+            <a:pPr lvl="2"/>
+            <a:r>
+              <a:rPr lang="en-US" dirty="0" err="1"/>
+              <a:t>ATIntegrationDraft</a:t>
+            </a:r>
+            <a:endParaRPr lang="en-US" dirty="0"/>
+          </a:p>
+          <a:p>
+            <a:pPr lvl="1"/>
+            <a:r>
+              <a:rPr lang="en-US" dirty="0"/>
+              <a:t>Join each part with “-”</a:t>
+            </a:r>
+          </a:p>
+          <a:p>
+            <a:pPr lvl="1"/>
+            <a:r>
+              <a:rPr lang="en-US" dirty="0"/>
+              <a:t>Ex: (at </a:t>
+            </a:r>
+            <a:r>
+              <a:rPr lang="en-US" dirty="0" err="1"/>
+              <a:t>webMethod</a:t>
+            </a:r>
+            <a:r>
+              <a:rPr lang="en-US" dirty="0"/>
+              <a:t> interface stage) 1234-43-25-WMInterfaceDraft</a:t>
+            </a:r>
+          </a:p>
+          <a:p>
+            <a:pPr lvl="2"/>
+            <a:r>
+              <a:rPr lang="en-US" dirty="0"/>
+              <a:t>1234 = </a:t>
+            </a:r>
+            <a:r>
+              <a:rPr lang="en-US" dirty="0" err="1"/>
+              <a:t>partnerId</a:t>
+            </a:r>
+            <a:endParaRPr lang="en-US" dirty="0"/>
+          </a:p>
+          <a:p>
+            <a:pPr lvl="2"/>
+            <a:r>
+              <a:rPr lang="en-US" dirty="0"/>
+              <a:t>43 = </a:t>
+            </a:r>
+            <a:r>
+              <a:rPr lang="en-US" dirty="0" err="1"/>
+              <a:t>integrationId</a:t>
+            </a:r>
+            <a:endParaRPr lang="en-US" dirty="0"/>
+          </a:p>
+          <a:p>
+            <a:pPr lvl="2"/>
+            <a:r>
+              <a:rPr lang="en-US" dirty="0"/>
+              <a:t>25 = </a:t>
+            </a:r>
+            <a:r>
+              <a:rPr lang="en-US" dirty="0" err="1"/>
+              <a:t>interfaceId</a:t>
+            </a:r>
+            <a:endParaRPr lang="en-US" dirty="0"/>
+          </a:p>
+          <a:p>
+            <a:r>
+              <a:rPr lang="en-US" dirty="0"/>
+              <a:t>Normally, the data to use with draft (from PoC), comes from context</a:t>
+            </a:r>
+          </a:p>
+        </p:txBody>
+      </p:sp>
+      <p:sp>
+        <p:nvSpPr>
+          <p:cNvPr id="4" name="Footer Placeholder 3">
+            <a:extLst>
+              <a:ext uri="{FF2B5EF4-FFF2-40B4-BE49-F238E27FC236}">
+                <a16:creationId xmlns:a16="http://schemas.microsoft.com/office/drawing/2014/main" id="{45719C4E-EF50-4DC1-A4D3-467AAE697EE6}"/>
+              </a:ext>
+            </a:extLst>
+          </p:cNvPr>
+          <p:cNvSpPr>
+            <a:spLocks noGrp="1"/>
+          </p:cNvSpPr>
+          <p:nvPr>
+            <p:ph type="ftr" sz="quarter" idx="11"/>
+          </p:nvPr>
+        </p:nvSpPr>
+        <p:spPr/>
+        <p:txBody>
+          <a:bodyPr/>
+          <a:lstStyle/>
+          <a:p>
+            <a:r>
+              <a:rPr lang="en-US"/>
+              <a:t>Proposed by Tanapol Wong-asa (2022)</a:t>
+            </a:r>
+          </a:p>
+        </p:txBody>
+      </p:sp>
+      <p:sp>
+        <p:nvSpPr>
+          <p:cNvPr id="5" name="Slide Number Placeholder 4">
+            <a:extLst>
+              <a:ext uri="{FF2B5EF4-FFF2-40B4-BE49-F238E27FC236}">
+                <a16:creationId xmlns:a16="http://schemas.microsoft.com/office/drawing/2014/main" id="{FA3A26A8-ADEA-4143-AA80-F4FDA60FEFC6}"/>
+              </a:ext>
+            </a:extLst>
+          </p:cNvPr>
+          <p:cNvSpPr>
+            <a:spLocks noGrp="1"/>
+          </p:cNvSpPr>
+          <p:nvPr>
+            <p:ph type="sldNum" sz="quarter" idx="12"/>
+          </p:nvPr>
+        </p:nvSpPr>
+        <p:spPr/>
+        <p:txBody>
+          <a:bodyPr/>
+          <a:lstStyle/>
+          <a:p>
+            <a:fld id="{FFF3E01E-F0E0-46B5-B925-62E3304D3077}" type="slidenum">
+              <a:rPr lang="en-US" smtClean="0"/>
+              <a:t>17</a:t>
+            </a:fld>
+            <a:endParaRPr lang="en-US"/>
+          </a:p>
+        </p:txBody>
+      </p:sp>
+      <mc:AlternateContent xmlns:mc="http://schemas.openxmlformats.org/markup-compatibility/2006">
+        <mc:Choice xmlns:p14="http://schemas.microsoft.com/office/powerpoint/2010/main" Requires="p14">
+          <p:contentPart p14:bwMode="auto" r:id="rId2">
+            <p14:nvContentPartPr>
+              <p14:cNvPr id="6" name="Ink 5">
+                <a:extLst>
+                  <a:ext uri="{FF2B5EF4-FFF2-40B4-BE49-F238E27FC236}">
+                    <a16:creationId xmlns:a16="http://schemas.microsoft.com/office/drawing/2014/main" id="{7E7DF0CD-4CB4-4352-B891-2F2359A70F49}"/>
+                  </a:ext>
+                </a:extLst>
+              </p14:cNvPr>
+              <p14:cNvContentPartPr/>
+              <p14:nvPr/>
+            </p14:nvContentPartPr>
+            <p14:xfrm>
+              <a:off x="967463" y="958600"/>
+              <a:ext cx="360" cy="360"/>
+            </p14:xfrm>
+          </p:contentPart>
+        </mc:Choice>
+        <mc:Fallback>
+          <p:pic>
+            <p:nvPicPr>
+              <p:cNvPr id="6" name="Ink 5">
+                <a:extLst>
+                  <a:ext uri="{FF2B5EF4-FFF2-40B4-BE49-F238E27FC236}">
+                    <a16:creationId xmlns:a16="http://schemas.microsoft.com/office/drawing/2014/main" id="{7E7DF0CD-4CB4-4352-B891-2F2359A70F49}"/>
+                  </a:ext>
+                </a:extLst>
+              </p:cNvPr>
+              <p:cNvPicPr/>
+              <p:nvPr/>
+            </p:nvPicPr>
+            <p:blipFill>
+              <a:blip r:embed="rId3"/>
+              <a:stretch>
+                <a:fillRect/>
+              </a:stretch>
+            </p:blipFill>
+            <p:spPr>
+              <a:xfrm>
+                <a:off x="958463" y="949600"/>
+                <a:ext cx="18000" cy="18000"/>
+              </a:xfrm>
+              <a:prstGeom prst="rect">
+                <a:avLst/>
+              </a:prstGeom>
+            </p:spPr>
+          </p:pic>
+        </mc:Fallback>
+      </mc:AlternateContent>
+    </p:spTree>
+    <p:extLst>
+      <p:ext uri="{BB962C8B-B14F-4D97-AF65-F5344CB8AC3E}">
+        <p14:creationId xmlns:p14="http://schemas.microsoft.com/office/powerpoint/2010/main" val="2474839958"/>
+      </p:ext>
+    </p:extLst>
+  </p:cSld>
+  <p:clrMapOvr>
+    <a:masterClrMapping/>
+  </p:clrMapOvr>
+</p:sld>
+</file>
+
+<file path=ppt/slides/slide18.xml><?xml version="1.0" encoding="utf-8"?>
+<p:sld xmlns:a="http://schemas.openxmlformats.org/drawingml/2006/main" xmlns:r="http://schemas.openxmlformats.org/officeDocument/2006/relationships" xmlns:p="http://schemas.openxmlformats.org/presentationml/2006/main">
+  <p:cSld>
+    <p:spTree>
+      <p:nvGrpSpPr>
+        <p:cNvPr id="1" name=""/>
+        <p:cNvGrpSpPr/>
+        <p:nvPr/>
+      </p:nvGrpSpPr>
+      <p:grpSpPr>
+        <a:xfrm>
+          <a:off x="0" y="0"/>
+          <a:ext cx="0" cy="0"/>
+          <a:chOff x="0" y="0"/>
+          <a:chExt cx="0" cy="0"/>
+        </a:xfrm>
+      </p:grpSpPr>
+      <p:sp>
+        <p:nvSpPr>
+          <p:cNvPr id="2" name="Title 1">
+            <a:extLst>
+              <a:ext uri="{FF2B5EF4-FFF2-40B4-BE49-F238E27FC236}">
+                <a16:creationId xmlns:a16="http://schemas.microsoft.com/office/drawing/2014/main" id="{EAC21DF4-B5D8-42BF-B0B7-9D5EB98FC8C4}"/>
+              </a:ext>
+            </a:extLst>
+          </p:cNvPr>
+          <p:cNvSpPr>
+            <a:spLocks noGrp="1"/>
+          </p:cNvSpPr>
+          <p:nvPr>
+            <p:ph type="title"/>
+          </p:nvPr>
+        </p:nvSpPr>
+        <p:spPr/>
+        <p:txBody>
+          <a:bodyPr/>
+          <a:lstStyle/>
+          <a:p>
+            <a:r>
+              <a:rPr lang="en-US" dirty="0">
+                <a:latin typeface="PT Sans" panose="020B0503020203020204" pitchFamily="34" charset="0"/>
+              </a:rPr>
+              <a:t>Interacting with “unrelated draft”</a:t>
+            </a:r>
+          </a:p>
+        </p:txBody>
+      </p:sp>
+      <p:sp>
+        <p:nvSpPr>
+          <p:cNvPr id="7" name="Content Placeholder 6">
+            <a:extLst>
+              <a:ext uri="{FF2B5EF4-FFF2-40B4-BE49-F238E27FC236}">
+                <a16:creationId xmlns:a16="http://schemas.microsoft.com/office/drawing/2014/main" id="{ABC25039-0050-474A-A394-210315A21680}"/>
+              </a:ext>
+            </a:extLst>
+          </p:cNvPr>
+          <p:cNvSpPr>
+            <a:spLocks noGrp="1"/>
+          </p:cNvSpPr>
+          <p:nvPr>
+            <p:ph idx="1"/>
+          </p:nvPr>
+        </p:nvSpPr>
+        <p:spPr/>
+        <p:txBody>
+          <a:bodyPr>
+            <a:normAutofit/>
+          </a:bodyPr>
+          <a:lstStyle/>
+          <a:p>
+            <a:r>
+              <a:rPr lang="en-US" dirty="0"/>
+              <a:t>“Unrelated draft” = information that </a:t>
+            </a:r>
+            <a:r>
+              <a:rPr lang="en-US" dirty="0">
+                <a:solidFill>
+                  <a:srgbClr val="FF0000"/>
+                </a:solidFill>
+              </a:rPr>
+              <a:t>don’t directly belong</a:t>
+            </a:r>
+            <a:r>
+              <a:rPr lang="en-US" dirty="0"/>
+              <a:t> to the form stage</a:t>
+            </a:r>
+          </a:p>
+          <a:p>
+            <a:pPr lvl="1"/>
+            <a:r>
+              <a:rPr lang="en-US" dirty="0"/>
+              <a:t>Ex: </a:t>
+            </a:r>
+            <a:r>
+              <a:rPr lang="en-US" dirty="0" err="1"/>
+              <a:t>selectedIntegration</a:t>
+            </a:r>
+            <a:r>
+              <a:rPr lang="en-US" dirty="0"/>
+              <a:t> in Interface form stage</a:t>
+            </a:r>
+          </a:p>
+          <a:p>
+            <a:r>
+              <a:rPr lang="en-US" dirty="0"/>
+              <a:t>The “unrelated draft” </a:t>
+            </a:r>
+            <a:r>
+              <a:rPr lang="en-US" dirty="0" err="1"/>
+              <a:t>saveDraft</a:t>
+            </a:r>
+            <a:r>
+              <a:rPr lang="en-US" dirty="0"/>
+              <a:t>(), </a:t>
+            </a:r>
+            <a:r>
+              <a:rPr lang="en-US" dirty="0" err="1"/>
+              <a:t>readDraft</a:t>
+            </a:r>
+            <a:r>
+              <a:rPr lang="en-US" dirty="0"/>
+              <a:t>(), </a:t>
+            </a:r>
+            <a:r>
+              <a:rPr lang="en-US" dirty="0" err="1"/>
+              <a:t>generateDraftKey</a:t>
+            </a:r>
+            <a:r>
+              <a:rPr lang="en-US" dirty="0"/>
+              <a:t>() function must be </a:t>
+            </a:r>
+            <a:r>
+              <a:rPr lang="en-US" dirty="0">
+                <a:solidFill>
+                  <a:srgbClr val="FF0000"/>
+                </a:solidFill>
+              </a:rPr>
+              <a:t>implemented on-demand</a:t>
+            </a:r>
+            <a:r>
+              <a:rPr lang="en-US" dirty="0"/>
+              <a:t> and the implementation pattern (for these functions) is not enforced</a:t>
+            </a:r>
+          </a:p>
+          <a:p>
+            <a:pPr lvl="1"/>
+            <a:r>
+              <a:rPr lang="en-US" dirty="0"/>
+              <a:t>But </a:t>
+            </a:r>
+            <a:r>
+              <a:rPr lang="en-US" dirty="0">
+                <a:solidFill>
+                  <a:srgbClr val="FF0000"/>
+                </a:solidFill>
+              </a:rPr>
+              <a:t>try to keep the pattern </a:t>
+            </a:r>
+            <a:r>
+              <a:rPr lang="en-US" dirty="0"/>
+              <a:t>for easier maintenance work</a:t>
+            </a:r>
+          </a:p>
+        </p:txBody>
+      </p:sp>
+      <p:sp>
+        <p:nvSpPr>
+          <p:cNvPr id="4" name="Footer Placeholder 3">
+            <a:extLst>
+              <a:ext uri="{FF2B5EF4-FFF2-40B4-BE49-F238E27FC236}">
+                <a16:creationId xmlns:a16="http://schemas.microsoft.com/office/drawing/2014/main" id="{45719C4E-EF50-4DC1-A4D3-467AAE697EE6}"/>
+              </a:ext>
+            </a:extLst>
+          </p:cNvPr>
+          <p:cNvSpPr>
+            <a:spLocks noGrp="1"/>
+          </p:cNvSpPr>
+          <p:nvPr>
+            <p:ph type="ftr" sz="quarter" idx="11"/>
+          </p:nvPr>
+        </p:nvSpPr>
+        <p:spPr/>
+        <p:txBody>
+          <a:bodyPr/>
+          <a:lstStyle/>
+          <a:p>
+            <a:r>
+              <a:rPr lang="en-US"/>
+              <a:t>Proposed by Tanapol Wong-asa (2022)</a:t>
+            </a:r>
+          </a:p>
+        </p:txBody>
+      </p:sp>
+      <p:sp>
+        <p:nvSpPr>
+          <p:cNvPr id="5" name="Slide Number Placeholder 4">
+            <a:extLst>
+              <a:ext uri="{FF2B5EF4-FFF2-40B4-BE49-F238E27FC236}">
+                <a16:creationId xmlns:a16="http://schemas.microsoft.com/office/drawing/2014/main" id="{FA3A26A8-ADEA-4143-AA80-F4FDA60FEFC6}"/>
+              </a:ext>
+            </a:extLst>
+          </p:cNvPr>
+          <p:cNvSpPr>
+            <a:spLocks noGrp="1"/>
+          </p:cNvSpPr>
+          <p:nvPr>
+            <p:ph type="sldNum" sz="quarter" idx="12"/>
+          </p:nvPr>
+        </p:nvSpPr>
+        <p:spPr/>
+        <p:txBody>
+          <a:bodyPr/>
+          <a:lstStyle/>
+          <a:p>
+            <a:fld id="{FFF3E01E-F0E0-46B5-B925-62E3304D3077}" type="slidenum">
+              <a:rPr lang="en-US" smtClean="0"/>
+              <a:t>18</a:t>
+            </a:fld>
+            <a:endParaRPr lang="en-US"/>
+          </a:p>
+        </p:txBody>
+      </p:sp>
+      <mc:AlternateContent xmlns:mc="http://schemas.openxmlformats.org/markup-compatibility/2006">
+        <mc:Choice xmlns:p14="http://schemas.microsoft.com/office/powerpoint/2010/main" Requires="p14">
+          <p:contentPart p14:bwMode="auto" r:id="rId2">
+            <p14:nvContentPartPr>
+              <p14:cNvPr id="6" name="Ink 5">
+                <a:extLst>
+                  <a:ext uri="{FF2B5EF4-FFF2-40B4-BE49-F238E27FC236}">
+                    <a16:creationId xmlns:a16="http://schemas.microsoft.com/office/drawing/2014/main" id="{7E7DF0CD-4CB4-4352-B891-2F2359A70F49}"/>
+                  </a:ext>
+                </a:extLst>
+              </p14:cNvPr>
+              <p14:cNvContentPartPr/>
+              <p14:nvPr/>
+            </p14:nvContentPartPr>
+            <p14:xfrm>
+              <a:off x="967463" y="958600"/>
+              <a:ext cx="360" cy="360"/>
+            </p14:xfrm>
+          </p:contentPart>
+        </mc:Choice>
+        <mc:Fallback>
+          <p:pic>
+            <p:nvPicPr>
+              <p:cNvPr id="6" name="Ink 5">
+                <a:extLst>
+                  <a:ext uri="{FF2B5EF4-FFF2-40B4-BE49-F238E27FC236}">
+                    <a16:creationId xmlns:a16="http://schemas.microsoft.com/office/drawing/2014/main" id="{7E7DF0CD-4CB4-4352-B891-2F2359A70F49}"/>
+                  </a:ext>
+                </a:extLst>
+              </p:cNvPr>
+              <p:cNvPicPr/>
+              <p:nvPr/>
+            </p:nvPicPr>
+            <p:blipFill>
+              <a:blip r:embed="rId3"/>
+              <a:stretch>
+                <a:fillRect/>
+              </a:stretch>
+            </p:blipFill>
+            <p:spPr>
+              <a:xfrm>
+                <a:off x="958463" y="949600"/>
+                <a:ext cx="18000" cy="18000"/>
+              </a:xfrm>
+              <a:prstGeom prst="rect">
+                <a:avLst/>
+              </a:prstGeom>
+            </p:spPr>
+          </p:pic>
+        </mc:Fallback>
+      </mc:AlternateContent>
+    </p:spTree>
+    <p:extLst>
+      <p:ext uri="{BB962C8B-B14F-4D97-AF65-F5344CB8AC3E}">
+        <p14:creationId xmlns:p14="http://schemas.microsoft.com/office/powerpoint/2010/main" val="1459067935"/>
+      </p:ext>
+    </p:extLst>
+  </p:cSld>
+  <p:clrMapOvr>
+    <a:masterClrMapping/>
+  </p:clrMapOvr>
+</p:sld>
+</file>
+
+<file path=ppt/slides/slide19.xml><?xml version="1.0" encoding="utf-8"?>
+<p:sld xmlns:a="http://schemas.openxmlformats.org/drawingml/2006/main" xmlns:r="http://schemas.openxmlformats.org/officeDocument/2006/relationships" xmlns:p="http://schemas.openxmlformats.org/presentationml/2006/main">
+  <p:cSld>
+    <p:spTree>
+      <p:nvGrpSpPr>
+        <p:cNvPr id="1" name=""/>
+        <p:cNvGrpSpPr/>
+        <p:nvPr/>
+      </p:nvGrpSpPr>
+      <p:grpSpPr>
+        <a:xfrm>
+          <a:off x="0" y="0"/>
+          <a:ext cx="0" cy="0"/>
+          <a:chOff x="0" y="0"/>
+          <a:chExt cx="0" cy="0"/>
+        </a:xfrm>
+      </p:grpSpPr>
+      <p:sp>
+        <p:nvSpPr>
+          <p:cNvPr id="2" name="Title 1">
+            <a:extLst>
+              <a:ext uri="{FF2B5EF4-FFF2-40B4-BE49-F238E27FC236}">
+                <a16:creationId xmlns:a16="http://schemas.microsoft.com/office/drawing/2014/main" id="{EAC21DF4-B5D8-42BF-B0B7-9D5EB98FC8C4}"/>
+              </a:ext>
+            </a:extLst>
+          </p:cNvPr>
+          <p:cNvSpPr>
+            <a:spLocks noGrp="1"/>
+          </p:cNvSpPr>
+          <p:nvPr>
+            <p:ph type="title"/>
+          </p:nvPr>
+        </p:nvSpPr>
+        <p:spPr/>
+        <p:txBody>
+          <a:bodyPr/>
+          <a:lstStyle/>
+          <a:p>
+            <a:r>
+              <a:rPr lang="en-US" dirty="0" err="1">
+                <a:latin typeface="PT Sans" panose="020B0503020203020204" pitchFamily="34" charset="0"/>
+              </a:rPr>
+              <a:t>ReusableForm</a:t>
+            </a:r>
+            <a:endParaRPr lang="en-US" dirty="0">
+              <a:latin typeface="PT Sans" panose="020B0503020203020204" pitchFamily="34" charset="0"/>
+            </a:endParaRPr>
+          </a:p>
+        </p:txBody>
+      </p:sp>
+      <p:sp>
+        <p:nvSpPr>
+          <p:cNvPr id="3" name="Content Placeholder 2">
+            <a:extLst>
+              <a:ext uri="{FF2B5EF4-FFF2-40B4-BE49-F238E27FC236}">
+                <a16:creationId xmlns:a16="http://schemas.microsoft.com/office/drawing/2014/main" id="{D733F109-51BC-44E4-868F-D83E7E6D759F}"/>
+              </a:ext>
+            </a:extLst>
+          </p:cNvPr>
+          <p:cNvSpPr>
+            <a:spLocks noGrp="1"/>
+          </p:cNvSpPr>
+          <p:nvPr>
+            <p:ph idx="1"/>
+          </p:nvPr>
+        </p:nvSpPr>
+        <p:spPr/>
+        <p:txBody>
+          <a:bodyPr>
+            <a:normAutofit lnSpcReduction="10000"/>
+          </a:bodyPr>
+          <a:lstStyle/>
+          <a:p>
+            <a:r>
+              <a:rPr lang="en-US" dirty="0">
+                <a:latin typeface="PT Sans" panose="020B0503020203020204" pitchFamily="34" charset="0"/>
+              </a:rPr>
+              <a:t>For ease of development and higher </a:t>
+            </a:r>
+            <a:r>
+              <a:rPr lang="en-US" dirty="0" err="1">
+                <a:latin typeface="PT Sans" panose="020B0503020203020204" pitchFamily="34" charset="0"/>
+              </a:rPr>
+              <a:t>reusablity</a:t>
+            </a:r>
+            <a:r>
+              <a:rPr lang="en-US" dirty="0">
+                <a:latin typeface="PT Sans" panose="020B0503020203020204" pitchFamily="34" charset="0"/>
+              </a:rPr>
+              <a:t>, create </a:t>
+            </a:r>
+            <a:r>
+              <a:rPr lang="en-US" dirty="0" err="1">
+                <a:latin typeface="PT Sans" panose="020B0503020203020204" pitchFamily="34" charset="0"/>
+              </a:rPr>
+              <a:t>ReusableForm</a:t>
+            </a:r>
+            <a:r>
+              <a:rPr lang="en-US" dirty="0">
+                <a:latin typeface="PT Sans" panose="020B0503020203020204" pitchFamily="34" charset="0"/>
+              </a:rPr>
+              <a:t> component for each stage of editing</a:t>
+            </a:r>
+          </a:p>
+          <a:p>
+            <a:pPr lvl="1"/>
+            <a:r>
+              <a:rPr lang="en-US" dirty="0" err="1">
+                <a:latin typeface="PT Sans" panose="020B0503020203020204" pitchFamily="34" charset="0"/>
+              </a:rPr>
+              <a:t>ReusableIntegrationForm</a:t>
+            </a:r>
+            <a:endParaRPr lang="en-US" dirty="0">
+              <a:latin typeface="PT Sans" panose="020B0503020203020204" pitchFamily="34" charset="0"/>
+            </a:endParaRPr>
+          </a:p>
+          <a:p>
+            <a:pPr lvl="1"/>
+            <a:r>
+              <a:rPr lang="en-US" dirty="0" err="1">
+                <a:latin typeface="PT Sans" panose="020B0503020203020204" pitchFamily="34" charset="0"/>
+              </a:rPr>
+              <a:t>ReusableInterfaceForm</a:t>
+            </a:r>
+            <a:endParaRPr lang="en-US" dirty="0">
+              <a:latin typeface="PT Sans" panose="020B0503020203020204" pitchFamily="34" charset="0"/>
+            </a:endParaRPr>
+          </a:p>
+          <a:p>
+            <a:pPr lvl="1"/>
+            <a:r>
+              <a:rPr lang="en-US" dirty="0" err="1">
+                <a:latin typeface="PT Sans" panose="020B0503020203020204" pitchFamily="34" charset="0"/>
+              </a:rPr>
+              <a:t>ReusableConnectionForm</a:t>
+            </a:r>
+            <a:endParaRPr lang="en-US" dirty="0">
+              <a:latin typeface="PT Sans" panose="020B0503020203020204" pitchFamily="34" charset="0"/>
+            </a:endParaRPr>
+          </a:p>
+          <a:p>
+            <a:r>
+              <a:rPr lang="en-US" dirty="0" err="1">
+                <a:latin typeface="PT Sans" panose="020B0503020203020204" pitchFamily="34" charset="0"/>
+              </a:rPr>
+              <a:t>ReusableForm</a:t>
+            </a:r>
+            <a:r>
+              <a:rPr lang="en-US" dirty="0">
+                <a:latin typeface="PT Sans" panose="020B0503020203020204" pitchFamily="34" charset="0"/>
+              </a:rPr>
+              <a:t> will be use for</a:t>
+            </a:r>
+          </a:p>
+          <a:p>
+            <a:pPr lvl="1"/>
+            <a:r>
+              <a:rPr lang="en-US" dirty="0">
+                <a:latin typeface="PT Sans" panose="020B0503020203020204" pitchFamily="34" charset="0"/>
+              </a:rPr>
+              <a:t>Form rendering</a:t>
+            </a:r>
+          </a:p>
+          <a:p>
+            <a:pPr lvl="1"/>
+            <a:r>
+              <a:rPr lang="en-US" dirty="0">
+                <a:latin typeface="PT Sans" panose="020B0503020203020204" pitchFamily="34" charset="0"/>
+              </a:rPr>
+              <a:t>Draft saving</a:t>
+            </a:r>
+          </a:p>
+          <a:p>
+            <a:pPr lvl="1"/>
+            <a:r>
+              <a:rPr lang="en-US" dirty="0">
+                <a:latin typeface="PT Sans" panose="020B0503020203020204" pitchFamily="34" charset="0"/>
+              </a:rPr>
+              <a:t>Update integration and related data</a:t>
+            </a:r>
+          </a:p>
+          <a:p>
+            <a:r>
+              <a:rPr lang="en-US" dirty="0">
+                <a:solidFill>
+                  <a:srgbClr val="FF0000"/>
+                </a:solidFill>
+                <a:latin typeface="PT Sans" panose="020B0503020203020204" pitchFamily="34" charset="0"/>
+              </a:rPr>
+              <a:t>Should be return </a:t>
+            </a:r>
+            <a:r>
+              <a:rPr lang="en-US" dirty="0">
+                <a:latin typeface="PT Sans" panose="020B0503020203020204" pitchFamily="34" charset="0"/>
+              </a:rPr>
+              <a:t>from render() of </a:t>
+            </a:r>
+            <a:r>
+              <a:rPr lang="en-US" dirty="0" err="1">
+                <a:latin typeface="PT Sans" panose="020B0503020203020204" pitchFamily="34" charset="0"/>
+              </a:rPr>
+              <a:t>IntegrationForm</a:t>
+            </a:r>
+            <a:r>
+              <a:rPr lang="en-US" dirty="0">
+                <a:latin typeface="PT Sans" panose="020B0503020203020204" pitchFamily="34" charset="0"/>
+              </a:rPr>
+              <a:t>, </a:t>
+            </a:r>
+            <a:r>
+              <a:rPr lang="en-US" dirty="0" err="1">
+                <a:latin typeface="PT Sans" panose="020B0503020203020204" pitchFamily="34" charset="0"/>
+              </a:rPr>
+              <a:t>InterfaceForm</a:t>
+            </a:r>
+            <a:r>
+              <a:rPr lang="en-US" dirty="0">
+                <a:latin typeface="PT Sans" panose="020B0503020203020204" pitchFamily="34" charset="0"/>
+              </a:rPr>
+              <a:t>, </a:t>
+            </a:r>
+            <a:r>
+              <a:rPr lang="en-US" dirty="0" err="1">
+                <a:latin typeface="PT Sans" panose="020B0503020203020204" pitchFamily="34" charset="0"/>
+              </a:rPr>
+              <a:t>ConnectionForm</a:t>
+            </a:r>
+            <a:endParaRPr lang="en-US" dirty="0">
+              <a:latin typeface="PT Sans" panose="020B0503020203020204" pitchFamily="34" charset="0"/>
+            </a:endParaRPr>
+          </a:p>
+        </p:txBody>
+      </p:sp>
+      <p:sp>
+        <p:nvSpPr>
+          <p:cNvPr id="4" name="Footer Placeholder 3">
+            <a:extLst>
+              <a:ext uri="{FF2B5EF4-FFF2-40B4-BE49-F238E27FC236}">
+                <a16:creationId xmlns:a16="http://schemas.microsoft.com/office/drawing/2014/main" id="{45719C4E-EF50-4DC1-A4D3-467AAE697EE6}"/>
+              </a:ext>
+            </a:extLst>
+          </p:cNvPr>
+          <p:cNvSpPr>
+            <a:spLocks noGrp="1"/>
+          </p:cNvSpPr>
+          <p:nvPr>
+            <p:ph type="ftr" sz="quarter" idx="11"/>
+          </p:nvPr>
+        </p:nvSpPr>
+        <p:spPr/>
+        <p:txBody>
+          <a:bodyPr/>
+          <a:lstStyle/>
+          <a:p>
+            <a:r>
+              <a:rPr lang="en-US"/>
+              <a:t>Proposed by Tanapol Wong-asa (2022)</a:t>
+            </a:r>
+          </a:p>
+        </p:txBody>
+      </p:sp>
+      <p:sp>
+        <p:nvSpPr>
+          <p:cNvPr id="5" name="Slide Number Placeholder 4">
+            <a:extLst>
+              <a:ext uri="{FF2B5EF4-FFF2-40B4-BE49-F238E27FC236}">
+                <a16:creationId xmlns:a16="http://schemas.microsoft.com/office/drawing/2014/main" id="{FA3A26A8-ADEA-4143-AA80-F4FDA60FEFC6}"/>
+              </a:ext>
+            </a:extLst>
+          </p:cNvPr>
+          <p:cNvSpPr>
+            <a:spLocks noGrp="1"/>
+          </p:cNvSpPr>
+          <p:nvPr>
+            <p:ph type="sldNum" sz="quarter" idx="12"/>
+          </p:nvPr>
+        </p:nvSpPr>
+        <p:spPr/>
+        <p:txBody>
+          <a:bodyPr/>
+          <a:lstStyle/>
+          <a:p>
+            <a:fld id="{FFF3E01E-F0E0-46B5-B925-62E3304D3077}" type="slidenum">
+              <a:rPr lang="en-US" smtClean="0"/>
+              <a:t>19</a:t>
+            </a:fld>
+            <a:endParaRPr lang="en-US"/>
+          </a:p>
+        </p:txBody>
+      </p:sp>
+      <mc:AlternateContent xmlns:mc="http://schemas.openxmlformats.org/markup-compatibility/2006">
+        <mc:Choice xmlns:p14="http://schemas.microsoft.com/office/powerpoint/2010/main" Requires="p14">
+          <p:contentPart p14:bwMode="auto" r:id="rId2">
+            <p14:nvContentPartPr>
+              <p14:cNvPr id="6" name="Ink 5">
+                <a:extLst>
+                  <a:ext uri="{FF2B5EF4-FFF2-40B4-BE49-F238E27FC236}">
+                    <a16:creationId xmlns:a16="http://schemas.microsoft.com/office/drawing/2014/main" id="{7E7DF0CD-4CB4-4352-B891-2F2359A70F49}"/>
+                  </a:ext>
+                </a:extLst>
+              </p14:cNvPr>
+              <p14:cNvContentPartPr/>
+              <p14:nvPr/>
+            </p14:nvContentPartPr>
+            <p14:xfrm>
+              <a:off x="967463" y="958600"/>
+              <a:ext cx="360" cy="360"/>
+            </p14:xfrm>
+          </p:contentPart>
+        </mc:Choice>
+        <mc:Fallback>
+          <p:pic>
+            <p:nvPicPr>
+              <p:cNvPr id="6" name="Ink 5">
+                <a:extLst>
+                  <a:ext uri="{FF2B5EF4-FFF2-40B4-BE49-F238E27FC236}">
+                    <a16:creationId xmlns:a16="http://schemas.microsoft.com/office/drawing/2014/main" id="{7E7DF0CD-4CB4-4352-B891-2F2359A70F49}"/>
+                  </a:ext>
+                </a:extLst>
+              </p:cNvPr>
+              <p:cNvPicPr/>
+              <p:nvPr/>
+            </p:nvPicPr>
+            <p:blipFill>
+              <a:blip r:embed="rId3"/>
+              <a:stretch>
+                <a:fillRect/>
+              </a:stretch>
+            </p:blipFill>
+            <p:spPr>
+              <a:xfrm>
+                <a:off x="958463" y="949600"/>
+                <a:ext cx="18000" cy="18000"/>
+              </a:xfrm>
+              <a:prstGeom prst="rect">
+                <a:avLst/>
+              </a:prstGeom>
+            </p:spPr>
+          </p:pic>
+        </mc:Fallback>
+      </mc:AlternateContent>
+      <p:pic>
+        <p:nvPicPr>
+          <p:cNvPr id="8" name="Picture 7">
+            <a:extLst>
+              <a:ext uri="{FF2B5EF4-FFF2-40B4-BE49-F238E27FC236}">
+                <a16:creationId xmlns:a16="http://schemas.microsoft.com/office/drawing/2014/main" id="{50AD388C-1FF6-43DE-9864-32D4707E9AB3}"/>
+              </a:ext>
+            </a:extLst>
+          </p:cNvPr>
+          <p:cNvPicPr>
+            <a:picLocks noChangeAspect="1"/>
+          </p:cNvPicPr>
+          <p:nvPr/>
+        </p:nvPicPr>
+        <p:blipFill>
+          <a:blip r:embed="rId4"/>
+          <a:stretch>
+            <a:fillRect/>
+          </a:stretch>
+        </p:blipFill>
+        <p:spPr>
+          <a:xfrm>
+            <a:off x="6362330" y="2701030"/>
+            <a:ext cx="5644350" cy="2343477"/>
+          </a:xfrm>
+          <a:prstGeom prst="rect">
+            <a:avLst/>
+          </a:prstGeom>
+        </p:spPr>
+      </p:pic>
+    </p:spTree>
+    <p:extLst>
+      <p:ext uri="{BB962C8B-B14F-4D97-AF65-F5344CB8AC3E}">
+        <p14:creationId xmlns:p14="http://schemas.microsoft.com/office/powerpoint/2010/main" val="273825438"/>
       </p:ext>
     </p:extLst>
   </p:cSld>
@@ -3547,577 +8494,899 @@
       </p:grpSpPr>
       <p:sp>
         <p:nvSpPr>
-          <p:cNvPr id="47" name="TextBox 46">
-            <a:extLst>
-              <a:ext uri="{FF2B5EF4-FFF2-40B4-BE49-F238E27FC236}">
-                <a16:creationId xmlns:a16="http://schemas.microsoft.com/office/drawing/2014/main" id="{3F2AA7F6-7922-4E2A-93C9-9942BA155AB2}"/>
-              </a:ext>
-            </a:extLst>
-          </p:cNvPr>
-          <p:cNvSpPr txBox="1"/>
+          <p:cNvPr id="6" name="Title 5">
+            <a:extLst>
+              <a:ext uri="{FF2B5EF4-FFF2-40B4-BE49-F238E27FC236}">
+                <a16:creationId xmlns:a16="http://schemas.microsoft.com/office/drawing/2014/main" id="{AF195E33-C88A-4F56-A1E9-AAA8F63B597B}"/>
+              </a:ext>
+            </a:extLst>
+          </p:cNvPr>
+          <p:cNvSpPr>
+            <a:spLocks noGrp="1"/>
+          </p:cNvSpPr>
+          <p:nvPr>
+            <p:ph type="title"/>
+          </p:nvPr>
+        </p:nvSpPr>
+        <p:spPr/>
+        <p:txBody>
+          <a:bodyPr/>
+          <a:lstStyle/>
+          <a:p>
+            <a:r>
+              <a:rPr lang="en-US" dirty="0">
+                <a:latin typeface="PT Sans" panose="020B0503020203020204" pitchFamily="34" charset="0"/>
+              </a:rPr>
+              <a:t>Introduction</a:t>
+            </a:r>
+          </a:p>
+        </p:txBody>
+      </p:sp>
+      <p:sp>
+        <p:nvSpPr>
+          <p:cNvPr id="4" name="Footer Placeholder 3">
+            <a:extLst>
+              <a:ext uri="{FF2B5EF4-FFF2-40B4-BE49-F238E27FC236}">
+                <a16:creationId xmlns:a16="http://schemas.microsoft.com/office/drawing/2014/main" id="{57139D6C-D5AD-4286-B758-41B14DC14A80}"/>
+              </a:ext>
+            </a:extLst>
+          </p:cNvPr>
+          <p:cNvSpPr>
+            <a:spLocks noGrp="1"/>
+          </p:cNvSpPr>
+          <p:nvPr>
+            <p:ph type="ftr" sz="quarter" idx="11"/>
+          </p:nvPr>
+        </p:nvSpPr>
+        <p:spPr/>
+        <p:txBody>
+          <a:bodyPr/>
+          <a:lstStyle/>
+          <a:p>
+            <a:r>
+              <a:rPr lang="en-US"/>
+              <a:t>Proposed by Tanapol Wong-asa (2022)</a:t>
+            </a:r>
+          </a:p>
+        </p:txBody>
+      </p:sp>
+      <p:sp>
+        <p:nvSpPr>
+          <p:cNvPr id="5" name="Slide Number Placeholder 4">
+            <a:extLst>
+              <a:ext uri="{FF2B5EF4-FFF2-40B4-BE49-F238E27FC236}">
+                <a16:creationId xmlns:a16="http://schemas.microsoft.com/office/drawing/2014/main" id="{835FF7F3-D6BE-465B-ABD9-9BB6B1CCF4A3}"/>
+              </a:ext>
+            </a:extLst>
+          </p:cNvPr>
+          <p:cNvSpPr>
+            <a:spLocks noGrp="1"/>
+          </p:cNvSpPr>
+          <p:nvPr>
+            <p:ph type="sldNum" sz="quarter" idx="12"/>
+          </p:nvPr>
+        </p:nvSpPr>
+        <p:spPr/>
+        <p:txBody>
+          <a:bodyPr/>
+          <a:lstStyle/>
+          <a:p>
+            <a:fld id="{FFF3E01E-F0E0-46B5-B925-62E3304D3077}" type="slidenum">
+              <a:rPr lang="en-US" smtClean="0"/>
+              <a:t>2</a:t>
+            </a:fld>
+            <a:endParaRPr lang="en-US"/>
+          </a:p>
+        </p:txBody>
+      </p:sp>
+    </p:spTree>
+    <p:extLst>
+      <p:ext uri="{BB962C8B-B14F-4D97-AF65-F5344CB8AC3E}">
+        <p14:creationId xmlns:p14="http://schemas.microsoft.com/office/powerpoint/2010/main" val="1676398379"/>
+      </p:ext>
+    </p:extLst>
+  </p:cSld>
+  <p:clrMapOvr>
+    <a:masterClrMapping/>
+  </p:clrMapOvr>
+</p:sld>
+</file>
+
+<file path=ppt/slides/slide20.xml><?xml version="1.0" encoding="utf-8"?>
+<p:sld xmlns:a="http://schemas.openxmlformats.org/drawingml/2006/main" xmlns:r="http://schemas.openxmlformats.org/officeDocument/2006/relationships" xmlns:p="http://schemas.openxmlformats.org/presentationml/2006/main">
+  <p:cSld>
+    <p:spTree>
+      <p:nvGrpSpPr>
+        <p:cNvPr id="1" name=""/>
+        <p:cNvGrpSpPr/>
+        <p:nvPr/>
+      </p:nvGrpSpPr>
+      <p:grpSpPr>
+        <a:xfrm>
+          <a:off x="0" y="0"/>
+          <a:ext cx="0" cy="0"/>
+          <a:chOff x="0" y="0"/>
+          <a:chExt cx="0" cy="0"/>
+        </a:xfrm>
+      </p:grpSpPr>
+      <p:sp>
+        <p:nvSpPr>
+          <p:cNvPr id="2" name="Title 1">
+            <a:extLst>
+              <a:ext uri="{FF2B5EF4-FFF2-40B4-BE49-F238E27FC236}">
+                <a16:creationId xmlns:a16="http://schemas.microsoft.com/office/drawing/2014/main" id="{EAC21DF4-B5D8-42BF-B0B7-9D5EB98FC8C4}"/>
+              </a:ext>
+            </a:extLst>
+          </p:cNvPr>
+          <p:cNvSpPr>
+            <a:spLocks noGrp="1"/>
+          </p:cNvSpPr>
+          <p:nvPr>
+            <p:ph type="title"/>
+          </p:nvPr>
+        </p:nvSpPr>
+        <p:spPr/>
+        <p:txBody>
+          <a:bodyPr/>
+          <a:lstStyle/>
+          <a:p>
+            <a:r>
+              <a:rPr lang="en-US" dirty="0" err="1">
+                <a:latin typeface="PT Sans" panose="020B0503020203020204" pitchFamily="34" charset="0"/>
+              </a:rPr>
+              <a:t>ReusableForm</a:t>
+            </a:r>
+            <a:r>
+              <a:rPr lang="en-US" dirty="0">
+                <a:latin typeface="PT Sans" panose="020B0503020203020204" pitchFamily="34" charset="0"/>
+              </a:rPr>
+              <a:t> (cont’d)</a:t>
+            </a:r>
+          </a:p>
+        </p:txBody>
+      </p:sp>
+      <p:sp>
+        <p:nvSpPr>
+          <p:cNvPr id="3" name="Content Placeholder 2">
+            <a:extLst>
+              <a:ext uri="{FF2B5EF4-FFF2-40B4-BE49-F238E27FC236}">
+                <a16:creationId xmlns:a16="http://schemas.microsoft.com/office/drawing/2014/main" id="{D733F109-51BC-44E4-868F-D83E7E6D759F}"/>
+              </a:ext>
+            </a:extLst>
+          </p:cNvPr>
+          <p:cNvSpPr>
+            <a:spLocks noGrp="1"/>
+          </p:cNvSpPr>
+          <p:nvPr>
+            <p:ph idx="1"/>
+          </p:nvPr>
+        </p:nvSpPr>
+        <p:spPr/>
+        <p:txBody>
+          <a:bodyPr>
+            <a:normAutofit/>
+          </a:bodyPr>
+          <a:lstStyle/>
+          <a:p>
+            <a:r>
+              <a:rPr lang="en-US" dirty="0">
+                <a:latin typeface="PT Sans" panose="020B0503020203020204" pitchFamily="34" charset="0"/>
+              </a:rPr>
+              <a:t>Since </a:t>
+            </a:r>
+            <a:r>
+              <a:rPr lang="en-US" dirty="0" err="1">
+                <a:latin typeface="PT Sans" panose="020B0503020203020204" pitchFamily="34" charset="0"/>
+              </a:rPr>
+              <a:t>ReusableForm</a:t>
+            </a:r>
+            <a:r>
+              <a:rPr lang="en-US" dirty="0">
+                <a:latin typeface="PT Sans" panose="020B0503020203020204" pitchFamily="34" charset="0"/>
+              </a:rPr>
+              <a:t> use </a:t>
+            </a:r>
+            <a:r>
+              <a:rPr lang="en-US" dirty="0" err="1">
+                <a:latin typeface="PT Sans" panose="020B0503020203020204" pitchFamily="34" charset="0"/>
+              </a:rPr>
+              <a:t>useForm</a:t>
+            </a:r>
+            <a:r>
+              <a:rPr lang="en-US" dirty="0">
+                <a:latin typeface="PT Sans" panose="020B0503020203020204" pitchFamily="34" charset="0"/>
+              </a:rPr>
+              <a:t> hook, it </a:t>
+            </a:r>
+            <a:r>
+              <a:rPr lang="en-US" dirty="0">
+                <a:solidFill>
+                  <a:srgbClr val="FF0000"/>
+                </a:solidFill>
+                <a:latin typeface="PT Sans" panose="020B0503020203020204" pitchFamily="34" charset="0"/>
+              </a:rPr>
+              <a:t>must</a:t>
+            </a:r>
+            <a:r>
+              <a:rPr lang="en-US" dirty="0">
+                <a:latin typeface="PT Sans" panose="020B0503020203020204" pitchFamily="34" charset="0"/>
+              </a:rPr>
+              <a:t> be functional component.</a:t>
+            </a:r>
+          </a:p>
+          <a:p>
+            <a:r>
+              <a:rPr lang="en-US" dirty="0">
+                <a:latin typeface="PT Sans" panose="020B0503020203020204" pitchFamily="34" charset="0"/>
+              </a:rPr>
+              <a:t>Hence, </a:t>
+            </a:r>
+            <a:r>
+              <a:rPr lang="en-US" dirty="0" err="1">
+                <a:latin typeface="PT Sans" panose="020B0503020203020204" pitchFamily="34" charset="0"/>
+              </a:rPr>
+              <a:t>ReusableForm</a:t>
+            </a:r>
+            <a:r>
+              <a:rPr lang="en-US" dirty="0">
+                <a:latin typeface="PT Sans" panose="020B0503020203020204" pitchFamily="34" charset="0"/>
+              </a:rPr>
+              <a:t> method implementation </a:t>
+            </a:r>
+            <a:r>
+              <a:rPr lang="en-US" dirty="0">
+                <a:solidFill>
+                  <a:srgbClr val="FF0000"/>
+                </a:solidFill>
+                <a:latin typeface="PT Sans" panose="020B0503020203020204" pitchFamily="34" charset="0"/>
+              </a:rPr>
+              <a:t>can’t be enforced</a:t>
+            </a:r>
+          </a:p>
+          <a:p>
+            <a:r>
+              <a:rPr lang="en-US" dirty="0">
+                <a:latin typeface="PT Sans" panose="020B0503020203020204" pitchFamily="34" charset="0"/>
+              </a:rPr>
+              <a:t>Check implementation example below to understand the intended behavior.</a:t>
+            </a:r>
+          </a:p>
+          <a:p>
+            <a:r>
+              <a:rPr lang="en-US" dirty="0">
+                <a:latin typeface="PT Sans" panose="020B0503020203020204" pitchFamily="34" charset="0"/>
+              </a:rPr>
+              <a:t>Implementation: </a:t>
+            </a:r>
+            <a:r>
+              <a:rPr lang="en-US" dirty="0">
+                <a:latin typeface="PT Sans" panose="020B0503020203020204" pitchFamily="34" charset="0"/>
+                <a:hlinkClick r:id="rId2"/>
+              </a:rPr>
+              <a:t>https://github.com/TanapolWong-asa/abstract-factory-form/blob/master/src/pages/EditPartner/Form/reusableForm.tsx</a:t>
+            </a:r>
+            <a:endParaRPr lang="en-US" dirty="0">
+              <a:latin typeface="PT Sans" panose="020B0503020203020204" pitchFamily="34" charset="0"/>
+            </a:endParaRPr>
+          </a:p>
+        </p:txBody>
+      </p:sp>
+      <p:sp>
+        <p:nvSpPr>
+          <p:cNvPr id="4" name="Footer Placeholder 3">
+            <a:extLst>
+              <a:ext uri="{FF2B5EF4-FFF2-40B4-BE49-F238E27FC236}">
+                <a16:creationId xmlns:a16="http://schemas.microsoft.com/office/drawing/2014/main" id="{45719C4E-EF50-4DC1-A4D3-467AAE697EE6}"/>
+              </a:ext>
+            </a:extLst>
+          </p:cNvPr>
+          <p:cNvSpPr>
+            <a:spLocks noGrp="1"/>
+          </p:cNvSpPr>
+          <p:nvPr>
+            <p:ph type="ftr" sz="quarter" idx="11"/>
+          </p:nvPr>
+        </p:nvSpPr>
+        <p:spPr/>
+        <p:txBody>
+          <a:bodyPr/>
+          <a:lstStyle/>
+          <a:p>
+            <a:r>
+              <a:rPr lang="en-US"/>
+              <a:t>Proposed by Tanapol Wong-asa (2022)</a:t>
+            </a:r>
+          </a:p>
+        </p:txBody>
+      </p:sp>
+      <p:sp>
+        <p:nvSpPr>
+          <p:cNvPr id="5" name="Slide Number Placeholder 4">
+            <a:extLst>
+              <a:ext uri="{FF2B5EF4-FFF2-40B4-BE49-F238E27FC236}">
+                <a16:creationId xmlns:a16="http://schemas.microsoft.com/office/drawing/2014/main" id="{FA3A26A8-ADEA-4143-AA80-F4FDA60FEFC6}"/>
+              </a:ext>
+            </a:extLst>
+          </p:cNvPr>
+          <p:cNvSpPr>
+            <a:spLocks noGrp="1"/>
+          </p:cNvSpPr>
+          <p:nvPr>
+            <p:ph type="sldNum" sz="quarter" idx="12"/>
+          </p:nvPr>
+        </p:nvSpPr>
+        <p:spPr/>
+        <p:txBody>
+          <a:bodyPr/>
+          <a:lstStyle/>
+          <a:p>
+            <a:fld id="{FFF3E01E-F0E0-46B5-B925-62E3304D3077}" type="slidenum">
+              <a:rPr lang="en-US" smtClean="0"/>
+              <a:t>20</a:t>
+            </a:fld>
+            <a:endParaRPr lang="en-US"/>
+          </a:p>
+        </p:txBody>
+      </p:sp>
+      <mc:AlternateContent xmlns:mc="http://schemas.openxmlformats.org/markup-compatibility/2006">
+        <mc:Choice xmlns:p14="http://schemas.microsoft.com/office/powerpoint/2010/main" Requires="p14">
+          <p:contentPart p14:bwMode="auto" r:id="rId3">
+            <p14:nvContentPartPr>
+              <p14:cNvPr id="6" name="Ink 5">
+                <a:extLst>
+                  <a:ext uri="{FF2B5EF4-FFF2-40B4-BE49-F238E27FC236}">
+                    <a16:creationId xmlns:a16="http://schemas.microsoft.com/office/drawing/2014/main" id="{7E7DF0CD-4CB4-4352-B891-2F2359A70F49}"/>
+                  </a:ext>
+                </a:extLst>
+              </p14:cNvPr>
+              <p14:cNvContentPartPr/>
+              <p14:nvPr/>
+            </p14:nvContentPartPr>
+            <p14:xfrm>
+              <a:off x="967463" y="958600"/>
+              <a:ext cx="360" cy="360"/>
+            </p14:xfrm>
+          </p:contentPart>
+        </mc:Choice>
+        <mc:Fallback>
+          <p:pic>
+            <p:nvPicPr>
+              <p:cNvPr id="6" name="Ink 5">
+                <a:extLst>
+                  <a:ext uri="{FF2B5EF4-FFF2-40B4-BE49-F238E27FC236}">
+                    <a16:creationId xmlns:a16="http://schemas.microsoft.com/office/drawing/2014/main" id="{7E7DF0CD-4CB4-4352-B891-2F2359A70F49}"/>
+                  </a:ext>
+                </a:extLst>
+              </p:cNvPr>
+              <p:cNvPicPr/>
+              <p:nvPr/>
+            </p:nvPicPr>
+            <p:blipFill>
+              <a:blip r:embed="rId4"/>
+              <a:stretch>
+                <a:fillRect/>
+              </a:stretch>
+            </p:blipFill>
+            <p:spPr>
+              <a:xfrm>
+                <a:off x="958463" y="949600"/>
+                <a:ext cx="18000" cy="18000"/>
+              </a:xfrm>
+              <a:prstGeom prst="rect">
+                <a:avLst/>
+              </a:prstGeom>
+            </p:spPr>
+          </p:pic>
+        </mc:Fallback>
+      </mc:AlternateContent>
+    </p:spTree>
+    <p:extLst>
+      <p:ext uri="{BB962C8B-B14F-4D97-AF65-F5344CB8AC3E}">
+        <p14:creationId xmlns:p14="http://schemas.microsoft.com/office/powerpoint/2010/main" val="3047765999"/>
+      </p:ext>
+    </p:extLst>
+  </p:cSld>
+  <p:clrMapOvr>
+    <a:masterClrMapping/>
+  </p:clrMapOvr>
+</p:sld>
+</file>
+
+<file path=ppt/slides/slide21.xml><?xml version="1.0" encoding="utf-8"?>
+<p:sld xmlns:a="http://schemas.openxmlformats.org/drawingml/2006/main" xmlns:r="http://schemas.openxmlformats.org/officeDocument/2006/relationships" xmlns:p="http://schemas.openxmlformats.org/presentationml/2006/main">
+  <p:cSld>
+    <p:spTree>
+      <p:nvGrpSpPr>
+        <p:cNvPr id="1" name=""/>
+        <p:cNvGrpSpPr/>
+        <p:nvPr/>
+      </p:nvGrpSpPr>
+      <p:grpSpPr>
+        <a:xfrm>
+          <a:off x="0" y="0"/>
+          <a:ext cx="0" cy="0"/>
+          <a:chOff x="0" y="0"/>
+          <a:chExt cx="0" cy="0"/>
+        </a:xfrm>
+      </p:grpSpPr>
+      <p:sp>
+        <p:nvSpPr>
+          <p:cNvPr id="2" name="Title 1">
+            <a:extLst>
+              <a:ext uri="{FF2B5EF4-FFF2-40B4-BE49-F238E27FC236}">
+                <a16:creationId xmlns:a16="http://schemas.microsoft.com/office/drawing/2014/main" id="{EAC21DF4-B5D8-42BF-B0B7-9D5EB98FC8C4}"/>
+              </a:ext>
+            </a:extLst>
+          </p:cNvPr>
+          <p:cNvSpPr>
+            <a:spLocks noGrp="1"/>
+          </p:cNvSpPr>
+          <p:nvPr>
+            <p:ph type="title"/>
+          </p:nvPr>
+        </p:nvSpPr>
+        <p:spPr/>
+        <p:txBody>
+          <a:bodyPr/>
+          <a:lstStyle/>
+          <a:p>
+            <a:r>
+              <a:rPr lang="en-US" dirty="0">
+                <a:latin typeface="PT Sans" panose="020B0503020203020204" pitchFamily="34" charset="0"/>
+              </a:rPr>
+              <a:t>Additional Form for each stage</a:t>
+            </a:r>
+          </a:p>
+        </p:txBody>
+      </p:sp>
+      <p:sp>
+        <p:nvSpPr>
+          <p:cNvPr id="3" name="Content Placeholder 2">
+            <a:extLst>
+              <a:ext uri="{FF2B5EF4-FFF2-40B4-BE49-F238E27FC236}">
+                <a16:creationId xmlns:a16="http://schemas.microsoft.com/office/drawing/2014/main" id="{D733F109-51BC-44E4-868F-D83E7E6D759F}"/>
+              </a:ext>
+            </a:extLst>
+          </p:cNvPr>
+          <p:cNvSpPr>
+            <a:spLocks noGrp="1"/>
+          </p:cNvSpPr>
+          <p:nvPr>
+            <p:ph idx="1"/>
+          </p:nvPr>
+        </p:nvSpPr>
+        <p:spPr/>
+        <p:txBody>
+          <a:bodyPr>
+            <a:normAutofit/>
+          </a:bodyPr>
+          <a:lstStyle/>
+          <a:p>
+            <a:r>
+              <a:rPr lang="en-US" dirty="0">
+                <a:latin typeface="PT Sans" panose="020B0503020203020204" pitchFamily="34" charset="0"/>
+              </a:rPr>
+              <a:t>In case of any stage required additional form,</a:t>
+            </a:r>
+          </a:p>
+          <a:p>
+            <a:pPr lvl="1"/>
+            <a:r>
+              <a:rPr lang="en-US" dirty="0">
+                <a:latin typeface="PT Sans" panose="020B0503020203020204" pitchFamily="34" charset="0"/>
+              </a:rPr>
+              <a:t>Render it in class component along side with </a:t>
+            </a:r>
+            <a:r>
+              <a:rPr lang="en-US" dirty="0" err="1">
+                <a:latin typeface="PT Sans" panose="020B0503020203020204" pitchFamily="34" charset="0"/>
+              </a:rPr>
+              <a:t>ReusableForm</a:t>
+            </a:r>
+            <a:endParaRPr lang="en-US" dirty="0">
+              <a:latin typeface="PT Sans" panose="020B0503020203020204" pitchFamily="34" charset="0"/>
+            </a:endParaRPr>
+          </a:p>
+          <a:p>
+            <a:pPr lvl="1"/>
+            <a:r>
+              <a:rPr lang="en-US" dirty="0">
+                <a:solidFill>
+                  <a:srgbClr val="FF0000"/>
+                </a:solidFill>
+                <a:latin typeface="PT Sans" panose="020B0503020203020204" pitchFamily="34" charset="0"/>
+              </a:rPr>
+              <a:t>Keep in mind </a:t>
+            </a:r>
+            <a:r>
+              <a:rPr lang="en-US" dirty="0">
+                <a:latin typeface="PT Sans" panose="020B0503020203020204" pitchFamily="34" charset="0"/>
+              </a:rPr>
+              <a:t>the following functionalities</a:t>
+            </a:r>
+          </a:p>
+          <a:p>
+            <a:pPr lvl="2"/>
+            <a:r>
+              <a:rPr lang="en-US" dirty="0">
+                <a:latin typeface="PT Sans" panose="020B0503020203020204" pitchFamily="34" charset="0"/>
+              </a:rPr>
+              <a:t>Form rendering</a:t>
+            </a:r>
+          </a:p>
+          <a:p>
+            <a:pPr lvl="2"/>
+            <a:r>
+              <a:rPr lang="en-US" dirty="0">
+                <a:latin typeface="PT Sans" panose="020B0503020203020204" pitchFamily="34" charset="0"/>
+              </a:rPr>
+              <a:t>Draft saving</a:t>
+            </a:r>
+          </a:p>
+          <a:p>
+            <a:pPr lvl="2"/>
+            <a:r>
+              <a:rPr lang="en-US" dirty="0">
+                <a:latin typeface="PT Sans" panose="020B0503020203020204" pitchFamily="34" charset="0"/>
+              </a:rPr>
+              <a:t>Update related data***</a:t>
+            </a:r>
+          </a:p>
+        </p:txBody>
+      </p:sp>
+      <p:sp>
+        <p:nvSpPr>
+          <p:cNvPr id="4" name="Footer Placeholder 3">
+            <a:extLst>
+              <a:ext uri="{FF2B5EF4-FFF2-40B4-BE49-F238E27FC236}">
+                <a16:creationId xmlns:a16="http://schemas.microsoft.com/office/drawing/2014/main" id="{45719C4E-EF50-4DC1-A4D3-467AAE697EE6}"/>
+              </a:ext>
+            </a:extLst>
+          </p:cNvPr>
+          <p:cNvSpPr>
+            <a:spLocks noGrp="1"/>
+          </p:cNvSpPr>
+          <p:nvPr>
+            <p:ph type="ftr" sz="quarter" idx="11"/>
+          </p:nvPr>
+        </p:nvSpPr>
+        <p:spPr/>
+        <p:txBody>
+          <a:bodyPr/>
+          <a:lstStyle/>
+          <a:p>
+            <a:r>
+              <a:rPr lang="en-US"/>
+              <a:t>Proposed by Tanapol Wong-asa (2022)</a:t>
+            </a:r>
+          </a:p>
+        </p:txBody>
+      </p:sp>
+      <p:sp>
+        <p:nvSpPr>
+          <p:cNvPr id="5" name="Slide Number Placeholder 4">
+            <a:extLst>
+              <a:ext uri="{FF2B5EF4-FFF2-40B4-BE49-F238E27FC236}">
+                <a16:creationId xmlns:a16="http://schemas.microsoft.com/office/drawing/2014/main" id="{FA3A26A8-ADEA-4143-AA80-F4FDA60FEFC6}"/>
+              </a:ext>
+            </a:extLst>
+          </p:cNvPr>
+          <p:cNvSpPr>
+            <a:spLocks noGrp="1"/>
+          </p:cNvSpPr>
+          <p:nvPr>
+            <p:ph type="sldNum" sz="quarter" idx="12"/>
+          </p:nvPr>
+        </p:nvSpPr>
+        <p:spPr/>
+        <p:txBody>
+          <a:bodyPr/>
+          <a:lstStyle/>
+          <a:p>
+            <a:fld id="{FFF3E01E-F0E0-46B5-B925-62E3304D3077}" type="slidenum">
+              <a:rPr lang="en-US" smtClean="0"/>
+              <a:t>21</a:t>
+            </a:fld>
+            <a:endParaRPr lang="en-US"/>
+          </a:p>
+        </p:txBody>
+      </p:sp>
+      <mc:AlternateContent xmlns:mc="http://schemas.openxmlformats.org/markup-compatibility/2006">
+        <mc:Choice xmlns:p14="http://schemas.microsoft.com/office/powerpoint/2010/main" Requires="p14">
+          <p:contentPart p14:bwMode="auto" r:id="rId2">
+            <p14:nvContentPartPr>
+              <p14:cNvPr id="6" name="Ink 5">
+                <a:extLst>
+                  <a:ext uri="{FF2B5EF4-FFF2-40B4-BE49-F238E27FC236}">
+                    <a16:creationId xmlns:a16="http://schemas.microsoft.com/office/drawing/2014/main" id="{7E7DF0CD-4CB4-4352-B891-2F2359A70F49}"/>
+                  </a:ext>
+                </a:extLst>
+              </p14:cNvPr>
+              <p14:cNvContentPartPr/>
+              <p14:nvPr/>
+            </p14:nvContentPartPr>
+            <p14:xfrm>
+              <a:off x="967463" y="958600"/>
+              <a:ext cx="360" cy="360"/>
+            </p14:xfrm>
+          </p:contentPart>
+        </mc:Choice>
+        <mc:Fallback>
+          <p:pic>
+            <p:nvPicPr>
+              <p:cNvPr id="6" name="Ink 5">
+                <a:extLst>
+                  <a:ext uri="{FF2B5EF4-FFF2-40B4-BE49-F238E27FC236}">
+                    <a16:creationId xmlns:a16="http://schemas.microsoft.com/office/drawing/2014/main" id="{7E7DF0CD-4CB4-4352-B891-2F2359A70F49}"/>
+                  </a:ext>
+                </a:extLst>
+              </p:cNvPr>
+              <p:cNvPicPr/>
+              <p:nvPr/>
+            </p:nvPicPr>
+            <p:blipFill>
+              <a:blip r:embed="rId3"/>
+              <a:stretch>
+                <a:fillRect/>
+              </a:stretch>
+            </p:blipFill>
+            <p:spPr>
+              <a:xfrm>
+                <a:off x="958463" y="949600"/>
+                <a:ext cx="18000" cy="18000"/>
+              </a:xfrm>
+              <a:prstGeom prst="rect">
+                <a:avLst/>
+              </a:prstGeom>
+            </p:spPr>
+          </p:pic>
+        </mc:Fallback>
+      </mc:AlternateContent>
+      <p:pic>
+        <p:nvPicPr>
+          <p:cNvPr id="8" name="Picture 7">
+            <a:extLst>
+              <a:ext uri="{FF2B5EF4-FFF2-40B4-BE49-F238E27FC236}">
+                <a16:creationId xmlns:a16="http://schemas.microsoft.com/office/drawing/2014/main" id="{79FD47F0-5D6F-467A-BD38-9547106983CB}"/>
+              </a:ext>
+            </a:extLst>
+          </p:cNvPr>
+          <p:cNvPicPr>
+            <a:picLocks noChangeAspect="1"/>
+          </p:cNvPicPr>
           <p:nvPr/>
-        </p:nvSpPr>
+        </p:nvPicPr>
+        <p:blipFill>
+          <a:blip r:embed="rId4"/>
+          <a:stretch>
+            <a:fillRect/>
+          </a:stretch>
+        </p:blipFill>
         <p:spPr>
           <a:xfrm>
-            <a:off x="0" y="88777"/>
-            <a:ext cx="12197918" cy="6709529"/>
+            <a:off x="5028461" y="3140061"/>
+            <a:ext cx="4458322" cy="2619741"/>
           </a:xfrm>
           <a:prstGeom prst="rect">
             <a:avLst/>
           </a:prstGeom>
-          <a:noFill/>
         </p:spPr>
+      </p:pic>
+    </p:spTree>
+    <p:extLst>
+      <p:ext uri="{BB962C8B-B14F-4D97-AF65-F5344CB8AC3E}">
+        <p14:creationId xmlns:p14="http://schemas.microsoft.com/office/powerpoint/2010/main" val="2835604407"/>
+      </p:ext>
+    </p:extLst>
+  </p:cSld>
+  <p:clrMapOvr>
+    <a:masterClrMapping/>
+  </p:clrMapOvr>
+</p:sld>
+</file>
+
+<file path=ppt/slides/slide22.xml><?xml version="1.0" encoding="utf-8"?>
+<p:sld xmlns:a="http://schemas.openxmlformats.org/drawingml/2006/main" xmlns:r="http://schemas.openxmlformats.org/officeDocument/2006/relationships" xmlns:p="http://schemas.openxmlformats.org/presentationml/2006/main">
+  <p:cSld>
+    <p:spTree>
+      <p:nvGrpSpPr>
+        <p:cNvPr id="1" name=""/>
+        <p:cNvGrpSpPr/>
+        <p:nvPr/>
+      </p:nvGrpSpPr>
+      <p:grpSpPr>
+        <a:xfrm>
+          <a:off x="0" y="0"/>
+          <a:ext cx="0" cy="0"/>
+          <a:chOff x="0" y="0"/>
+          <a:chExt cx="0" cy="0"/>
+        </a:xfrm>
+      </p:grpSpPr>
+      <p:sp>
+        <p:nvSpPr>
+          <p:cNvPr id="2" name="Title 1">
+            <a:extLst>
+              <a:ext uri="{FF2B5EF4-FFF2-40B4-BE49-F238E27FC236}">
+                <a16:creationId xmlns:a16="http://schemas.microsoft.com/office/drawing/2014/main" id="{7B20E4DF-C8BF-4940-987D-4F2ADFF1C81C}"/>
+              </a:ext>
+            </a:extLst>
+          </p:cNvPr>
+          <p:cNvSpPr>
+            <a:spLocks noGrp="1"/>
+          </p:cNvSpPr>
+          <p:nvPr>
+            <p:ph type="title"/>
+          </p:nvPr>
+        </p:nvSpPr>
+        <p:spPr/>
         <p:txBody>
-          <a:bodyPr wrap="square" rtlCol="0">
-            <a:spAutoFit/>
-          </a:bodyPr>
+          <a:bodyPr/>
           <a:lstStyle/>
           <a:p>
             <a:r>
-              <a:rPr lang="en-US" sz="1000" dirty="0"/>
-              <a:t>@startuml</a:t>
-            </a:r>
-          </a:p>
-          <a:p>
-            <a:r>
-              <a:rPr lang="en-US" sz="1000" dirty="0"/>
-              <a:t>interface </a:t>
-            </a:r>
-            <a:r>
-              <a:rPr lang="en-US" sz="1000" dirty="0" err="1"/>
-              <a:t>StageForm</a:t>
-            </a:r>
-            <a:r>
-              <a:rPr lang="en-US" sz="1000" dirty="0"/>
-              <a:t>{</a:t>
-            </a:r>
-          </a:p>
-          <a:p>
-            <a:r>
-              <a:rPr lang="en-US" sz="1000" dirty="0"/>
-              <a:t>    + </a:t>
-            </a:r>
-            <a:r>
-              <a:rPr lang="en-US" sz="1000" dirty="0" err="1"/>
-              <a:t>changeStage</a:t>
-            </a:r>
-            <a:r>
-              <a:rPr lang="en-US" sz="1000" dirty="0"/>
-              <a:t>()</a:t>
-            </a:r>
-          </a:p>
-          <a:p>
-            <a:r>
-              <a:rPr lang="en-US" sz="1000" dirty="0"/>
-              <a:t>    + </a:t>
-            </a:r>
-            <a:r>
-              <a:rPr lang="en-US" sz="1000" dirty="0" err="1"/>
-              <a:t>renderForm</a:t>
-            </a:r>
-            <a:r>
-              <a:rPr lang="en-US" sz="1000" dirty="0"/>
-              <a:t>(): </a:t>
-            </a:r>
-            <a:r>
-              <a:rPr lang="en-US" sz="1000" dirty="0" err="1"/>
-              <a:t>ReactNode</a:t>
-            </a:r>
-            <a:endParaRPr lang="en-US" sz="1000" dirty="0"/>
-          </a:p>
-          <a:p>
-            <a:r>
-              <a:rPr lang="en-US" sz="1000" dirty="0"/>
-              <a:t>    + </a:t>
-            </a:r>
-            <a:r>
-              <a:rPr lang="en-US" sz="1000" dirty="0" err="1"/>
-              <a:t>handleSubmit</a:t>
-            </a:r>
-            <a:r>
-              <a:rPr lang="en-US" sz="1000" dirty="0"/>
-              <a:t>(): void</a:t>
-            </a:r>
-          </a:p>
-          <a:p>
-            <a:r>
-              <a:rPr lang="en-US" sz="1000" dirty="0"/>
-              <a:t>    - </a:t>
-            </a:r>
-            <a:r>
-              <a:rPr lang="en-US" sz="1000" dirty="0" err="1"/>
-              <a:t>preprocessFormData</a:t>
-            </a:r>
-            <a:r>
-              <a:rPr lang="en-US" sz="1000" dirty="0"/>
-              <a:t>(): void</a:t>
-            </a:r>
-          </a:p>
-          <a:p>
-            <a:r>
-              <a:rPr lang="en-US" sz="1000" dirty="0"/>
-              <a:t>    - </a:t>
-            </a:r>
-            <a:r>
-              <a:rPr lang="en-US" sz="1000" dirty="0" err="1"/>
-              <a:t>handleOnChange</a:t>
-            </a:r>
-            <a:r>
-              <a:rPr lang="en-US" sz="1000" dirty="0"/>
-              <a:t>(): void</a:t>
-            </a:r>
-          </a:p>
-          <a:p>
-            <a:r>
-              <a:rPr lang="en-US" sz="1000" dirty="0"/>
-              <a:t>}</a:t>
-            </a:r>
-          </a:p>
-          <a:p>
-            <a:endParaRPr lang="en-US" sz="1000" dirty="0"/>
-          </a:p>
-          <a:p>
-            <a:r>
-              <a:rPr lang="en-US" sz="1000" dirty="0"/>
-              <a:t>abstract class </a:t>
-            </a:r>
-            <a:r>
-              <a:rPr lang="en-US" sz="1000" dirty="0" err="1"/>
-              <a:t>IntegrationStageForm</a:t>
-            </a:r>
-            <a:r>
-              <a:rPr lang="en-US" sz="1000" dirty="0"/>
-              <a:t> implements </a:t>
-            </a:r>
-            <a:r>
-              <a:rPr lang="en-US" sz="1000" dirty="0" err="1"/>
-              <a:t>StageForm</a:t>
-            </a:r>
-            <a:r>
-              <a:rPr lang="en-US" sz="1000" dirty="0"/>
-              <a:t>{</a:t>
-            </a:r>
-          </a:p>
-          <a:p>
-            <a:r>
-              <a:rPr lang="en-US" sz="1000" dirty="0"/>
-              <a:t>    + {abstract} </a:t>
-            </a:r>
-            <a:r>
-              <a:rPr lang="en-US" sz="1000" dirty="0" err="1"/>
-              <a:t>validateIntegrationForm</a:t>
-            </a:r>
-            <a:r>
-              <a:rPr lang="en-US" sz="1000" dirty="0"/>
-              <a:t>(): </a:t>
-            </a:r>
-            <a:r>
-              <a:rPr lang="en-US" sz="1000" dirty="0" err="1"/>
-              <a:t>boolean</a:t>
-            </a:r>
-            <a:endParaRPr lang="en-US" sz="1000" dirty="0"/>
-          </a:p>
-          <a:p>
-            <a:r>
-              <a:rPr lang="en-US" sz="1000" dirty="0"/>
-              <a:t>}</a:t>
-            </a:r>
-          </a:p>
-          <a:p>
-            <a:r>
-              <a:rPr lang="en-US" sz="1000" dirty="0"/>
-              <a:t>abstract class </a:t>
-            </a:r>
-            <a:r>
-              <a:rPr lang="en-US" sz="1000" dirty="0" err="1"/>
-              <a:t>InterfaceStageForm</a:t>
-            </a:r>
-            <a:r>
-              <a:rPr lang="en-US" sz="1000" dirty="0"/>
-              <a:t> implements </a:t>
-            </a:r>
-            <a:r>
-              <a:rPr lang="en-US" sz="1000" dirty="0" err="1"/>
-              <a:t>StageForm</a:t>
-            </a:r>
-            <a:r>
-              <a:rPr lang="en-US" sz="1000" dirty="0"/>
-              <a:t>{</a:t>
-            </a:r>
-          </a:p>
-          <a:p>
-            <a:r>
-              <a:rPr lang="en-US" sz="1000" dirty="0"/>
-              <a:t>    + {abstract} </a:t>
-            </a:r>
-            <a:r>
-              <a:rPr lang="en-US" sz="1000" dirty="0" err="1"/>
-              <a:t>validateInterfaceForm</a:t>
-            </a:r>
-            <a:r>
-              <a:rPr lang="en-US" sz="1000" dirty="0"/>
-              <a:t>(): </a:t>
-            </a:r>
-            <a:r>
-              <a:rPr lang="en-US" sz="1000" dirty="0" err="1"/>
-              <a:t>boolean</a:t>
-            </a:r>
-            <a:endParaRPr lang="en-US" sz="1000" dirty="0"/>
-          </a:p>
-          <a:p>
-            <a:r>
-              <a:rPr lang="en-US" sz="1000" dirty="0"/>
-              <a:t>}</a:t>
-            </a:r>
-          </a:p>
-          <a:p>
-            <a:r>
-              <a:rPr lang="en-US" sz="1000" dirty="0"/>
-              <a:t>abstract class </a:t>
-            </a:r>
-            <a:r>
-              <a:rPr lang="en-US" sz="1000" dirty="0" err="1"/>
-              <a:t>ConnectionStageForm</a:t>
-            </a:r>
-            <a:r>
-              <a:rPr lang="en-US" sz="1000" dirty="0"/>
-              <a:t> implements </a:t>
-            </a:r>
-            <a:r>
-              <a:rPr lang="en-US" sz="1000" dirty="0" err="1"/>
-              <a:t>StageForm</a:t>
-            </a:r>
-            <a:r>
-              <a:rPr lang="en-US" sz="1000" dirty="0"/>
-              <a:t>{</a:t>
-            </a:r>
-          </a:p>
-          <a:p>
-            <a:r>
-              <a:rPr lang="en-US" sz="1000" dirty="0"/>
-              <a:t>     + {abstract} </a:t>
-            </a:r>
-            <a:r>
-              <a:rPr lang="en-US" sz="1000" dirty="0" err="1"/>
-              <a:t>validateConnetionForm</a:t>
-            </a:r>
-            <a:r>
-              <a:rPr lang="en-US" sz="1000" dirty="0"/>
-              <a:t>(): </a:t>
-            </a:r>
-            <a:r>
-              <a:rPr lang="en-US" sz="1000" dirty="0" err="1"/>
-              <a:t>boolean</a:t>
-            </a:r>
-            <a:endParaRPr lang="en-US" sz="1000" dirty="0"/>
-          </a:p>
-          <a:p>
-            <a:r>
-              <a:rPr lang="en-US" sz="1000" dirty="0"/>
-              <a:t>}</a:t>
-            </a:r>
-          </a:p>
-          <a:p>
-            <a:endParaRPr lang="en-US" sz="1000" dirty="0"/>
-          </a:p>
-          <a:p>
-            <a:r>
-              <a:rPr lang="en-US" sz="1000" dirty="0"/>
-              <a:t>class </a:t>
-            </a:r>
-            <a:r>
-              <a:rPr lang="en-US" sz="1000" dirty="0" err="1"/>
-              <a:t>WMIntegrationStageForm</a:t>
-            </a:r>
-            <a:r>
-              <a:rPr lang="en-US" sz="1000" dirty="0"/>
-              <a:t> extends </a:t>
-            </a:r>
-            <a:r>
-              <a:rPr lang="en-US" sz="1000" dirty="0" err="1"/>
-              <a:t>IntegrationStageForm</a:t>
-            </a:r>
-            <a:r>
-              <a:rPr lang="en-US" sz="1000" dirty="0"/>
-              <a:t> {</a:t>
-            </a:r>
-          </a:p>
-          <a:p>
-            <a:r>
-              <a:rPr lang="en-US" sz="1000" dirty="0"/>
-              <a:t>    - </a:t>
-            </a:r>
-            <a:r>
-              <a:rPr lang="en-US" sz="1000" dirty="0" err="1"/>
-              <a:t>formList</a:t>
-            </a:r>
-            <a:r>
-              <a:rPr lang="en-US" sz="1000" dirty="0"/>
-              <a:t>: Object[]</a:t>
-            </a:r>
-          </a:p>
-          <a:p>
-            <a:r>
-              <a:rPr lang="en-US" sz="1000" dirty="0"/>
-              <a:t>    - helperFunc1(): any</a:t>
-            </a:r>
-          </a:p>
-          <a:p>
-            <a:r>
-              <a:rPr lang="en-US" sz="1000" dirty="0"/>
-              <a:t>}</a:t>
-            </a:r>
-          </a:p>
-          <a:p>
-            <a:r>
-              <a:rPr lang="en-US" sz="1000" dirty="0"/>
-              <a:t>class </a:t>
-            </a:r>
-            <a:r>
-              <a:rPr lang="en-US" sz="1000" dirty="0" err="1"/>
-              <a:t>ATIntegrationStageForm</a:t>
-            </a:r>
-            <a:r>
-              <a:rPr lang="en-US" sz="1000" dirty="0"/>
-              <a:t> extends </a:t>
-            </a:r>
-            <a:r>
-              <a:rPr lang="en-US" sz="1000" dirty="0" err="1"/>
-              <a:t>IntegrationStageForm</a:t>
-            </a:r>
-            <a:r>
-              <a:rPr lang="en-US" sz="1000" dirty="0"/>
-              <a:t> {</a:t>
-            </a:r>
-          </a:p>
-          <a:p>
-            <a:r>
-              <a:rPr lang="en-US" sz="1000" dirty="0"/>
-              <a:t>    - </a:t>
-            </a:r>
-            <a:r>
-              <a:rPr lang="en-US" sz="1000" dirty="0" err="1"/>
-              <a:t>formList</a:t>
-            </a:r>
-            <a:r>
-              <a:rPr lang="en-US" sz="1000" dirty="0"/>
-              <a:t>: Object[]</a:t>
-            </a:r>
-          </a:p>
-          <a:p>
-            <a:r>
-              <a:rPr lang="en-US" sz="1000" dirty="0"/>
-              <a:t>    - helperFunc2(): any</a:t>
-            </a:r>
-          </a:p>
-          <a:p>
-            <a:r>
-              <a:rPr lang="en-US" sz="1000" dirty="0"/>
-              <a:t>}</a:t>
-            </a:r>
-          </a:p>
-          <a:p>
-            <a:r>
-              <a:rPr lang="en-US" sz="1000" dirty="0"/>
-              <a:t>class </a:t>
-            </a:r>
-            <a:r>
-              <a:rPr lang="en-US" sz="1000" dirty="0" err="1"/>
-              <a:t>SAPIntegrationStageForm</a:t>
-            </a:r>
-            <a:r>
-              <a:rPr lang="en-US" sz="1000" dirty="0"/>
-              <a:t> extends </a:t>
-            </a:r>
-            <a:r>
-              <a:rPr lang="en-US" sz="1000" dirty="0" err="1"/>
-              <a:t>IntegrationStageForm</a:t>
-            </a:r>
-            <a:r>
-              <a:rPr lang="en-US" sz="1000" dirty="0"/>
-              <a:t> {</a:t>
-            </a:r>
-          </a:p>
-          <a:p>
-            <a:r>
-              <a:rPr lang="en-US" sz="1000" dirty="0"/>
-              <a:t>    - </a:t>
-            </a:r>
-            <a:r>
-              <a:rPr lang="en-US" sz="1000" dirty="0" err="1"/>
-              <a:t>formList</a:t>
-            </a:r>
-            <a:r>
-              <a:rPr lang="en-US" sz="1000" dirty="0"/>
-              <a:t>: Object[]</a:t>
-            </a:r>
-          </a:p>
-          <a:p>
-            <a:r>
-              <a:rPr lang="en-US" sz="1000" dirty="0"/>
-              <a:t>    - helperFunc3(): any</a:t>
-            </a:r>
-          </a:p>
-          <a:p>
-            <a:r>
-              <a:rPr lang="en-US" sz="1000" dirty="0"/>
-              <a:t>}</a:t>
-            </a:r>
-          </a:p>
-          <a:p>
-            <a:endParaRPr lang="en-US" sz="1000" dirty="0"/>
-          </a:p>
-          <a:p>
-            <a:endParaRPr lang="en-US" sz="1000" dirty="0"/>
-          </a:p>
-          <a:p>
-            <a:r>
-              <a:rPr lang="en-US" sz="1000" dirty="0"/>
-              <a:t>abstract class </a:t>
-            </a:r>
-            <a:r>
-              <a:rPr lang="en-US" sz="1000" dirty="0" err="1"/>
-              <a:t>FormCreator</a:t>
-            </a:r>
-            <a:r>
-              <a:rPr lang="en-US" sz="1000" dirty="0"/>
-              <a:t>{</a:t>
-            </a:r>
-          </a:p>
-          <a:p>
-            <a:r>
-              <a:rPr lang="en-US" sz="1000" dirty="0"/>
-              <a:t>    + render(): </a:t>
-            </a:r>
-            <a:r>
-              <a:rPr lang="en-US" sz="1000" dirty="0" err="1"/>
-              <a:t>ReactNode</a:t>
-            </a:r>
-            <a:endParaRPr lang="en-US" sz="1000" dirty="0"/>
-          </a:p>
-          <a:p>
-            <a:r>
-              <a:rPr lang="en-US" sz="1000" dirty="0"/>
-              <a:t>    + {abstract} </a:t>
-            </a:r>
-            <a:r>
-              <a:rPr lang="en-US" sz="1000" dirty="0" err="1"/>
-              <a:t>createForm</a:t>
-            </a:r>
-            <a:r>
-              <a:rPr lang="en-US" sz="1000" dirty="0"/>
-              <a:t>(): </a:t>
-            </a:r>
-            <a:r>
-              <a:rPr lang="en-US" sz="1000" dirty="0" err="1"/>
-              <a:t>StageForm</a:t>
-            </a:r>
-            <a:endParaRPr lang="en-US" sz="1000" dirty="0"/>
-          </a:p>
-          <a:p>
-            <a:r>
-              <a:rPr lang="en-US" sz="1000" dirty="0"/>
-              <a:t>}</a:t>
-            </a:r>
-          </a:p>
-          <a:p>
-            <a:r>
-              <a:rPr lang="en-US" sz="1000" dirty="0"/>
-              <a:t>class </a:t>
-            </a:r>
-            <a:r>
-              <a:rPr lang="en-US" sz="1000" dirty="0" err="1"/>
-              <a:t>IntegrationFormCreator</a:t>
-            </a:r>
-            <a:r>
-              <a:rPr lang="en-US" sz="1000" dirty="0"/>
-              <a:t> extends </a:t>
-            </a:r>
-            <a:r>
-              <a:rPr lang="en-US" sz="1000" dirty="0" err="1"/>
-              <a:t>FormCreator</a:t>
-            </a:r>
-            <a:r>
-              <a:rPr lang="en-US" sz="1000" dirty="0"/>
-              <a:t>{}</a:t>
-            </a:r>
-          </a:p>
-          <a:p>
-            <a:r>
-              <a:rPr lang="en-US" sz="1000" dirty="0"/>
-              <a:t>class </a:t>
-            </a:r>
-            <a:r>
-              <a:rPr lang="en-US" sz="1000" dirty="0" err="1"/>
-              <a:t>InterfaceFormCreator</a:t>
-            </a:r>
-            <a:r>
-              <a:rPr lang="en-US" sz="1000" dirty="0"/>
-              <a:t> extends </a:t>
-            </a:r>
-            <a:r>
-              <a:rPr lang="en-US" sz="1000" dirty="0" err="1"/>
-              <a:t>FormCreator</a:t>
-            </a:r>
-            <a:r>
-              <a:rPr lang="en-US" sz="1000" dirty="0"/>
-              <a:t>{}</a:t>
-            </a:r>
-          </a:p>
-          <a:p>
-            <a:r>
-              <a:rPr lang="en-US" sz="1000" dirty="0"/>
-              <a:t>class </a:t>
-            </a:r>
-            <a:r>
-              <a:rPr lang="en-US" sz="1000" dirty="0" err="1"/>
-              <a:t>ConnectionFormCreator</a:t>
-            </a:r>
-            <a:r>
-              <a:rPr lang="en-US" sz="1000" dirty="0"/>
-              <a:t> extends </a:t>
-            </a:r>
-            <a:r>
-              <a:rPr lang="en-US" sz="1000" dirty="0" err="1"/>
-              <a:t>FormCreator</a:t>
-            </a:r>
-            <a:r>
-              <a:rPr lang="en-US" sz="1000" dirty="0"/>
-              <a:t>{}</a:t>
-            </a:r>
-          </a:p>
-          <a:p>
-            <a:endParaRPr lang="en-US" sz="1000" dirty="0"/>
-          </a:p>
-          <a:p>
-            <a:r>
-              <a:rPr lang="en-US" sz="1000" dirty="0" err="1"/>
-              <a:t>FormCreator</a:t>
-            </a:r>
-            <a:r>
-              <a:rPr lang="en-US" sz="1000" dirty="0"/>
-              <a:t> ...&gt; </a:t>
-            </a:r>
-            <a:r>
-              <a:rPr lang="en-US" sz="1000" dirty="0" err="1"/>
-              <a:t>StageForm</a:t>
-            </a:r>
-            <a:endParaRPr lang="en-US" sz="1000" dirty="0"/>
-          </a:p>
-          <a:p>
-            <a:r>
-              <a:rPr lang="en-US" sz="1000" dirty="0"/>
-              <a:t>@enduml</a:t>
-            </a:r>
+              <a:rPr lang="en-US" dirty="0"/>
+              <a:t>Breaking the pattern</a:t>
+            </a:r>
+          </a:p>
+        </p:txBody>
+      </p:sp>
+      <p:sp>
+        <p:nvSpPr>
+          <p:cNvPr id="3" name="Content Placeholder 2">
+            <a:extLst>
+              <a:ext uri="{FF2B5EF4-FFF2-40B4-BE49-F238E27FC236}">
+                <a16:creationId xmlns:a16="http://schemas.microsoft.com/office/drawing/2014/main" id="{2D419D04-8C91-4459-9BBB-0E13F94EF54E}"/>
+              </a:ext>
+            </a:extLst>
+          </p:cNvPr>
+          <p:cNvSpPr>
+            <a:spLocks noGrp="1"/>
+          </p:cNvSpPr>
+          <p:nvPr>
+            <p:ph idx="1"/>
+          </p:nvPr>
+        </p:nvSpPr>
+        <p:spPr/>
+        <p:txBody>
+          <a:bodyPr/>
+          <a:lstStyle/>
+          <a:p>
+            <a:r>
+              <a:rPr lang="en-US" dirty="0"/>
+              <a:t>Some component might need a specific implementation</a:t>
+            </a:r>
+          </a:p>
+          <a:p>
+            <a:r>
+              <a:rPr lang="en-US" dirty="0"/>
+              <a:t>First, try to follow the pattern.</a:t>
+            </a:r>
+          </a:p>
+          <a:p>
+            <a:r>
+              <a:rPr lang="en-US" dirty="0"/>
+              <a:t>If couldn’t be done, </a:t>
+            </a:r>
+            <a:r>
+              <a:rPr lang="en-US" dirty="0">
+                <a:solidFill>
+                  <a:srgbClr val="FF0000"/>
+                </a:solidFill>
+              </a:rPr>
+              <a:t>ignore</a:t>
+            </a:r>
+            <a:r>
+              <a:rPr lang="en-US" dirty="0"/>
+              <a:t> the pattern then…</a:t>
+            </a:r>
+          </a:p>
+          <a:p>
+            <a:pPr lvl="1"/>
+            <a:r>
+              <a:rPr lang="en-US" dirty="0"/>
+              <a:t>Document </a:t>
+            </a:r>
+            <a:r>
+              <a:rPr lang="en-US" dirty="0">
+                <a:solidFill>
+                  <a:srgbClr val="FF0000"/>
+                </a:solidFill>
+              </a:rPr>
+              <a:t>what break </a:t>
+            </a:r>
+            <a:r>
+              <a:rPr lang="en-US" dirty="0"/>
+              <a:t>the pattern</a:t>
+            </a:r>
+          </a:p>
+          <a:p>
+            <a:pPr lvl="1"/>
+            <a:r>
+              <a:rPr lang="en-US" dirty="0"/>
+              <a:t>Document </a:t>
+            </a:r>
+            <a:r>
+              <a:rPr lang="en-US" dirty="0">
+                <a:solidFill>
+                  <a:srgbClr val="FF0000"/>
+                </a:solidFill>
+              </a:rPr>
+              <a:t>why you need to break </a:t>
+            </a:r>
+            <a:r>
+              <a:rPr lang="en-US" dirty="0"/>
+              <a:t>the pattern</a:t>
+            </a:r>
+          </a:p>
+          <a:p>
+            <a:pPr lvl="1"/>
+            <a:endParaRPr lang="en-US" dirty="0"/>
+          </a:p>
+        </p:txBody>
+      </p:sp>
+      <p:sp>
+        <p:nvSpPr>
+          <p:cNvPr id="4" name="Footer Placeholder 3">
+            <a:extLst>
+              <a:ext uri="{FF2B5EF4-FFF2-40B4-BE49-F238E27FC236}">
+                <a16:creationId xmlns:a16="http://schemas.microsoft.com/office/drawing/2014/main" id="{14EC128E-5D25-4C70-8B70-0D5B7B09E07F}"/>
+              </a:ext>
+            </a:extLst>
+          </p:cNvPr>
+          <p:cNvSpPr>
+            <a:spLocks noGrp="1"/>
+          </p:cNvSpPr>
+          <p:nvPr>
+            <p:ph type="ftr" sz="quarter" idx="11"/>
+          </p:nvPr>
+        </p:nvSpPr>
+        <p:spPr/>
+        <p:txBody>
+          <a:bodyPr/>
+          <a:lstStyle/>
+          <a:p>
+            <a:r>
+              <a:rPr lang="en-US"/>
+              <a:t>Proposed by Tanapol Wong-asa (2022)</a:t>
+            </a:r>
+          </a:p>
+        </p:txBody>
+      </p:sp>
+      <p:sp>
+        <p:nvSpPr>
+          <p:cNvPr id="5" name="Slide Number Placeholder 4">
+            <a:extLst>
+              <a:ext uri="{FF2B5EF4-FFF2-40B4-BE49-F238E27FC236}">
+                <a16:creationId xmlns:a16="http://schemas.microsoft.com/office/drawing/2014/main" id="{FAF2296A-39E3-460A-9DBE-5FA53BC4994D}"/>
+              </a:ext>
+            </a:extLst>
+          </p:cNvPr>
+          <p:cNvSpPr>
+            <a:spLocks noGrp="1"/>
+          </p:cNvSpPr>
+          <p:nvPr>
+            <p:ph type="sldNum" sz="quarter" idx="12"/>
+          </p:nvPr>
+        </p:nvSpPr>
+        <p:spPr/>
+        <p:txBody>
+          <a:bodyPr/>
+          <a:lstStyle/>
+          <a:p>
+            <a:fld id="{FFF3E01E-F0E0-46B5-B925-62E3304D3077}" type="slidenum">
+              <a:rPr lang="en-US" smtClean="0"/>
+              <a:t>22</a:t>
+            </a:fld>
+            <a:endParaRPr lang="en-US"/>
           </a:p>
         </p:txBody>
       </p:sp>
       <p:pic>
         <p:nvPicPr>
-          <p:cNvPr id="49" name="Picture 48">
-            <a:extLst>
-              <a:ext uri="{FF2B5EF4-FFF2-40B4-BE49-F238E27FC236}">
-                <a16:creationId xmlns:a16="http://schemas.microsoft.com/office/drawing/2014/main" id="{266DF458-FEB8-4E62-959D-B81943EA3373}"/>
+          <p:cNvPr id="7" name="Picture 6">
+            <a:extLst>
+              <a:ext uri="{FF2B5EF4-FFF2-40B4-BE49-F238E27FC236}">
+                <a16:creationId xmlns:a16="http://schemas.microsoft.com/office/drawing/2014/main" id="{E17005D6-5A17-4F38-B0D3-5ADC723C4F68}"/>
               </a:ext>
             </a:extLst>
           </p:cNvPr>
@@ -4134,53 +9403,18 @@
         </p:blipFill>
         <p:spPr>
           <a:xfrm>
-            <a:off x="3506680" y="1760831"/>
-            <a:ext cx="7169031" cy="3336337"/>
+            <a:off x="217160" y="4252326"/>
+            <a:ext cx="11526859" cy="1762371"/>
           </a:xfrm>
           <a:prstGeom prst="rect">
             <a:avLst/>
           </a:prstGeom>
         </p:spPr>
       </p:pic>
-      <p:sp>
-        <p:nvSpPr>
-          <p:cNvPr id="2" name="TextBox 1">
-            <a:extLst>
-              <a:ext uri="{FF2B5EF4-FFF2-40B4-BE49-F238E27FC236}">
-                <a16:creationId xmlns:a16="http://schemas.microsoft.com/office/drawing/2014/main" id="{36F3AF32-2A8C-4D6E-B45A-ED13EAF6630C}"/>
-              </a:ext>
-            </a:extLst>
-          </p:cNvPr>
-          <p:cNvSpPr txBox="1"/>
-          <p:nvPr/>
-        </p:nvSpPr>
-        <p:spPr>
-          <a:xfrm>
-            <a:off x="6995604" y="555472"/>
-            <a:ext cx="4556953" cy="369332"/>
-          </a:xfrm>
-          <a:prstGeom prst="rect">
-            <a:avLst/>
-          </a:prstGeom>
-          <a:noFill/>
-        </p:spPr>
-        <p:txBody>
-          <a:bodyPr wrap="none" rtlCol="0">
-            <a:spAutoFit/>
-          </a:bodyPr>
-          <a:lstStyle/>
-          <a:p>
-            <a:r>
-              <a:rPr lang="en-US" dirty="0"/>
-              <a:t>Factory (Friday idea) =&gt; Don’t suit the use case</a:t>
-            </a:r>
-          </a:p>
-        </p:txBody>
-      </p:sp>
     </p:spTree>
     <p:extLst>
       <p:ext uri="{BB962C8B-B14F-4D97-AF65-F5344CB8AC3E}">
-        <p14:creationId xmlns:p14="http://schemas.microsoft.com/office/powerpoint/2010/main" val="2641261991"/>
+        <p14:creationId xmlns:p14="http://schemas.microsoft.com/office/powerpoint/2010/main" val="4116084409"/>
       </p:ext>
     </p:extLst>
   </p:cSld>
@@ -4209,6 +9443,1497 @@
       </p:grpSpPr>
       <p:sp>
         <p:nvSpPr>
+          <p:cNvPr id="2" name="Title 1">
+            <a:extLst>
+              <a:ext uri="{FF2B5EF4-FFF2-40B4-BE49-F238E27FC236}">
+                <a16:creationId xmlns:a16="http://schemas.microsoft.com/office/drawing/2014/main" id="{F7494CF4-57E4-474A-BD17-E1D0498B91F3}"/>
+              </a:ext>
+            </a:extLst>
+          </p:cNvPr>
+          <p:cNvSpPr>
+            <a:spLocks noGrp="1"/>
+          </p:cNvSpPr>
+          <p:nvPr>
+            <p:ph type="title"/>
+          </p:nvPr>
+        </p:nvSpPr>
+        <p:spPr/>
+        <p:txBody>
+          <a:bodyPr/>
+          <a:lstStyle/>
+          <a:p>
+            <a:r>
+              <a:rPr lang="en-US" dirty="0">
+                <a:latin typeface="PT Sans" panose="020B0503020203020204" pitchFamily="34" charset="0"/>
+              </a:rPr>
+              <a:t>Utilizing “Abstract Factory”</a:t>
+            </a:r>
+          </a:p>
+        </p:txBody>
+      </p:sp>
+      <p:sp>
+        <p:nvSpPr>
+          <p:cNvPr id="3" name="Content Placeholder 2">
+            <a:extLst>
+              <a:ext uri="{FF2B5EF4-FFF2-40B4-BE49-F238E27FC236}">
+                <a16:creationId xmlns:a16="http://schemas.microsoft.com/office/drawing/2014/main" id="{7E39772B-9BFF-44E3-9546-345A4E03CC0A}"/>
+              </a:ext>
+            </a:extLst>
+          </p:cNvPr>
+          <p:cNvSpPr>
+            <a:spLocks noGrp="1"/>
+          </p:cNvSpPr>
+          <p:nvPr>
+            <p:ph idx="1"/>
+          </p:nvPr>
+        </p:nvSpPr>
+        <p:spPr/>
+        <p:txBody>
+          <a:bodyPr/>
+          <a:lstStyle/>
+          <a:p>
+            <a:r>
+              <a:rPr lang="en-US" dirty="0" err="1">
+                <a:latin typeface="PT Sans" panose="020B0503020203020204" pitchFamily="34" charset="0"/>
+              </a:rPr>
+              <a:t>EditIntegration</a:t>
+            </a:r>
+            <a:r>
+              <a:rPr lang="en-US" dirty="0">
+                <a:latin typeface="PT Sans" panose="020B0503020203020204" pitchFamily="34" charset="0"/>
+              </a:rPr>
+              <a:t> form has multiple variants</a:t>
+            </a:r>
+          </a:p>
+          <a:p>
+            <a:pPr lvl="1"/>
+            <a:r>
+              <a:rPr lang="en-US" dirty="0">
+                <a:latin typeface="PT Sans" panose="020B0503020203020204" pitchFamily="34" charset="0"/>
+              </a:rPr>
+              <a:t>Integration</a:t>
+            </a:r>
+          </a:p>
+          <a:p>
+            <a:pPr lvl="1"/>
+            <a:r>
+              <a:rPr lang="en-US" dirty="0">
+                <a:latin typeface="PT Sans" panose="020B0503020203020204" pitchFamily="34" charset="0"/>
+              </a:rPr>
+              <a:t>Interface</a:t>
+            </a:r>
+          </a:p>
+          <a:p>
+            <a:pPr lvl="1"/>
+            <a:r>
+              <a:rPr lang="en-US" dirty="0">
+                <a:latin typeface="PT Sans" panose="020B0503020203020204" pitchFamily="34" charset="0"/>
+              </a:rPr>
+              <a:t>Connection</a:t>
+            </a:r>
+          </a:p>
+          <a:p>
+            <a:r>
+              <a:rPr lang="en-US" dirty="0">
+                <a:latin typeface="PT Sans" panose="020B0503020203020204" pitchFamily="34" charset="0"/>
+              </a:rPr>
+              <a:t>Each variant has multiple sub-variants for each service type</a:t>
+            </a:r>
+          </a:p>
+          <a:p>
+            <a:pPr lvl="1"/>
+            <a:r>
+              <a:rPr lang="en-US" dirty="0" err="1">
+                <a:latin typeface="PT Sans" panose="020B0503020203020204" pitchFamily="34" charset="0"/>
+              </a:rPr>
+              <a:t>webMethods</a:t>
+            </a:r>
+            <a:endParaRPr lang="en-US" dirty="0">
+              <a:latin typeface="PT Sans" panose="020B0503020203020204" pitchFamily="34" charset="0"/>
+            </a:endParaRPr>
+          </a:p>
+          <a:p>
+            <a:pPr lvl="1"/>
+            <a:r>
+              <a:rPr lang="en-US" dirty="0" err="1">
+                <a:latin typeface="PT Sans" panose="020B0503020203020204" pitchFamily="34" charset="0"/>
+              </a:rPr>
+              <a:t>ActiveTransfer</a:t>
+            </a:r>
+            <a:endParaRPr lang="en-US" dirty="0">
+              <a:latin typeface="PT Sans" panose="020B0503020203020204" pitchFamily="34" charset="0"/>
+            </a:endParaRPr>
+          </a:p>
+          <a:p>
+            <a:pPr lvl="1"/>
+            <a:r>
+              <a:rPr lang="en-US" dirty="0">
+                <a:latin typeface="PT Sans" panose="020B0503020203020204" pitchFamily="34" charset="0"/>
+              </a:rPr>
+              <a:t>SAP PO</a:t>
+            </a:r>
+          </a:p>
+          <a:p>
+            <a:pPr lvl="1"/>
+            <a:r>
+              <a:rPr lang="en-US" dirty="0" err="1">
+                <a:latin typeface="PT Sans" panose="020B0503020203020204" pitchFamily="34" charset="0"/>
+              </a:rPr>
+              <a:t>webMethods</a:t>
+            </a:r>
+            <a:r>
+              <a:rPr lang="en-US" dirty="0">
+                <a:latin typeface="PT Sans" panose="020B0503020203020204" pitchFamily="34" charset="0"/>
+              </a:rPr>
+              <a:t> IO</a:t>
+            </a:r>
+          </a:p>
+          <a:p>
+            <a:pPr lvl="1"/>
+            <a:r>
+              <a:rPr lang="en-US" dirty="0">
+                <a:latin typeface="PT Sans" panose="020B0503020203020204" pitchFamily="34" charset="0"/>
+              </a:rPr>
+              <a:t>Etc.</a:t>
+            </a:r>
+          </a:p>
+        </p:txBody>
+      </p:sp>
+      <p:sp>
+        <p:nvSpPr>
+          <p:cNvPr id="4" name="Footer Placeholder 3">
+            <a:extLst>
+              <a:ext uri="{FF2B5EF4-FFF2-40B4-BE49-F238E27FC236}">
+                <a16:creationId xmlns:a16="http://schemas.microsoft.com/office/drawing/2014/main" id="{47667EC3-7B90-46A9-BA2C-A7AB66BC02E7}"/>
+              </a:ext>
+            </a:extLst>
+          </p:cNvPr>
+          <p:cNvSpPr>
+            <a:spLocks noGrp="1"/>
+          </p:cNvSpPr>
+          <p:nvPr>
+            <p:ph type="ftr" sz="quarter" idx="11"/>
+          </p:nvPr>
+        </p:nvSpPr>
+        <p:spPr/>
+        <p:txBody>
+          <a:bodyPr/>
+          <a:lstStyle/>
+          <a:p>
+            <a:r>
+              <a:rPr lang="en-US"/>
+              <a:t>Proposed by Tanapol Wong-asa (2022)</a:t>
+            </a:r>
+          </a:p>
+        </p:txBody>
+      </p:sp>
+      <p:sp>
+        <p:nvSpPr>
+          <p:cNvPr id="5" name="Slide Number Placeholder 4">
+            <a:extLst>
+              <a:ext uri="{FF2B5EF4-FFF2-40B4-BE49-F238E27FC236}">
+                <a16:creationId xmlns:a16="http://schemas.microsoft.com/office/drawing/2014/main" id="{AA88F0C2-F16E-4535-B432-919D085A2DBA}"/>
+              </a:ext>
+            </a:extLst>
+          </p:cNvPr>
+          <p:cNvSpPr>
+            <a:spLocks noGrp="1"/>
+          </p:cNvSpPr>
+          <p:nvPr>
+            <p:ph type="sldNum" sz="quarter" idx="12"/>
+          </p:nvPr>
+        </p:nvSpPr>
+        <p:spPr/>
+        <p:txBody>
+          <a:bodyPr/>
+          <a:lstStyle/>
+          <a:p>
+            <a:fld id="{FFF3E01E-F0E0-46B5-B925-62E3304D3077}" type="slidenum">
+              <a:rPr lang="en-US" smtClean="0"/>
+              <a:t>3</a:t>
+            </a:fld>
+            <a:endParaRPr lang="en-US" dirty="0"/>
+          </a:p>
+        </p:txBody>
+      </p:sp>
+    </p:spTree>
+    <p:extLst>
+      <p:ext uri="{BB962C8B-B14F-4D97-AF65-F5344CB8AC3E}">
+        <p14:creationId xmlns:p14="http://schemas.microsoft.com/office/powerpoint/2010/main" val="486784147"/>
+      </p:ext>
+    </p:extLst>
+  </p:cSld>
+  <p:clrMapOvr>
+    <a:masterClrMapping/>
+  </p:clrMapOvr>
+</p:sld>
+</file>
+
+<file path=ppt/slides/slide4.xml><?xml version="1.0" encoding="utf-8"?>
+<p:sld xmlns:a="http://schemas.openxmlformats.org/drawingml/2006/main" xmlns:r="http://schemas.openxmlformats.org/officeDocument/2006/relationships" xmlns:p="http://schemas.openxmlformats.org/presentationml/2006/main">
+  <p:cSld>
+    <p:spTree>
+      <p:nvGrpSpPr>
+        <p:cNvPr id="1" name=""/>
+        <p:cNvGrpSpPr/>
+        <p:nvPr/>
+      </p:nvGrpSpPr>
+      <p:grpSpPr>
+        <a:xfrm>
+          <a:off x="0" y="0"/>
+          <a:ext cx="0" cy="0"/>
+          <a:chOff x="0" y="0"/>
+          <a:chExt cx="0" cy="0"/>
+        </a:xfrm>
+      </p:grpSpPr>
+      <p:sp>
+        <p:nvSpPr>
+          <p:cNvPr id="2" name="Title 1">
+            <a:extLst>
+              <a:ext uri="{FF2B5EF4-FFF2-40B4-BE49-F238E27FC236}">
+                <a16:creationId xmlns:a16="http://schemas.microsoft.com/office/drawing/2014/main" id="{9044D69F-AEE8-4CF3-B784-0492DD8C9CC2}"/>
+              </a:ext>
+            </a:extLst>
+          </p:cNvPr>
+          <p:cNvSpPr>
+            <a:spLocks noGrp="1"/>
+          </p:cNvSpPr>
+          <p:nvPr>
+            <p:ph type="title"/>
+          </p:nvPr>
+        </p:nvSpPr>
+        <p:spPr/>
+        <p:txBody>
+          <a:bodyPr/>
+          <a:lstStyle/>
+          <a:p>
+            <a:r>
+              <a:rPr lang="en-US" dirty="0">
+                <a:latin typeface="PT Sans" panose="020B0503020203020204" pitchFamily="34" charset="0"/>
+              </a:rPr>
+              <a:t>What is Abstract Factory</a:t>
+            </a:r>
+          </a:p>
+        </p:txBody>
+      </p:sp>
+      <p:sp>
+        <p:nvSpPr>
+          <p:cNvPr id="3" name="Content Placeholder 2">
+            <a:extLst>
+              <a:ext uri="{FF2B5EF4-FFF2-40B4-BE49-F238E27FC236}">
+                <a16:creationId xmlns:a16="http://schemas.microsoft.com/office/drawing/2014/main" id="{CCC72B4B-559F-46A1-96C3-96715C980344}"/>
+              </a:ext>
+            </a:extLst>
+          </p:cNvPr>
+          <p:cNvSpPr>
+            <a:spLocks noGrp="1"/>
+          </p:cNvSpPr>
+          <p:nvPr>
+            <p:ph idx="1"/>
+          </p:nvPr>
+        </p:nvSpPr>
+        <p:spPr/>
+        <p:txBody>
+          <a:bodyPr/>
+          <a:lstStyle/>
+          <a:p>
+            <a:r>
+              <a:rPr lang="en-US" dirty="0">
+                <a:solidFill>
+                  <a:srgbClr val="444444"/>
+                </a:solidFill>
+                <a:latin typeface="PT Sans" panose="020B0604020202020204" pitchFamily="34" charset="0"/>
+              </a:rPr>
+              <a:t>Creational Design pattern</a:t>
+            </a:r>
+          </a:p>
+          <a:p>
+            <a:r>
+              <a:rPr lang="en-US" dirty="0">
+                <a:solidFill>
+                  <a:srgbClr val="444444"/>
+                </a:solidFill>
+                <a:latin typeface="PT Sans" panose="020B0604020202020204" pitchFamily="34" charset="0"/>
+              </a:rPr>
+              <a:t>Create “Group of Related object” without specifying concrete class</a:t>
+            </a:r>
+          </a:p>
+          <a:p>
+            <a:pPr lvl="1"/>
+            <a:r>
+              <a:rPr lang="en-US" dirty="0">
+                <a:solidFill>
+                  <a:srgbClr val="444444"/>
+                </a:solidFill>
+                <a:latin typeface="PT Sans" panose="020B0604020202020204" pitchFamily="34" charset="0"/>
+              </a:rPr>
+              <a:t>Related object =&gt; Integration stage form for each platform type</a:t>
+            </a:r>
+          </a:p>
+        </p:txBody>
+      </p:sp>
+      <p:sp>
+        <p:nvSpPr>
+          <p:cNvPr id="4" name="Footer Placeholder 3">
+            <a:extLst>
+              <a:ext uri="{FF2B5EF4-FFF2-40B4-BE49-F238E27FC236}">
+                <a16:creationId xmlns:a16="http://schemas.microsoft.com/office/drawing/2014/main" id="{928C37A7-47C2-45D5-9BFF-769FABD30CB8}"/>
+              </a:ext>
+            </a:extLst>
+          </p:cNvPr>
+          <p:cNvSpPr>
+            <a:spLocks noGrp="1"/>
+          </p:cNvSpPr>
+          <p:nvPr>
+            <p:ph type="ftr" sz="quarter" idx="11"/>
+          </p:nvPr>
+        </p:nvSpPr>
+        <p:spPr/>
+        <p:txBody>
+          <a:bodyPr/>
+          <a:lstStyle/>
+          <a:p>
+            <a:r>
+              <a:rPr lang="en-US"/>
+              <a:t>Proposed by Tanapol Wong-asa (2022)</a:t>
+            </a:r>
+          </a:p>
+        </p:txBody>
+      </p:sp>
+      <p:sp>
+        <p:nvSpPr>
+          <p:cNvPr id="5" name="Slide Number Placeholder 4">
+            <a:extLst>
+              <a:ext uri="{FF2B5EF4-FFF2-40B4-BE49-F238E27FC236}">
+                <a16:creationId xmlns:a16="http://schemas.microsoft.com/office/drawing/2014/main" id="{16BC5F4A-48C0-4B88-B619-6BEAD5201A7C}"/>
+              </a:ext>
+            </a:extLst>
+          </p:cNvPr>
+          <p:cNvSpPr>
+            <a:spLocks noGrp="1"/>
+          </p:cNvSpPr>
+          <p:nvPr>
+            <p:ph type="sldNum" sz="quarter" idx="12"/>
+          </p:nvPr>
+        </p:nvSpPr>
+        <p:spPr/>
+        <p:txBody>
+          <a:bodyPr/>
+          <a:lstStyle/>
+          <a:p>
+            <a:fld id="{FFF3E01E-F0E0-46B5-B925-62E3304D3077}" type="slidenum">
+              <a:rPr lang="en-US" smtClean="0"/>
+              <a:t>4</a:t>
+            </a:fld>
+            <a:endParaRPr lang="en-US"/>
+          </a:p>
+        </p:txBody>
+      </p:sp>
+      <p:sp>
+        <p:nvSpPr>
+          <p:cNvPr id="6" name="TextBox 5">
+            <a:extLst>
+              <a:ext uri="{FF2B5EF4-FFF2-40B4-BE49-F238E27FC236}">
+                <a16:creationId xmlns:a16="http://schemas.microsoft.com/office/drawing/2014/main" id="{5B5544A7-2DDA-4C9C-A271-330E7F2F1681}"/>
+              </a:ext>
+            </a:extLst>
+          </p:cNvPr>
+          <p:cNvSpPr txBox="1"/>
+          <p:nvPr/>
+        </p:nvSpPr>
+        <p:spPr>
+          <a:xfrm>
+            <a:off x="59185" y="6081991"/>
+            <a:ext cx="7501631" cy="307777"/>
+          </a:xfrm>
+          <a:prstGeom prst="rect">
+            <a:avLst/>
+          </a:prstGeom>
+          <a:noFill/>
+        </p:spPr>
+        <p:txBody>
+          <a:bodyPr wrap="square" rtlCol="0">
+            <a:spAutoFit/>
+          </a:bodyPr>
+          <a:lstStyle/>
+          <a:p>
+            <a:r>
+              <a:rPr lang="en-US" sz="1400" dirty="0"/>
+              <a:t>Source: https://refactoring.guru/design-patterns/abstract-factory</a:t>
+            </a:r>
+          </a:p>
+        </p:txBody>
+      </p:sp>
+      <p:pic>
+        <p:nvPicPr>
+          <p:cNvPr id="1026" name="Picture 2" descr="Abstract Factory design pattern">
+            <a:extLst>
+              <a:ext uri="{FF2B5EF4-FFF2-40B4-BE49-F238E27FC236}">
+                <a16:creationId xmlns:a16="http://schemas.microsoft.com/office/drawing/2014/main" id="{91B9A00A-2694-4757-B196-FC3E37942030}"/>
+              </a:ext>
+            </a:extLst>
+          </p:cNvPr>
+          <p:cNvPicPr>
+            <a:picLocks noChangeAspect="1" noChangeArrowheads="1"/>
+          </p:cNvPicPr>
+          <p:nvPr/>
+        </p:nvPicPr>
+        <p:blipFill>
+          <a:blip r:embed="rId2">
+            <a:extLst>
+              <a:ext uri="{28A0092B-C50C-407E-A947-70E740481C1C}">
+                <a14:useLocalDpi xmlns:a14="http://schemas.microsoft.com/office/drawing/2010/main" val="0"/>
+              </a:ext>
+            </a:extLst>
+          </a:blip>
+          <a:srcRect/>
+          <a:stretch>
+            <a:fillRect/>
+          </a:stretch>
+        </p:blipFill>
+        <p:spPr bwMode="auto">
+          <a:xfrm>
+            <a:off x="3551068" y="3204556"/>
+            <a:ext cx="4476010" cy="2877435"/>
+          </a:xfrm>
+          <a:prstGeom prst="rect">
+            <a:avLst/>
+          </a:prstGeom>
+          <a:noFill/>
+          <a:extLst>
+            <a:ext uri="{909E8E84-426E-40DD-AFC4-6F175D3DCCD1}">
+              <a14:hiddenFill xmlns:a14="http://schemas.microsoft.com/office/drawing/2010/main">
+                <a:solidFill>
+                  <a:srgbClr val="FFFFFF"/>
+                </a:solidFill>
+              </a14:hiddenFill>
+            </a:ext>
+          </a:extLst>
+        </p:spPr>
+      </p:pic>
+    </p:spTree>
+    <p:extLst>
+      <p:ext uri="{BB962C8B-B14F-4D97-AF65-F5344CB8AC3E}">
+        <p14:creationId xmlns:p14="http://schemas.microsoft.com/office/powerpoint/2010/main" val="145323423"/>
+      </p:ext>
+    </p:extLst>
+  </p:cSld>
+  <p:clrMapOvr>
+    <a:masterClrMapping/>
+  </p:clrMapOvr>
+</p:sld>
+</file>
+
+<file path=ppt/slides/slide5.xml><?xml version="1.0" encoding="utf-8"?>
+<p:sld xmlns:a="http://schemas.openxmlformats.org/drawingml/2006/main" xmlns:r="http://schemas.openxmlformats.org/officeDocument/2006/relationships" xmlns:p="http://schemas.openxmlformats.org/presentationml/2006/main">
+  <p:cSld>
+    <p:spTree>
+      <p:nvGrpSpPr>
+        <p:cNvPr id="1" name=""/>
+        <p:cNvGrpSpPr/>
+        <p:nvPr/>
+      </p:nvGrpSpPr>
+      <p:grpSpPr>
+        <a:xfrm>
+          <a:off x="0" y="0"/>
+          <a:ext cx="0" cy="0"/>
+          <a:chOff x="0" y="0"/>
+          <a:chExt cx="0" cy="0"/>
+        </a:xfrm>
+      </p:grpSpPr>
+      <p:sp>
+        <p:nvSpPr>
+          <p:cNvPr id="6" name="Title 5">
+            <a:extLst>
+              <a:ext uri="{FF2B5EF4-FFF2-40B4-BE49-F238E27FC236}">
+                <a16:creationId xmlns:a16="http://schemas.microsoft.com/office/drawing/2014/main" id="{A9228744-4BE2-412C-B333-37C9C3EDB381}"/>
+              </a:ext>
+            </a:extLst>
+          </p:cNvPr>
+          <p:cNvSpPr>
+            <a:spLocks noGrp="1"/>
+          </p:cNvSpPr>
+          <p:nvPr>
+            <p:ph type="title"/>
+          </p:nvPr>
+        </p:nvSpPr>
+        <p:spPr/>
+        <p:txBody>
+          <a:bodyPr/>
+          <a:lstStyle/>
+          <a:p>
+            <a:r>
+              <a:rPr lang="en-US" dirty="0">
+                <a:latin typeface="PT Sans" panose="020B0503020203020204" pitchFamily="34" charset="0"/>
+              </a:rPr>
+              <a:t>Design progress</a:t>
+            </a:r>
+          </a:p>
+        </p:txBody>
+      </p:sp>
+      <p:sp>
+        <p:nvSpPr>
+          <p:cNvPr id="8" name="Text Placeholder 7">
+            <a:extLst>
+              <a:ext uri="{FF2B5EF4-FFF2-40B4-BE49-F238E27FC236}">
+                <a16:creationId xmlns:a16="http://schemas.microsoft.com/office/drawing/2014/main" id="{17B76924-F615-4D1F-88E6-4B954A46DC07}"/>
+              </a:ext>
+            </a:extLst>
+          </p:cNvPr>
+          <p:cNvSpPr>
+            <a:spLocks noGrp="1"/>
+          </p:cNvSpPr>
+          <p:nvPr>
+            <p:ph type="body" idx="1"/>
+          </p:nvPr>
+        </p:nvSpPr>
+        <p:spPr/>
+        <p:txBody>
+          <a:bodyPr/>
+          <a:lstStyle/>
+          <a:p>
+            <a:r>
+              <a:rPr lang="en-US" dirty="0" err="1"/>
+              <a:t>PlantUML</a:t>
+            </a:r>
+            <a:r>
+              <a:rPr lang="en-US" dirty="0"/>
+              <a:t> script are provided.</a:t>
+            </a:r>
+          </a:p>
+        </p:txBody>
+      </p:sp>
+      <p:sp>
+        <p:nvSpPr>
+          <p:cNvPr id="4" name="Footer Placeholder 3">
+            <a:extLst>
+              <a:ext uri="{FF2B5EF4-FFF2-40B4-BE49-F238E27FC236}">
+                <a16:creationId xmlns:a16="http://schemas.microsoft.com/office/drawing/2014/main" id="{272F01E6-B516-4EE8-88EE-D0AE97BA9B85}"/>
+              </a:ext>
+            </a:extLst>
+          </p:cNvPr>
+          <p:cNvSpPr>
+            <a:spLocks noGrp="1"/>
+          </p:cNvSpPr>
+          <p:nvPr>
+            <p:ph type="ftr" sz="quarter" idx="11"/>
+          </p:nvPr>
+        </p:nvSpPr>
+        <p:spPr/>
+        <p:txBody>
+          <a:bodyPr/>
+          <a:lstStyle/>
+          <a:p>
+            <a:r>
+              <a:rPr lang="en-US"/>
+              <a:t>Proposed by Tanapol Wong-asa (2022)</a:t>
+            </a:r>
+          </a:p>
+        </p:txBody>
+      </p:sp>
+      <p:sp>
+        <p:nvSpPr>
+          <p:cNvPr id="5" name="Slide Number Placeholder 4">
+            <a:extLst>
+              <a:ext uri="{FF2B5EF4-FFF2-40B4-BE49-F238E27FC236}">
+                <a16:creationId xmlns:a16="http://schemas.microsoft.com/office/drawing/2014/main" id="{1131E64B-2DBC-4348-9CB1-CE50E8138043}"/>
+              </a:ext>
+            </a:extLst>
+          </p:cNvPr>
+          <p:cNvSpPr>
+            <a:spLocks noGrp="1"/>
+          </p:cNvSpPr>
+          <p:nvPr>
+            <p:ph type="sldNum" sz="quarter" idx="12"/>
+          </p:nvPr>
+        </p:nvSpPr>
+        <p:spPr/>
+        <p:txBody>
+          <a:bodyPr/>
+          <a:lstStyle/>
+          <a:p>
+            <a:fld id="{FFF3E01E-F0E0-46B5-B925-62E3304D3077}" type="slidenum">
+              <a:rPr lang="en-US" smtClean="0"/>
+              <a:t>5</a:t>
+            </a:fld>
+            <a:endParaRPr lang="en-US"/>
+          </a:p>
+        </p:txBody>
+      </p:sp>
+    </p:spTree>
+    <p:extLst>
+      <p:ext uri="{BB962C8B-B14F-4D97-AF65-F5344CB8AC3E}">
+        <p14:creationId xmlns:p14="http://schemas.microsoft.com/office/powerpoint/2010/main" val="416658229"/>
+      </p:ext>
+    </p:extLst>
+  </p:cSld>
+  <p:clrMapOvr>
+    <a:masterClrMapping/>
+  </p:clrMapOvr>
+</p:sld>
+</file>
+
+<file path=ppt/slides/slide6.xml><?xml version="1.0" encoding="utf-8"?>
+<p:sld xmlns:a="http://schemas.openxmlformats.org/drawingml/2006/main" xmlns:r="http://schemas.openxmlformats.org/officeDocument/2006/relationships" xmlns:p="http://schemas.openxmlformats.org/presentationml/2006/main">
+  <p:cSld>
+    <p:spTree>
+      <p:nvGrpSpPr>
+        <p:cNvPr id="1" name=""/>
+        <p:cNvGrpSpPr/>
+        <p:nvPr/>
+      </p:nvGrpSpPr>
+      <p:grpSpPr>
+        <a:xfrm>
+          <a:off x="0" y="0"/>
+          <a:ext cx="0" cy="0"/>
+          <a:chOff x="0" y="0"/>
+          <a:chExt cx="0" cy="0"/>
+        </a:xfrm>
+      </p:grpSpPr>
+      <p:sp>
+        <p:nvSpPr>
+          <p:cNvPr id="47" name="TextBox 46">
+            <a:extLst>
+              <a:ext uri="{FF2B5EF4-FFF2-40B4-BE49-F238E27FC236}">
+                <a16:creationId xmlns:a16="http://schemas.microsoft.com/office/drawing/2014/main" id="{3F2AA7F6-7922-4E2A-93C9-9942BA155AB2}"/>
+              </a:ext>
+            </a:extLst>
+          </p:cNvPr>
+          <p:cNvSpPr txBox="1"/>
+          <p:nvPr/>
+        </p:nvSpPr>
+        <p:spPr>
+          <a:xfrm>
+            <a:off x="0" y="88777"/>
+            <a:ext cx="12197918" cy="6709529"/>
+          </a:xfrm>
+          <a:prstGeom prst="rect">
+            <a:avLst/>
+          </a:prstGeom>
+          <a:noFill/>
+        </p:spPr>
+        <p:txBody>
+          <a:bodyPr wrap="square" rtlCol="0">
+            <a:spAutoFit/>
+          </a:bodyPr>
+          <a:lstStyle/>
+          <a:p>
+            <a:r>
+              <a:rPr lang="en-US" sz="1000" dirty="0"/>
+              <a:t>@startuml</a:t>
+            </a:r>
+          </a:p>
+          <a:p>
+            <a:r>
+              <a:rPr lang="en-US" sz="1000" dirty="0"/>
+              <a:t>interface </a:t>
+            </a:r>
+            <a:r>
+              <a:rPr lang="en-US" sz="1000" dirty="0" err="1"/>
+              <a:t>StageForm</a:t>
+            </a:r>
+            <a:r>
+              <a:rPr lang="en-US" sz="1000" dirty="0"/>
+              <a:t>{</a:t>
+            </a:r>
+          </a:p>
+          <a:p>
+            <a:r>
+              <a:rPr lang="en-US" sz="1000" dirty="0"/>
+              <a:t>    + </a:t>
+            </a:r>
+            <a:r>
+              <a:rPr lang="en-US" sz="1000" dirty="0" err="1"/>
+              <a:t>changeStage</a:t>
+            </a:r>
+            <a:r>
+              <a:rPr lang="en-US" sz="1000" dirty="0"/>
+              <a:t>()</a:t>
+            </a:r>
+          </a:p>
+          <a:p>
+            <a:r>
+              <a:rPr lang="en-US" sz="1000" dirty="0"/>
+              <a:t>    + </a:t>
+            </a:r>
+            <a:r>
+              <a:rPr lang="en-US" sz="1000" dirty="0" err="1"/>
+              <a:t>renderForm</a:t>
+            </a:r>
+            <a:r>
+              <a:rPr lang="en-US" sz="1000" dirty="0"/>
+              <a:t>(): </a:t>
+            </a:r>
+            <a:r>
+              <a:rPr lang="en-US" sz="1000" dirty="0" err="1"/>
+              <a:t>ReactNode</a:t>
+            </a:r>
+            <a:endParaRPr lang="en-US" sz="1000" dirty="0"/>
+          </a:p>
+          <a:p>
+            <a:r>
+              <a:rPr lang="en-US" sz="1000" dirty="0"/>
+              <a:t>    + </a:t>
+            </a:r>
+            <a:r>
+              <a:rPr lang="en-US" sz="1000" dirty="0" err="1"/>
+              <a:t>handleSubmit</a:t>
+            </a:r>
+            <a:r>
+              <a:rPr lang="en-US" sz="1000" dirty="0"/>
+              <a:t>(): void</a:t>
+            </a:r>
+          </a:p>
+          <a:p>
+            <a:r>
+              <a:rPr lang="en-US" sz="1000" dirty="0"/>
+              <a:t>    - </a:t>
+            </a:r>
+            <a:r>
+              <a:rPr lang="en-US" sz="1000" dirty="0" err="1"/>
+              <a:t>preprocessFormData</a:t>
+            </a:r>
+            <a:r>
+              <a:rPr lang="en-US" sz="1000" dirty="0"/>
+              <a:t>(): void</a:t>
+            </a:r>
+          </a:p>
+          <a:p>
+            <a:r>
+              <a:rPr lang="en-US" sz="1000" dirty="0"/>
+              <a:t>    - </a:t>
+            </a:r>
+            <a:r>
+              <a:rPr lang="en-US" sz="1000" dirty="0" err="1"/>
+              <a:t>handleOnChange</a:t>
+            </a:r>
+            <a:r>
+              <a:rPr lang="en-US" sz="1000" dirty="0"/>
+              <a:t>(): void</a:t>
+            </a:r>
+          </a:p>
+          <a:p>
+            <a:r>
+              <a:rPr lang="en-US" sz="1000" dirty="0"/>
+              <a:t>}</a:t>
+            </a:r>
+          </a:p>
+          <a:p>
+            <a:endParaRPr lang="en-US" sz="1000" dirty="0"/>
+          </a:p>
+          <a:p>
+            <a:r>
+              <a:rPr lang="en-US" sz="1000" dirty="0"/>
+              <a:t>abstract class </a:t>
+            </a:r>
+            <a:r>
+              <a:rPr lang="en-US" sz="1000" dirty="0" err="1"/>
+              <a:t>IntegrationStageForm</a:t>
+            </a:r>
+            <a:r>
+              <a:rPr lang="en-US" sz="1000" dirty="0"/>
+              <a:t> implements </a:t>
+            </a:r>
+            <a:r>
+              <a:rPr lang="en-US" sz="1000" dirty="0" err="1"/>
+              <a:t>StageForm</a:t>
+            </a:r>
+            <a:r>
+              <a:rPr lang="en-US" sz="1000" dirty="0"/>
+              <a:t>{</a:t>
+            </a:r>
+          </a:p>
+          <a:p>
+            <a:r>
+              <a:rPr lang="en-US" sz="1000" dirty="0"/>
+              <a:t>    + {abstract} </a:t>
+            </a:r>
+            <a:r>
+              <a:rPr lang="en-US" sz="1000" dirty="0" err="1"/>
+              <a:t>validateIntegrationForm</a:t>
+            </a:r>
+            <a:r>
+              <a:rPr lang="en-US" sz="1000" dirty="0"/>
+              <a:t>(): </a:t>
+            </a:r>
+            <a:r>
+              <a:rPr lang="en-US" sz="1000" dirty="0" err="1"/>
+              <a:t>boolean</a:t>
+            </a:r>
+            <a:endParaRPr lang="en-US" sz="1000" dirty="0"/>
+          </a:p>
+          <a:p>
+            <a:r>
+              <a:rPr lang="en-US" sz="1000" dirty="0"/>
+              <a:t>}</a:t>
+            </a:r>
+          </a:p>
+          <a:p>
+            <a:r>
+              <a:rPr lang="en-US" sz="1000" dirty="0"/>
+              <a:t>abstract class </a:t>
+            </a:r>
+            <a:r>
+              <a:rPr lang="en-US" sz="1000" dirty="0" err="1"/>
+              <a:t>InterfaceStageForm</a:t>
+            </a:r>
+            <a:r>
+              <a:rPr lang="en-US" sz="1000" dirty="0"/>
+              <a:t> implements </a:t>
+            </a:r>
+            <a:r>
+              <a:rPr lang="en-US" sz="1000" dirty="0" err="1"/>
+              <a:t>StageForm</a:t>
+            </a:r>
+            <a:r>
+              <a:rPr lang="en-US" sz="1000" dirty="0"/>
+              <a:t>{</a:t>
+            </a:r>
+          </a:p>
+          <a:p>
+            <a:r>
+              <a:rPr lang="en-US" sz="1000" dirty="0"/>
+              <a:t>    + {abstract} </a:t>
+            </a:r>
+            <a:r>
+              <a:rPr lang="en-US" sz="1000" dirty="0" err="1"/>
+              <a:t>validateInterfaceForm</a:t>
+            </a:r>
+            <a:r>
+              <a:rPr lang="en-US" sz="1000" dirty="0"/>
+              <a:t>(): </a:t>
+            </a:r>
+            <a:r>
+              <a:rPr lang="en-US" sz="1000" dirty="0" err="1"/>
+              <a:t>boolean</a:t>
+            </a:r>
+            <a:endParaRPr lang="en-US" sz="1000" dirty="0"/>
+          </a:p>
+          <a:p>
+            <a:r>
+              <a:rPr lang="en-US" sz="1000" dirty="0"/>
+              <a:t>}</a:t>
+            </a:r>
+          </a:p>
+          <a:p>
+            <a:r>
+              <a:rPr lang="en-US" sz="1000" dirty="0"/>
+              <a:t>abstract class </a:t>
+            </a:r>
+            <a:r>
+              <a:rPr lang="en-US" sz="1000" dirty="0" err="1"/>
+              <a:t>ConnectionStageForm</a:t>
+            </a:r>
+            <a:r>
+              <a:rPr lang="en-US" sz="1000" dirty="0"/>
+              <a:t> implements </a:t>
+            </a:r>
+            <a:r>
+              <a:rPr lang="en-US" sz="1000" dirty="0" err="1"/>
+              <a:t>StageForm</a:t>
+            </a:r>
+            <a:r>
+              <a:rPr lang="en-US" sz="1000" dirty="0"/>
+              <a:t>{</a:t>
+            </a:r>
+          </a:p>
+          <a:p>
+            <a:r>
+              <a:rPr lang="en-US" sz="1000" dirty="0"/>
+              <a:t>     + {abstract} </a:t>
+            </a:r>
+            <a:r>
+              <a:rPr lang="en-US" sz="1000" dirty="0" err="1"/>
+              <a:t>validateConnetionForm</a:t>
+            </a:r>
+            <a:r>
+              <a:rPr lang="en-US" sz="1000" dirty="0"/>
+              <a:t>(): </a:t>
+            </a:r>
+            <a:r>
+              <a:rPr lang="en-US" sz="1000" dirty="0" err="1"/>
+              <a:t>boolean</a:t>
+            </a:r>
+            <a:endParaRPr lang="en-US" sz="1000" dirty="0"/>
+          </a:p>
+          <a:p>
+            <a:r>
+              <a:rPr lang="en-US" sz="1000" dirty="0"/>
+              <a:t>}</a:t>
+            </a:r>
+          </a:p>
+          <a:p>
+            <a:endParaRPr lang="en-US" sz="1000" dirty="0"/>
+          </a:p>
+          <a:p>
+            <a:r>
+              <a:rPr lang="en-US" sz="1000" dirty="0"/>
+              <a:t>class </a:t>
+            </a:r>
+            <a:r>
+              <a:rPr lang="en-US" sz="1000" dirty="0" err="1"/>
+              <a:t>WMIntegrationStageForm</a:t>
+            </a:r>
+            <a:r>
+              <a:rPr lang="en-US" sz="1000" dirty="0"/>
+              <a:t> extends </a:t>
+            </a:r>
+            <a:r>
+              <a:rPr lang="en-US" sz="1000" dirty="0" err="1"/>
+              <a:t>IntegrationStageForm</a:t>
+            </a:r>
+            <a:r>
+              <a:rPr lang="en-US" sz="1000" dirty="0"/>
+              <a:t> {</a:t>
+            </a:r>
+          </a:p>
+          <a:p>
+            <a:r>
+              <a:rPr lang="en-US" sz="1000" dirty="0"/>
+              <a:t>    - </a:t>
+            </a:r>
+            <a:r>
+              <a:rPr lang="en-US" sz="1000" dirty="0" err="1"/>
+              <a:t>formList</a:t>
+            </a:r>
+            <a:r>
+              <a:rPr lang="en-US" sz="1000" dirty="0"/>
+              <a:t>: Object[]</a:t>
+            </a:r>
+          </a:p>
+          <a:p>
+            <a:r>
+              <a:rPr lang="en-US" sz="1000" dirty="0"/>
+              <a:t>    - helperFunc1(): any</a:t>
+            </a:r>
+          </a:p>
+          <a:p>
+            <a:r>
+              <a:rPr lang="en-US" sz="1000" dirty="0"/>
+              <a:t>}</a:t>
+            </a:r>
+          </a:p>
+          <a:p>
+            <a:r>
+              <a:rPr lang="en-US" sz="1000" dirty="0"/>
+              <a:t>class </a:t>
+            </a:r>
+            <a:r>
+              <a:rPr lang="en-US" sz="1000" dirty="0" err="1"/>
+              <a:t>ATIntegrationStageForm</a:t>
+            </a:r>
+            <a:r>
+              <a:rPr lang="en-US" sz="1000" dirty="0"/>
+              <a:t> extends </a:t>
+            </a:r>
+            <a:r>
+              <a:rPr lang="en-US" sz="1000" dirty="0" err="1"/>
+              <a:t>IntegrationStageForm</a:t>
+            </a:r>
+            <a:r>
+              <a:rPr lang="en-US" sz="1000" dirty="0"/>
+              <a:t> {</a:t>
+            </a:r>
+          </a:p>
+          <a:p>
+            <a:r>
+              <a:rPr lang="en-US" sz="1000" dirty="0"/>
+              <a:t>    - </a:t>
+            </a:r>
+            <a:r>
+              <a:rPr lang="en-US" sz="1000" dirty="0" err="1"/>
+              <a:t>formList</a:t>
+            </a:r>
+            <a:r>
+              <a:rPr lang="en-US" sz="1000" dirty="0"/>
+              <a:t>: Object[]</a:t>
+            </a:r>
+          </a:p>
+          <a:p>
+            <a:r>
+              <a:rPr lang="en-US" sz="1000" dirty="0"/>
+              <a:t>    - helperFunc2(): any</a:t>
+            </a:r>
+          </a:p>
+          <a:p>
+            <a:r>
+              <a:rPr lang="en-US" sz="1000" dirty="0"/>
+              <a:t>}</a:t>
+            </a:r>
+          </a:p>
+          <a:p>
+            <a:r>
+              <a:rPr lang="en-US" sz="1000" dirty="0"/>
+              <a:t>class </a:t>
+            </a:r>
+            <a:r>
+              <a:rPr lang="en-US" sz="1000" dirty="0" err="1"/>
+              <a:t>SAPIntegrationStageForm</a:t>
+            </a:r>
+            <a:r>
+              <a:rPr lang="en-US" sz="1000" dirty="0"/>
+              <a:t> extends </a:t>
+            </a:r>
+            <a:r>
+              <a:rPr lang="en-US" sz="1000" dirty="0" err="1"/>
+              <a:t>IntegrationStageForm</a:t>
+            </a:r>
+            <a:r>
+              <a:rPr lang="en-US" sz="1000" dirty="0"/>
+              <a:t> {</a:t>
+            </a:r>
+          </a:p>
+          <a:p>
+            <a:r>
+              <a:rPr lang="en-US" sz="1000" dirty="0"/>
+              <a:t>    - </a:t>
+            </a:r>
+            <a:r>
+              <a:rPr lang="en-US" sz="1000" dirty="0" err="1"/>
+              <a:t>formList</a:t>
+            </a:r>
+            <a:r>
+              <a:rPr lang="en-US" sz="1000" dirty="0"/>
+              <a:t>: Object[]</a:t>
+            </a:r>
+          </a:p>
+          <a:p>
+            <a:r>
+              <a:rPr lang="en-US" sz="1000" dirty="0"/>
+              <a:t>    - helperFunc3(): any</a:t>
+            </a:r>
+          </a:p>
+          <a:p>
+            <a:r>
+              <a:rPr lang="en-US" sz="1000" dirty="0"/>
+              <a:t>}</a:t>
+            </a:r>
+          </a:p>
+          <a:p>
+            <a:endParaRPr lang="en-US" sz="1000" dirty="0"/>
+          </a:p>
+          <a:p>
+            <a:endParaRPr lang="en-US" sz="1000" dirty="0"/>
+          </a:p>
+          <a:p>
+            <a:r>
+              <a:rPr lang="en-US" sz="1000" dirty="0"/>
+              <a:t>abstract class </a:t>
+            </a:r>
+            <a:r>
+              <a:rPr lang="en-US" sz="1000" dirty="0" err="1"/>
+              <a:t>FormCreator</a:t>
+            </a:r>
+            <a:r>
+              <a:rPr lang="en-US" sz="1000" dirty="0"/>
+              <a:t>{</a:t>
+            </a:r>
+          </a:p>
+          <a:p>
+            <a:r>
+              <a:rPr lang="en-US" sz="1000" dirty="0"/>
+              <a:t>    + render(): </a:t>
+            </a:r>
+            <a:r>
+              <a:rPr lang="en-US" sz="1000" dirty="0" err="1"/>
+              <a:t>ReactNode</a:t>
+            </a:r>
+            <a:endParaRPr lang="en-US" sz="1000" dirty="0"/>
+          </a:p>
+          <a:p>
+            <a:r>
+              <a:rPr lang="en-US" sz="1000" dirty="0"/>
+              <a:t>    + {abstract} </a:t>
+            </a:r>
+            <a:r>
+              <a:rPr lang="en-US" sz="1000" dirty="0" err="1"/>
+              <a:t>createForm</a:t>
+            </a:r>
+            <a:r>
+              <a:rPr lang="en-US" sz="1000" dirty="0"/>
+              <a:t>(): </a:t>
+            </a:r>
+            <a:r>
+              <a:rPr lang="en-US" sz="1000" dirty="0" err="1"/>
+              <a:t>StageForm</a:t>
+            </a:r>
+            <a:endParaRPr lang="en-US" sz="1000" dirty="0"/>
+          </a:p>
+          <a:p>
+            <a:r>
+              <a:rPr lang="en-US" sz="1000" dirty="0"/>
+              <a:t>}</a:t>
+            </a:r>
+          </a:p>
+          <a:p>
+            <a:r>
+              <a:rPr lang="en-US" sz="1000" dirty="0"/>
+              <a:t>class </a:t>
+            </a:r>
+            <a:r>
+              <a:rPr lang="en-US" sz="1000" dirty="0" err="1"/>
+              <a:t>IntegrationFormCreator</a:t>
+            </a:r>
+            <a:r>
+              <a:rPr lang="en-US" sz="1000" dirty="0"/>
+              <a:t> extends </a:t>
+            </a:r>
+            <a:r>
+              <a:rPr lang="en-US" sz="1000" dirty="0" err="1"/>
+              <a:t>FormCreator</a:t>
+            </a:r>
+            <a:r>
+              <a:rPr lang="en-US" sz="1000" dirty="0"/>
+              <a:t>{}</a:t>
+            </a:r>
+          </a:p>
+          <a:p>
+            <a:r>
+              <a:rPr lang="en-US" sz="1000" dirty="0"/>
+              <a:t>class </a:t>
+            </a:r>
+            <a:r>
+              <a:rPr lang="en-US" sz="1000" dirty="0" err="1"/>
+              <a:t>InterfaceFormCreator</a:t>
+            </a:r>
+            <a:r>
+              <a:rPr lang="en-US" sz="1000" dirty="0"/>
+              <a:t> extends </a:t>
+            </a:r>
+            <a:r>
+              <a:rPr lang="en-US" sz="1000" dirty="0" err="1"/>
+              <a:t>FormCreator</a:t>
+            </a:r>
+            <a:r>
+              <a:rPr lang="en-US" sz="1000" dirty="0"/>
+              <a:t>{}</a:t>
+            </a:r>
+          </a:p>
+          <a:p>
+            <a:r>
+              <a:rPr lang="en-US" sz="1000" dirty="0"/>
+              <a:t>class </a:t>
+            </a:r>
+            <a:r>
+              <a:rPr lang="en-US" sz="1000" dirty="0" err="1"/>
+              <a:t>ConnectionFormCreator</a:t>
+            </a:r>
+            <a:r>
+              <a:rPr lang="en-US" sz="1000" dirty="0"/>
+              <a:t> extends </a:t>
+            </a:r>
+            <a:r>
+              <a:rPr lang="en-US" sz="1000" dirty="0" err="1"/>
+              <a:t>FormCreator</a:t>
+            </a:r>
+            <a:r>
+              <a:rPr lang="en-US" sz="1000" dirty="0"/>
+              <a:t>{}</a:t>
+            </a:r>
+          </a:p>
+          <a:p>
+            <a:endParaRPr lang="en-US" sz="1000" dirty="0"/>
+          </a:p>
+          <a:p>
+            <a:r>
+              <a:rPr lang="en-US" sz="1000" dirty="0" err="1"/>
+              <a:t>FormCreator</a:t>
+            </a:r>
+            <a:r>
+              <a:rPr lang="en-US" sz="1000" dirty="0"/>
+              <a:t> ...&gt; </a:t>
+            </a:r>
+            <a:r>
+              <a:rPr lang="en-US" sz="1000" dirty="0" err="1"/>
+              <a:t>StageForm</a:t>
+            </a:r>
+            <a:endParaRPr lang="en-US" sz="1000" dirty="0"/>
+          </a:p>
+          <a:p>
+            <a:r>
+              <a:rPr lang="en-US" sz="1000" dirty="0"/>
+              <a:t>@enduml</a:t>
+            </a:r>
+          </a:p>
+        </p:txBody>
+      </p:sp>
+      <p:pic>
+        <p:nvPicPr>
+          <p:cNvPr id="49" name="Picture 48">
+            <a:extLst>
+              <a:ext uri="{FF2B5EF4-FFF2-40B4-BE49-F238E27FC236}">
+                <a16:creationId xmlns:a16="http://schemas.microsoft.com/office/drawing/2014/main" id="{266DF458-FEB8-4E62-959D-B81943EA3373}"/>
+              </a:ext>
+            </a:extLst>
+          </p:cNvPr>
+          <p:cNvPicPr>
+            <a:picLocks noChangeAspect="1"/>
+          </p:cNvPicPr>
+          <p:nvPr/>
+        </p:nvPicPr>
+        <p:blipFill>
+          <a:blip r:embed="rId2"/>
+          <a:stretch>
+            <a:fillRect/>
+          </a:stretch>
+        </p:blipFill>
+        <p:spPr>
+          <a:xfrm>
+            <a:off x="3506680" y="1760831"/>
+            <a:ext cx="7169031" cy="3336337"/>
+          </a:xfrm>
+          <a:prstGeom prst="rect">
+            <a:avLst/>
+          </a:prstGeom>
+        </p:spPr>
+      </p:pic>
+      <p:sp>
+        <p:nvSpPr>
+          <p:cNvPr id="2" name="TextBox 1">
+            <a:extLst>
+              <a:ext uri="{FF2B5EF4-FFF2-40B4-BE49-F238E27FC236}">
+                <a16:creationId xmlns:a16="http://schemas.microsoft.com/office/drawing/2014/main" id="{36F3AF32-2A8C-4D6E-B45A-ED13EAF6630C}"/>
+              </a:ext>
+            </a:extLst>
+          </p:cNvPr>
+          <p:cNvSpPr txBox="1"/>
+          <p:nvPr/>
+        </p:nvSpPr>
+        <p:spPr>
+          <a:xfrm>
+            <a:off x="6995604" y="555472"/>
+            <a:ext cx="4556953" cy="369332"/>
+          </a:xfrm>
+          <a:prstGeom prst="rect">
+            <a:avLst/>
+          </a:prstGeom>
+          <a:noFill/>
+        </p:spPr>
+        <p:txBody>
+          <a:bodyPr wrap="none" rtlCol="0">
+            <a:spAutoFit/>
+          </a:bodyPr>
+          <a:lstStyle/>
+          <a:p>
+            <a:r>
+              <a:rPr lang="en-US" dirty="0"/>
+              <a:t>Factory (Friday idea) =&gt; Don’t suit the use case</a:t>
+            </a:r>
+          </a:p>
+        </p:txBody>
+      </p:sp>
+      <p:sp>
+        <p:nvSpPr>
+          <p:cNvPr id="3" name="Footer Placeholder 2">
+            <a:extLst>
+              <a:ext uri="{FF2B5EF4-FFF2-40B4-BE49-F238E27FC236}">
+                <a16:creationId xmlns:a16="http://schemas.microsoft.com/office/drawing/2014/main" id="{489F1795-D201-42CB-9A3E-10A63AAFD779}"/>
+              </a:ext>
+            </a:extLst>
+          </p:cNvPr>
+          <p:cNvSpPr>
+            <a:spLocks noGrp="1"/>
+          </p:cNvSpPr>
+          <p:nvPr>
+            <p:ph type="ftr" sz="quarter" idx="11"/>
+          </p:nvPr>
+        </p:nvSpPr>
+        <p:spPr/>
+        <p:txBody>
+          <a:bodyPr/>
+          <a:lstStyle/>
+          <a:p>
+            <a:r>
+              <a:rPr lang="en-US"/>
+              <a:t>Proposed by Tanapol Wong-asa (2022)</a:t>
+            </a:r>
+          </a:p>
+        </p:txBody>
+      </p:sp>
+      <p:sp>
+        <p:nvSpPr>
+          <p:cNvPr id="4" name="Slide Number Placeholder 3">
+            <a:extLst>
+              <a:ext uri="{FF2B5EF4-FFF2-40B4-BE49-F238E27FC236}">
+                <a16:creationId xmlns:a16="http://schemas.microsoft.com/office/drawing/2014/main" id="{5EC82DB7-BFCE-47AF-A0C2-868512D85919}"/>
+              </a:ext>
+            </a:extLst>
+          </p:cNvPr>
+          <p:cNvSpPr>
+            <a:spLocks noGrp="1"/>
+          </p:cNvSpPr>
+          <p:nvPr>
+            <p:ph type="sldNum" sz="quarter" idx="12"/>
+          </p:nvPr>
+        </p:nvSpPr>
+        <p:spPr/>
+        <p:txBody>
+          <a:bodyPr/>
+          <a:lstStyle/>
+          <a:p>
+            <a:fld id="{FFF3E01E-F0E0-46B5-B925-62E3304D3077}" type="slidenum">
+              <a:rPr lang="en-US" smtClean="0"/>
+              <a:t>6</a:t>
+            </a:fld>
+            <a:endParaRPr lang="en-US"/>
+          </a:p>
+        </p:txBody>
+      </p:sp>
+      <p:grpSp>
+        <p:nvGrpSpPr>
+          <p:cNvPr id="7" name="Group 6">
+            <a:extLst>
+              <a:ext uri="{FF2B5EF4-FFF2-40B4-BE49-F238E27FC236}">
+                <a16:creationId xmlns:a16="http://schemas.microsoft.com/office/drawing/2014/main" id="{EC17DFCE-BE9E-4328-9B45-E82B0E4DD3E0}"/>
+              </a:ext>
+            </a:extLst>
+          </p:cNvPr>
+          <p:cNvGrpSpPr/>
+          <p:nvPr/>
+        </p:nvGrpSpPr>
+        <p:grpSpPr>
+          <a:xfrm>
+            <a:off x="9827063" y="5293720"/>
+            <a:ext cx="1284840" cy="1213560"/>
+            <a:chOff x="9827063" y="5293720"/>
+            <a:chExt cx="1284840" cy="1213560"/>
+          </a:xfrm>
+        </p:grpSpPr>
+        <mc:AlternateContent xmlns:mc="http://schemas.openxmlformats.org/markup-compatibility/2006">
+          <mc:Choice xmlns:p14="http://schemas.microsoft.com/office/powerpoint/2010/main" Requires="p14">
+            <p:contentPart p14:bwMode="auto" r:id="rId3">
+              <p14:nvContentPartPr>
+                <p14:cNvPr id="5" name="Ink 4">
+                  <a:extLst>
+                    <a:ext uri="{FF2B5EF4-FFF2-40B4-BE49-F238E27FC236}">
+                      <a16:creationId xmlns:a16="http://schemas.microsoft.com/office/drawing/2014/main" id="{BC1F3965-A612-49C6-AC37-5A3A4E5DA8B9}"/>
+                    </a:ext>
+                  </a:extLst>
+                </p14:cNvPr>
+                <p14:cNvContentPartPr/>
+                <p14:nvPr/>
+              </p14:nvContentPartPr>
+              <p14:xfrm>
+                <a:off x="10031543" y="5352760"/>
+                <a:ext cx="1080360" cy="1154520"/>
+              </p14:xfrm>
+            </p:contentPart>
+          </mc:Choice>
+          <mc:Fallback>
+            <p:pic>
+              <p:nvPicPr>
+                <p:cNvPr id="5" name="Ink 4">
+                  <a:extLst>
+                    <a:ext uri="{FF2B5EF4-FFF2-40B4-BE49-F238E27FC236}">
+                      <a16:creationId xmlns:a16="http://schemas.microsoft.com/office/drawing/2014/main" id="{BC1F3965-A612-49C6-AC37-5A3A4E5DA8B9}"/>
+                    </a:ext>
+                  </a:extLst>
+                </p:cNvPr>
+                <p:cNvPicPr/>
+                <p:nvPr/>
+              </p:nvPicPr>
+              <p:blipFill>
+                <a:blip r:embed="rId4"/>
+                <a:stretch>
+                  <a:fillRect/>
+                </a:stretch>
+              </p:blipFill>
+              <p:spPr>
+                <a:xfrm>
+                  <a:off x="10022543" y="5343760"/>
+                  <a:ext cx="1098000" cy="1172160"/>
+                </a:xfrm>
+                <a:prstGeom prst="rect">
+                  <a:avLst/>
+                </a:prstGeom>
+              </p:spPr>
+            </p:pic>
+          </mc:Fallback>
+        </mc:AlternateContent>
+        <mc:AlternateContent xmlns:mc="http://schemas.openxmlformats.org/markup-compatibility/2006">
+          <mc:Choice xmlns:p14="http://schemas.microsoft.com/office/powerpoint/2010/main" Requires="p14">
+            <p:contentPart p14:bwMode="auto" r:id="rId5">
+              <p14:nvContentPartPr>
+                <p14:cNvPr id="6" name="Ink 5">
+                  <a:extLst>
+                    <a:ext uri="{FF2B5EF4-FFF2-40B4-BE49-F238E27FC236}">
+                      <a16:creationId xmlns:a16="http://schemas.microsoft.com/office/drawing/2014/main" id="{AF55A955-53CF-4212-A18D-44152F5CA013}"/>
+                    </a:ext>
+                  </a:extLst>
+                </p14:cNvPr>
+                <p14:cNvContentPartPr/>
+                <p14:nvPr/>
+              </p14:nvContentPartPr>
+              <p14:xfrm>
+                <a:off x="9827063" y="5293720"/>
+                <a:ext cx="1222560" cy="1018440"/>
+              </p14:xfrm>
+            </p:contentPart>
+          </mc:Choice>
+          <mc:Fallback>
+            <p:pic>
+              <p:nvPicPr>
+                <p:cNvPr id="6" name="Ink 5">
+                  <a:extLst>
+                    <a:ext uri="{FF2B5EF4-FFF2-40B4-BE49-F238E27FC236}">
+                      <a16:creationId xmlns:a16="http://schemas.microsoft.com/office/drawing/2014/main" id="{AF55A955-53CF-4212-A18D-44152F5CA013}"/>
+                    </a:ext>
+                  </a:extLst>
+                </p:cNvPr>
+                <p:cNvPicPr/>
+                <p:nvPr/>
+              </p:nvPicPr>
+              <p:blipFill>
+                <a:blip r:embed="rId6"/>
+                <a:stretch>
+                  <a:fillRect/>
+                </a:stretch>
+              </p:blipFill>
+              <p:spPr>
+                <a:xfrm>
+                  <a:off x="9818423" y="5285080"/>
+                  <a:ext cx="1240200" cy="1036080"/>
+                </a:xfrm>
+                <a:prstGeom prst="rect">
+                  <a:avLst/>
+                </a:prstGeom>
+              </p:spPr>
+            </p:pic>
+          </mc:Fallback>
+        </mc:AlternateContent>
+      </p:grpSp>
+    </p:spTree>
+    <p:extLst>
+      <p:ext uri="{BB962C8B-B14F-4D97-AF65-F5344CB8AC3E}">
+        <p14:creationId xmlns:p14="http://schemas.microsoft.com/office/powerpoint/2010/main" val="2641261991"/>
+      </p:ext>
+    </p:extLst>
+  </p:cSld>
+  <p:clrMapOvr>
+    <a:masterClrMapping/>
+  </p:clrMapOvr>
+</p:sld>
+</file>
+
+<file path=ppt/slides/slide7.xml><?xml version="1.0" encoding="utf-8"?>
+<p:sld xmlns:a="http://schemas.openxmlformats.org/drawingml/2006/main" xmlns:r="http://schemas.openxmlformats.org/officeDocument/2006/relationships" xmlns:p="http://schemas.openxmlformats.org/presentationml/2006/main">
+  <p:cSld>
+    <p:spTree>
+      <p:nvGrpSpPr>
+        <p:cNvPr id="1" name=""/>
+        <p:cNvGrpSpPr/>
+        <p:nvPr/>
+      </p:nvGrpSpPr>
+      <p:grpSpPr>
+        <a:xfrm>
+          <a:off x="0" y="0"/>
+          <a:ext cx="0" cy="0"/>
+          <a:chOff x="0" y="0"/>
+          <a:chExt cx="0" cy="0"/>
+        </a:xfrm>
+      </p:grpSpPr>
+      <p:sp>
+        <p:nvSpPr>
           <p:cNvPr id="47" name="TextBox 46">
             <a:extLst>
               <a:ext uri="{FF2B5EF4-FFF2-40B4-BE49-F238E27FC236}">
@@ -5260,6 +11985,63 @@
           </a:prstGeom>
         </p:spPr>
       </p:pic>
+      <p:sp>
+        <p:nvSpPr>
+          <p:cNvPr id="3" name="Footer Placeholder 2">
+            <a:extLst>
+              <a:ext uri="{FF2B5EF4-FFF2-40B4-BE49-F238E27FC236}">
+                <a16:creationId xmlns:a16="http://schemas.microsoft.com/office/drawing/2014/main" id="{BB9F2F03-C271-4944-8065-A0358DD576F7}"/>
+              </a:ext>
+            </a:extLst>
+          </p:cNvPr>
+          <p:cNvSpPr>
+            <a:spLocks noGrp="1"/>
+          </p:cNvSpPr>
+          <p:nvPr>
+            <p:ph type="ftr" sz="quarter" idx="11"/>
+          </p:nvPr>
+        </p:nvSpPr>
+        <p:spPr/>
+        <p:txBody>
+          <a:bodyPr/>
+          <a:lstStyle/>
+          <a:p>
+            <a:r>
+              <a:rPr lang="en-US"/>
+              <a:t>Proposed by Tanapol Wong-asa (2022)</a:t>
+            </a:r>
+          </a:p>
+        </p:txBody>
+      </p:sp>
+      <p:sp>
+        <p:nvSpPr>
+          <p:cNvPr id="4" name="Slide Number Placeholder 3">
+            <a:extLst>
+              <a:ext uri="{FF2B5EF4-FFF2-40B4-BE49-F238E27FC236}">
+                <a16:creationId xmlns:a16="http://schemas.microsoft.com/office/drawing/2014/main" id="{E0323BFD-A865-471D-913A-D38278564762}"/>
+              </a:ext>
+            </a:extLst>
+          </p:cNvPr>
+          <p:cNvSpPr>
+            <a:spLocks noGrp="1"/>
+          </p:cNvSpPr>
+          <p:nvPr>
+            <p:ph type="sldNum" sz="quarter" idx="12"/>
+          </p:nvPr>
+        </p:nvSpPr>
+        <p:spPr/>
+        <p:txBody>
+          <a:bodyPr/>
+          <a:lstStyle/>
+          <a:p>
+            <a:fld id="{FFF3E01E-F0E0-46B5-B925-62E3304D3077}" type="slidenum">
+              <a:rPr lang="en-US" smtClean="0"/>
+              <a:t>7</a:t>
+            </a:fld>
+            <a:endParaRPr lang="en-US"/>
+          </a:p>
+        </p:txBody>
+      </p:sp>
     </p:spTree>
     <p:extLst>
       <p:ext uri="{BB962C8B-B14F-4D97-AF65-F5344CB8AC3E}">
@@ -5273,7 +12055,7 @@
 </p:sld>
 </file>
 
-<file path=ppt/slides/slide4.xml><?xml version="1.0" encoding="utf-8"?>
+<file path=ppt/slides/slide8.xml><?xml version="1.0" encoding="utf-8"?>
 <p:sld xmlns:a="http://schemas.openxmlformats.org/drawingml/2006/main" xmlns:r="http://schemas.openxmlformats.org/officeDocument/2006/relationships" xmlns:p="http://schemas.openxmlformats.org/presentationml/2006/main">
   <p:cSld>
     <p:spTree>
@@ -6518,6 +13300,63 @@
           </p:pic>
         </mc:Fallback>
       </mc:AlternateContent>
+      <p:sp>
+        <p:nvSpPr>
+          <p:cNvPr id="3" name="Footer Placeholder 2">
+            <a:extLst>
+              <a:ext uri="{FF2B5EF4-FFF2-40B4-BE49-F238E27FC236}">
+                <a16:creationId xmlns:a16="http://schemas.microsoft.com/office/drawing/2014/main" id="{7E0491D2-FA8D-4AC1-87B1-94E7BFB9B152}"/>
+              </a:ext>
+            </a:extLst>
+          </p:cNvPr>
+          <p:cNvSpPr>
+            <a:spLocks noGrp="1"/>
+          </p:cNvSpPr>
+          <p:nvPr>
+            <p:ph type="ftr" sz="quarter" idx="11"/>
+          </p:nvPr>
+        </p:nvSpPr>
+        <p:spPr/>
+        <p:txBody>
+          <a:bodyPr/>
+          <a:lstStyle/>
+          <a:p>
+            <a:r>
+              <a:rPr lang="en-US"/>
+              <a:t>Proposed by Tanapol Wong-asa (2022)</a:t>
+            </a:r>
+          </a:p>
+        </p:txBody>
+      </p:sp>
+      <p:sp>
+        <p:nvSpPr>
+          <p:cNvPr id="6" name="Slide Number Placeholder 5">
+            <a:extLst>
+              <a:ext uri="{FF2B5EF4-FFF2-40B4-BE49-F238E27FC236}">
+                <a16:creationId xmlns:a16="http://schemas.microsoft.com/office/drawing/2014/main" id="{25BD6928-348C-4B80-AA7E-E426AABE47DF}"/>
+              </a:ext>
+            </a:extLst>
+          </p:cNvPr>
+          <p:cNvSpPr>
+            <a:spLocks noGrp="1"/>
+          </p:cNvSpPr>
+          <p:nvPr>
+            <p:ph type="sldNum" sz="quarter" idx="12"/>
+          </p:nvPr>
+        </p:nvSpPr>
+        <p:spPr/>
+        <p:txBody>
+          <a:bodyPr/>
+          <a:lstStyle/>
+          <a:p>
+            <a:fld id="{FFF3E01E-F0E0-46B5-B925-62E3304D3077}" type="slidenum">
+              <a:rPr lang="en-US" smtClean="0"/>
+              <a:t>8</a:t>
+            </a:fld>
+            <a:endParaRPr lang="en-US"/>
+          </a:p>
+        </p:txBody>
+      </p:sp>
     </p:spTree>
     <p:extLst>
       <p:ext uri="{BB962C8B-B14F-4D97-AF65-F5344CB8AC3E}">
@@ -6531,7 +13370,7 @@
 </p:sld>
 </file>
 
-<file path=ppt/slides/slide5.xml><?xml version="1.0" encoding="utf-8"?>
+<file path=ppt/slides/slide9.xml><?xml version="1.0" encoding="utf-8"?>
 <p:sld xmlns:a="http://schemas.openxmlformats.org/drawingml/2006/main" xmlns:r="http://schemas.openxmlformats.org/officeDocument/2006/relationships" xmlns:p="http://schemas.openxmlformats.org/presentationml/2006/main">
   <p:cSld>
     <p:spTree>
@@ -7839,6 +14678,63 @@
           </p:pic>
         </mc:Fallback>
       </mc:AlternateContent>
+      <p:sp>
+        <p:nvSpPr>
+          <p:cNvPr id="3" name="Footer Placeholder 2">
+            <a:extLst>
+              <a:ext uri="{FF2B5EF4-FFF2-40B4-BE49-F238E27FC236}">
+                <a16:creationId xmlns:a16="http://schemas.microsoft.com/office/drawing/2014/main" id="{E513C99D-A58F-40C9-8530-9E552794B45E}"/>
+              </a:ext>
+            </a:extLst>
+          </p:cNvPr>
+          <p:cNvSpPr>
+            <a:spLocks noGrp="1"/>
+          </p:cNvSpPr>
+          <p:nvPr>
+            <p:ph type="ftr" sz="quarter" idx="11"/>
+          </p:nvPr>
+        </p:nvSpPr>
+        <p:spPr/>
+        <p:txBody>
+          <a:bodyPr/>
+          <a:lstStyle/>
+          <a:p>
+            <a:r>
+              <a:rPr lang="en-US"/>
+              <a:t>Proposed by Tanapol Wong-asa (2022)</a:t>
+            </a:r>
+          </a:p>
+        </p:txBody>
+      </p:sp>
+      <p:sp>
+        <p:nvSpPr>
+          <p:cNvPr id="4" name="Slide Number Placeholder 3">
+            <a:extLst>
+              <a:ext uri="{FF2B5EF4-FFF2-40B4-BE49-F238E27FC236}">
+                <a16:creationId xmlns:a16="http://schemas.microsoft.com/office/drawing/2014/main" id="{393044F1-F992-4189-800F-7032C3A90D44}"/>
+              </a:ext>
+            </a:extLst>
+          </p:cNvPr>
+          <p:cNvSpPr>
+            <a:spLocks noGrp="1"/>
+          </p:cNvSpPr>
+          <p:nvPr>
+            <p:ph type="sldNum" sz="quarter" idx="12"/>
+          </p:nvPr>
+        </p:nvSpPr>
+        <p:spPr/>
+        <p:txBody>
+          <a:bodyPr/>
+          <a:lstStyle/>
+          <a:p>
+            <a:fld id="{FFF3E01E-F0E0-46B5-B925-62E3304D3077}" type="slidenum">
+              <a:rPr lang="en-US" smtClean="0"/>
+              <a:t>9</a:t>
+            </a:fld>
+            <a:endParaRPr lang="en-US"/>
+          </a:p>
+        </p:txBody>
+      </p:sp>
     </p:spTree>
     <p:extLst>
       <p:ext uri="{BB962C8B-B14F-4D97-AF65-F5344CB8AC3E}">
@@ -8145,4 +15041,299 @@
     </a:ext>
   </a:extLst>
 </a:theme>
+</file>
+
+<file path=ppt/theme/theme2.xml><?xml version="1.0" encoding="utf-8"?>
+<a:theme xmlns:a="http://schemas.openxmlformats.org/drawingml/2006/main" name="Office Theme">
+  <a:themeElements>
+    <a:clrScheme name="Office">
+      <a:dk1>
+        <a:sysClr val="windowText" lastClr="000000"/>
+      </a:dk1>
+      <a:lt1>
+        <a:sysClr val="window" lastClr="FFFFFF"/>
+      </a:lt1>
+      <a:dk2>
+        <a:srgbClr val="44546A"/>
+      </a:dk2>
+      <a:lt2>
+        <a:srgbClr val="E7E6E6"/>
+      </a:lt2>
+      <a:accent1>
+        <a:srgbClr val="4472C4"/>
+      </a:accent1>
+      <a:accent2>
+        <a:srgbClr val="ED7D31"/>
+      </a:accent2>
+      <a:accent3>
+        <a:srgbClr val="A5A5A5"/>
+      </a:accent3>
+      <a:accent4>
+        <a:srgbClr val="FFC000"/>
+      </a:accent4>
+      <a:accent5>
+        <a:srgbClr val="5B9BD5"/>
+      </a:accent5>
+      <a:accent6>
+        <a:srgbClr val="70AD47"/>
+      </a:accent6>
+      <a:hlink>
+        <a:srgbClr val="0563C1"/>
+      </a:hlink>
+      <a:folHlink>
+        <a:srgbClr val="954F72"/>
+      </a:folHlink>
+    </a:clrScheme>
+    <a:fontScheme name="Office">
+      <a:majorFont>
+        <a:latin typeface="Calibri Light" panose="020F0302020204030204"/>
+        <a:ea typeface=""/>
+        <a:cs typeface=""/>
+        <a:font script="Jpan" typeface="游ゴシック Light"/>
+        <a:font script="Hang" typeface="맑은 고딕"/>
+        <a:font script="Hans" typeface="等线 Light"/>
+        <a:font script="Hant" typeface="新細明體"/>
+        <a:font script="Arab" typeface="Times New Roman"/>
+        <a:font script="Hebr" typeface="Times New Roman"/>
+        <a:font script="Thai" typeface="Angsana New"/>
+        <a:font script="Ethi" typeface="Nyala"/>
+        <a:font script="Beng" typeface="Vrinda"/>
+        <a:font script="Gujr" typeface="Shruti"/>
+        <a:font script="Khmr" typeface="MoolBoran"/>
+        <a:font script="Knda" typeface="Tunga"/>
+        <a:font script="Guru" typeface="Raavi"/>
+        <a:font script="Cans" typeface="Euphemia"/>
+        <a:font script="Cher" typeface="Plantagenet Cherokee"/>
+        <a:font script="Yiii" typeface="Microsoft Yi Baiti"/>
+        <a:font script="Tibt" typeface="Microsoft Himalaya"/>
+        <a:font script="Thaa" typeface="MV Boli"/>
+        <a:font script="Deva" typeface="Mangal"/>
+        <a:font script="Telu" typeface="Gautami"/>
+        <a:font script="Taml" typeface="Latha"/>
+        <a:font script="Syrc" typeface="Estrangelo Edessa"/>
+        <a:font script="Orya" typeface="Kalinga"/>
+        <a:font script="Mlym" typeface="Kartika"/>
+        <a:font script="Laoo" typeface="DokChampa"/>
+        <a:font script="Sinh" typeface="Iskoola Pota"/>
+        <a:font script="Mong" typeface="Mongolian Baiti"/>
+        <a:font script="Viet" typeface="Times New Roman"/>
+        <a:font script="Uigh" typeface="Microsoft Uighur"/>
+        <a:font script="Geor" typeface="Sylfaen"/>
+        <a:font script="Armn" typeface="Arial"/>
+        <a:font script="Bugi" typeface="Leelawadee UI"/>
+        <a:font script="Bopo" typeface="Microsoft JhengHei"/>
+        <a:font script="Java" typeface="Javanese Text"/>
+        <a:font script="Lisu" typeface="Segoe UI"/>
+        <a:font script="Mymr" typeface="Myanmar Text"/>
+        <a:font script="Nkoo" typeface="Ebrima"/>
+        <a:font script="Olck" typeface="Nirmala UI"/>
+        <a:font script="Osma" typeface="Ebrima"/>
+        <a:font script="Phag" typeface="Phagspa"/>
+        <a:font script="Syrn" typeface="Estrangelo Edessa"/>
+        <a:font script="Syrj" typeface="Estrangelo Edessa"/>
+        <a:font script="Syre" typeface="Estrangelo Edessa"/>
+        <a:font script="Sora" typeface="Nirmala UI"/>
+        <a:font script="Tale" typeface="Microsoft Tai Le"/>
+        <a:font script="Talu" typeface="Microsoft New Tai Lue"/>
+        <a:font script="Tfng" typeface="Ebrima"/>
+      </a:majorFont>
+      <a:minorFont>
+        <a:latin typeface="Calibri" panose="020F0502020204030204"/>
+        <a:ea typeface=""/>
+        <a:cs typeface=""/>
+        <a:font script="Jpan" typeface="游ゴシック"/>
+        <a:font script="Hang" typeface="맑은 고딕"/>
+        <a:font script="Hans" typeface="等线"/>
+        <a:font script="Hant" typeface="新細明體"/>
+        <a:font script="Arab" typeface="Arial"/>
+        <a:font script="Hebr" typeface="Arial"/>
+        <a:font script="Thai" typeface="Cordia New"/>
+        <a:font script="Ethi" typeface="Nyala"/>
+        <a:font script="Beng" typeface="Vrinda"/>
+        <a:font script="Gujr" typeface="Shruti"/>
+        <a:font script="Khmr" typeface="DaunPenh"/>
+        <a:font script="Knda" typeface="Tunga"/>
+        <a:font script="Guru" typeface="Raavi"/>
+        <a:font script="Cans" typeface="Euphemia"/>
+        <a:font script="Cher" typeface="Plantagenet Cherokee"/>
+        <a:font script="Yiii" typeface="Microsoft Yi Baiti"/>
+        <a:font script="Tibt" typeface="Microsoft Himalaya"/>
+        <a:font script="Thaa" typeface="MV Boli"/>
+        <a:font script="Deva" typeface="Mangal"/>
+        <a:font script="Telu" typeface="Gautami"/>
+        <a:font script="Taml" typeface="Latha"/>
+        <a:font script="Syrc" typeface="Estrangelo Edessa"/>
+        <a:font script="Orya" typeface="Kalinga"/>
+        <a:font script="Mlym" typeface="Kartika"/>
+        <a:font script="Laoo" typeface="DokChampa"/>
+        <a:font script="Sinh" typeface="Iskoola Pota"/>
+        <a:font script="Mong" typeface="Mongolian Baiti"/>
+        <a:font script="Viet" typeface="Arial"/>
+        <a:font script="Uigh" typeface="Microsoft Uighur"/>
+        <a:font script="Geor" typeface="Sylfaen"/>
+        <a:font script="Armn" typeface="Arial"/>
+        <a:font script="Bugi" typeface="Leelawadee UI"/>
+        <a:font script="Bopo" typeface="Microsoft JhengHei"/>
+        <a:font script="Java" typeface="Javanese Text"/>
+        <a:font script="Lisu" typeface="Segoe UI"/>
+        <a:font script="Mymr" typeface="Myanmar Text"/>
+        <a:font script="Nkoo" typeface="Ebrima"/>
+        <a:font script="Olck" typeface="Nirmala UI"/>
+        <a:font script="Osma" typeface="Ebrima"/>
+        <a:font script="Phag" typeface="Phagspa"/>
+        <a:font script="Syrn" typeface="Estrangelo Edessa"/>
+        <a:font script="Syrj" typeface="Estrangelo Edessa"/>
+        <a:font script="Syre" typeface="Estrangelo Edessa"/>
+        <a:font script="Sora" typeface="Nirmala UI"/>
+        <a:font script="Tale" typeface="Microsoft Tai Le"/>
+        <a:font script="Talu" typeface="Microsoft New Tai Lue"/>
+        <a:font script="Tfng" typeface="Ebrima"/>
+      </a:minorFont>
+    </a:fontScheme>
+    <a:fmtScheme name="Office">
+      <a:fillStyleLst>
+        <a:solidFill>
+          <a:schemeClr val="phClr"/>
+        </a:solidFill>
+        <a:gradFill rotWithShape="1">
+          <a:gsLst>
+            <a:gs pos="0">
+              <a:schemeClr val="phClr">
+                <a:lumMod val="110000"/>
+                <a:satMod val="105000"/>
+                <a:tint val="67000"/>
+              </a:schemeClr>
+            </a:gs>
+            <a:gs pos="50000">
+              <a:schemeClr val="phClr">
+                <a:lumMod val="105000"/>
+                <a:satMod val="103000"/>
+                <a:tint val="73000"/>
+              </a:schemeClr>
+            </a:gs>
+            <a:gs pos="100000">
+              <a:schemeClr val="phClr">
+                <a:lumMod val="105000"/>
+                <a:satMod val="109000"/>
+                <a:tint val="81000"/>
+              </a:schemeClr>
+            </a:gs>
+          </a:gsLst>
+          <a:lin ang="5400000" scaled="0"/>
+        </a:gradFill>
+        <a:gradFill rotWithShape="1">
+          <a:gsLst>
+            <a:gs pos="0">
+              <a:schemeClr val="phClr">
+                <a:satMod val="103000"/>
+                <a:lumMod val="102000"/>
+                <a:tint val="94000"/>
+              </a:schemeClr>
+            </a:gs>
+            <a:gs pos="50000">
+              <a:schemeClr val="phClr">
+                <a:satMod val="110000"/>
+                <a:lumMod val="100000"/>
+                <a:shade val="100000"/>
+              </a:schemeClr>
+            </a:gs>
+            <a:gs pos="100000">
+              <a:schemeClr val="phClr">
+                <a:lumMod val="99000"/>
+                <a:satMod val="120000"/>
+                <a:shade val="78000"/>
+              </a:schemeClr>
+            </a:gs>
+          </a:gsLst>
+          <a:lin ang="5400000" scaled="0"/>
+        </a:gradFill>
+      </a:fillStyleLst>
+      <a:lnStyleLst>
+        <a:ln w="6350" cap="flat" cmpd="sng" algn="ctr">
+          <a:solidFill>
+            <a:schemeClr val="phClr"/>
+          </a:solidFill>
+          <a:prstDash val="solid"/>
+          <a:miter lim="800000"/>
+        </a:ln>
+        <a:ln w="12700" cap="flat" cmpd="sng" algn="ctr">
+          <a:solidFill>
+            <a:schemeClr val="phClr"/>
+          </a:solidFill>
+          <a:prstDash val="solid"/>
+          <a:miter lim="800000"/>
+        </a:ln>
+        <a:ln w="19050" cap="flat" cmpd="sng" algn="ctr">
+          <a:solidFill>
+            <a:schemeClr val="phClr"/>
+          </a:solidFill>
+          <a:prstDash val="solid"/>
+          <a:miter lim="800000"/>
+        </a:ln>
+      </a:lnStyleLst>
+      <a:effectStyleLst>
+        <a:effectStyle>
+          <a:effectLst/>
+        </a:effectStyle>
+        <a:effectStyle>
+          <a:effectLst/>
+        </a:effectStyle>
+        <a:effectStyle>
+          <a:effectLst>
+            <a:outerShdw blurRad="57150" dist="19050" dir="5400000" algn="ctr" rotWithShape="0">
+              <a:srgbClr val="000000">
+                <a:alpha val="63000"/>
+              </a:srgbClr>
+            </a:outerShdw>
+          </a:effectLst>
+        </a:effectStyle>
+      </a:effectStyleLst>
+      <a:bgFillStyleLst>
+        <a:solidFill>
+          <a:schemeClr val="phClr"/>
+        </a:solidFill>
+        <a:solidFill>
+          <a:schemeClr val="phClr">
+            <a:tint val="95000"/>
+            <a:satMod val="170000"/>
+          </a:schemeClr>
+        </a:solidFill>
+        <a:gradFill rotWithShape="1">
+          <a:gsLst>
+            <a:gs pos="0">
+              <a:schemeClr val="phClr">
+                <a:tint val="93000"/>
+                <a:satMod val="150000"/>
+                <a:shade val="98000"/>
+                <a:lumMod val="102000"/>
+              </a:schemeClr>
+            </a:gs>
+            <a:gs pos="50000">
+              <a:schemeClr val="phClr">
+                <a:tint val="98000"/>
+                <a:satMod val="130000"/>
+                <a:shade val="90000"/>
+                <a:lumMod val="103000"/>
+              </a:schemeClr>
+            </a:gs>
+            <a:gs pos="100000">
+              <a:schemeClr val="phClr">
+                <a:shade val="63000"/>
+                <a:satMod val="120000"/>
+              </a:schemeClr>
+            </a:gs>
+          </a:gsLst>
+          <a:lin ang="5400000" scaled="0"/>
+        </a:gradFill>
+      </a:bgFillStyleLst>
+    </a:fmtScheme>
+  </a:themeElements>
+  <a:objectDefaults/>
+  <a:extraClrSchemeLst/>
+  <a:extLst>
+    <a:ext uri="{05A4C25C-085E-4340-85A3-A5531E510DB2}">
+      <thm15:themeFamily xmlns:thm15="http://schemas.microsoft.com/office/thememl/2012/main" name="Office Theme" id="{62F939B6-93AF-4DB8-9C6B-D6C7DFDC589F}" vid="{4A3C46E8-61CC-4603-A589-7422A47A8E4A}"/>
+    </a:ext>
+  </a:extLst>
+</a:theme>
 </file>